--- a/330.pptx
+++ b/330.pptx
@@ -5,10 +5,10 @@
     <p:sldMasterId id="2147483801" r:id="rId1"/>
   </p:sldMasterIdLst>
   <p:notesMasterIdLst>
-    <p:notesMasterId r:id="rId15"/>
+    <p:notesMasterId r:id="rId16"/>
   </p:notesMasterIdLst>
   <p:handoutMasterIdLst>
-    <p:handoutMasterId r:id="rId16"/>
+    <p:handoutMasterId r:id="rId17"/>
   </p:handoutMasterIdLst>
   <p:sldIdLst>
     <p:sldId id="256" r:id="rId2"/>
@@ -23,7 +23,8 @@
     <p:sldId id="342" r:id="rId11"/>
     <p:sldId id="339" r:id="rId12"/>
     <p:sldId id="333" r:id="rId13"/>
-    <p:sldId id="329" r:id="rId14"/>
+    <p:sldId id="345" r:id="rId14"/>
+    <p:sldId id="329" r:id="rId15"/>
   </p:sldIdLst>
   <p:sldSz cx="9144000" cy="6858000" type="screen4x3"/>
   <p:notesSz cx="6858000" cy="9144000"/>
@@ -246,7 +247,7 @@
               <a:pPr>
                 <a:defRPr/>
               </a:pPr>
-              <a:t>7/17/11</a:t>
+              <a:t>7/21/11</a:t>
             </a:fld>
             <a:endParaRPr lang="en-US"/>
           </a:p>
@@ -429,7 +430,7 @@
               <a:pPr>
                 <a:defRPr/>
               </a:pPr>
-              <a:t>7/17/11</a:t>
+              <a:t>7/21/11</a:t>
             </a:fld>
             <a:endParaRPr lang="en-US"/>
           </a:p>
@@ -1340,7 +1341,66 @@
           <a:bodyPr/>
           <a:lstStyle/>
           <a:p>
-            <a:endParaRPr lang="en-US" dirty="0"/>
+            <a:r>
+              <a:rPr lang="en-US" dirty="0" smtClean="0"/>
+              <a:t>HTML</a:t>
+            </a:r>
+            <a:r>
+              <a:rPr lang="en-US" baseline="0" dirty="0" smtClean="0"/>
+              <a:t> 5 includes many form-related additions</a:t>
+            </a:r>
+          </a:p>
+          <a:p>
+            <a:endParaRPr lang="en-US" baseline="0" dirty="0" smtClean="0"/>
+          </a:p>
+          <a:p>
+            <a:r>
+              <a:rPr lang="en-US" baseline="0" dirty="0" smtClean="0"/>
+              <a:t>HTML 5 form validation not fully supported across platforms</a:t>
+            </a:r>
+          </a:p>
+          <a:p>
+            <a:endParaRPr lang="en-US" baseline="0" dirty="0" smtClean="0"/>
+          </a:p>
+          <a:p>
+            <a:r>
+              <a:rPr lang="en-US" baseline="0" dirty="0" smtClean="0"/>
+              <a:t>Demo: finished </a:t>
+            </a:r>
+            <a:r>
+              <a:rPr lang="en-US" baseline="0" dirty="0" err="1" smtClean="0"/>
+              <a:t>BountyHunter</a:t>
+            </a:r>
+            <a:r>
+              <a:rPr lang="en-US" baseline="0" dirty="0" smtClean="0"/>
+              <a:t>, new bounty form is built with HTML</a:t>
+            </a:r>
+          </a:p>
+          <a:p>
+            <a:pPr marL="171450" indent="-171450">
+              <a:buFont typeface="Arial"/>
+              <a:buChar char="•"/>
+            </a:pPr>
+            <a:r>
+              <a:rPr lang="en-US" baseline="0" dirty="0" smtClean="0"/>
+              <a:t>Fields auto-scroll to remain visible</a:t>
+            </a:r>
+          </a:p>
+          <a:p>
+            <a:pPr marL="171450" indent="-171450">
+              <a:buFont typeface="Arial"/>
+              <a:buChar char="•"/>
+            </a:pPr>
+            <a:r>
+              <a:rPr lang="en-US" baseline="0" dirty="0" smtClean="0"/>
+              <a:t>Next/previous buttons</a:t>
+            </a:r>
+          </a:p>
+          <a:p>
+            <a:endParaRPr lang="en-US" baseline="0" dirty="0" smtClean="0"/>
+          </a:p>
+          <a:p>
+            <a:endParaRPr lang="en-US" baseline="0" dirty="0" smtClean="0"/>
           </a:p>
         </p:txBody>
       </p:sp>
@@ -1387,6 +1447,1014 @@
 </file>
 
 <file path=ppt/notesSlides/notesSlide12.xml><?xml version="1.0" encoding="utf-8"?>
+<p:notes xmlns:a="http://schemas.openxmlformats.org/drawingml/2006/main" xmlns:r="http://schemas.openxmlformats.org/officeDocument/2006/relationships" xmlns:p="http://schemas.openxmlformats.org/presentationml/2006/main">
+  <p:cSld>
+    <p:bg>
+      <p:bgPr>
+        <a:solidFill>
+          <a:srgbClr val="FFFFFF"/>
+        </a:solidFill>
+        <a:effectLst/>
+      </p:bgPr>
+    </p:bg>
+    <p:spTree>
+      <p:nvGrpSpPr>
+        <p:cNvPr id="1" name=""/>
+        <p:cNvGrpSpPr/>
+        <p:nvPr/>
+      </p:nvGrpSpPr>
+      <p:grpSpPr>
+        <a:xfrm>
+          <a:off x="0" y="0"/>
+          <a:ext cx="0" cy="0"/>
+          <a:chOff x="0" y="0"/>
+          <a:chExt cx="0" cy="0"/>
+        </a:xfrm>
+      </p:grpSpPr>
+      <p:sp>
+        <p:nvSpPr>
+          <p:cNvPr id="5" name="Rectangle 8"/>
+          <p:cNvSpPr>
+            <a:spLocks noGrp="1" noChangeArrowheads="1"/>
+          </p:cNvSpPr>
+          <p:nvPr>
+            <p:ph type="dt"/>
+          </p:nvPr>
+        </p:nvSpPr>
+        <p:spPr>
+          <a:ln/>
+        </p:spPr>
+        <p:txBody>
+          <a:bodyPr/>
+          <a:lstStyle/>
+          <a:p>
+            <a:r>
+              <a:rPr lang="en-US"/>
+              <a:t>03/23/11</a:t>
+            </a:r>
+          </a:p>
+        </p:txBody>
+      </p:sp>
+      <p:sp>
+        <p:nvSpPr>
+          <p:cNvPr id="6" name="Rectangle 12"/>
+          <p:cNvSpPr>
+            <a:spLocks noGrp="1" noChangeArrowheads="1"/>
+          </p:cNvSpPr>
+          <p:nvPr>
+            <p:ph type="sldNum"/>
+          </p:nvPr>
+        </p:nvSpPr>
+        <p:spPr>
+          <a:ln/>
+        </p:spPr>
+        <p:txBody>
+          <a:bodyPr/>
+          <a:lstStyle/>
+          <a:p>
+            <a:fld id="{596506FA-97EC-5B44-B9D0-7A92857243D4}" type="slidenum">
+              <a:rPr lang="en-US"/>
+              <a:pPr/>
+              <a:t>13</a:t>
+            </a:fld>
+            <a:endParaRPr lang="en-US"/>
+          </a:p>
+        </p:txBody>
+      </p:sp>
+      <p:sp>
+        <p:nvSpPr>
+          <p:cNvPr id="40961" name="Text Box 1"/>
+          <p:cNvSpPr txBox="1">
+            <a:spLocks noGrp="1" noRot="1" noChangeAspect="1" noChangeArrowheads="1"/>
+          </p:cNvSpPr>
+          <p:nvPr>
+            <p:ph type="sldImg"/>
+          </p:nvPr>
+        </p:nvSpPr>
+        <p:spPr bwMode="auto">
+          <a:xfrm>
+            <a:off x="1143000" y="685800"/>
+            <a:ext cx="4572000" cy="3429000"/>
+          </a:xfrm>
+          <a:prstGeom prst="rect">
+            <a:avLst/>
+          </a:prstGeom>
+          <a:solidFill>
+            <a:srgbClr val="FFFFFF"/>
+          </a:solidFill>
+          <a:ln>
+            <a:solidFill>
+              <a:srgbClr val="000000"/>
+            </a:solidFill>
+            <a:miter lim="800000"/>
+            <a:headEnd/>
+            <a:tailEnd/>
+          </a:ln>
+          <a:extLst>
+            <a:ext uri="{AF507438-7753-43e0-B8FC-AC1667EBCBE1}">
+              <a14:hiddenEffects xmlns:a14="http://schemas.microsoft.com/office/drawing/2010/main">
+                <a:effectLst>
+                  <a:outerShdw blurRad="63500" dist="38099" dir="2700000" algn="ctr" rotWithShape="0">
+                    <a:srgbClr val="000000">
+                      <a:alpha val="74998"/>
+                    </a:srgbClr>
+                  </a:outerShdw>
+                </a:effectLst>
+              </a14:hiddenEffects>
+            </a:ext>
+          </a:extLst>
+        </p:spPr>
+      </p:sp>
+      <p:sp>
+        <p:nvSpPr>
+          <p:cNvPr id="40962" name="Text Box 2"/>
+          <p:cNvSpPr txBox="1">
+            <a:spLocks noGrp="1" noChangeArrowheads="1"/>
+          </p:cNvSpPr>
+          <p:nvPr>
+            <p:ph type="body" idx="1"/>
+          </p:nvPr>
+        </p:nvSpPr>
+        <p:spPr bwMode="auto">
+          <a:xfrm>
+            <a:off x="685800" y="4343400"/>
+            <a:ext cx="5486400" cy="4114800"/>
+          </a:xfrm>
+          <a:prstGeom prst="rect">
+            <a:avLst/>
+          </a:prstGeom>
+          <a:noFill/>
+          <a:ln/>
+          <a:extLst>
+            <a:ext uri="{909E8E84-426E-40dd-AFC4-6F175D3DCCD1}">
+              <a14:hiddenFill xmlns:a14="http://schemas.microsoft.com/office/drawing/2010/main">
+                <a:solidFill>
+                  <a:srgbClr val="FFFFFF"/>
+                </a:solidFill>
+              </a14:hiddenFill>
+            </a:ext>
+            <a:ext uri="{91240B29-F687-4f45-9708-019B960494DF}">
+              <a14:hiddenLine xmlns:a14="http://schemas.microsoft.com/office/drawing/2010/main" w="9525">
+                <a:solidFill>
+                  <a:srgbClr val="000000"/>
+                </a:solidFill>
+                <a:round/>
+                <a:headEnd/>
+                <a:tailEnd/>
+              </a14:hiddenLine>
+            </a:ext>
+            <a:ext uri="{AF507438-7753-43e0-B8FC-AC1667EBCBE1}">
+              <a14:hiddenEffects xmlns:a14="http://schemas.microsoft.com/office/drawing/2010/main">
+                <a:effectLst>
+                  <a:outerShdw blurRad="63500" dist="38099" dir="2700000" algn="ctr" rotWithShape="0">
+                    <a:srgbClr val="000000">
+                      <a:alpha val="74998"/>
+                    </a:srgbClr>
+                  </a:outerShdw>
+                </a:effectLst>
+              </a14:hiddenEffects>
+            </a:ext>
+          </a:extLst>
+        </p:spPr>
+        <p:txBody>
+          <a:bodyPr wrap="none" anchor="ctr"/>
+          <a:lstStyle>
+            <a:lvl1pPr>
+              <a:tabLst>
+                <a:tab pos="0" algn="l"/>
+                <a:tab pos="457200" algn="l"/>
+                <a:tab pos="914400" algn="l"/>
+                <a:tab pos="1371600" algn="l"/>
+                <a:tab pos="1828800" algn="l"/>
+                <a:tab pos="2286000" algn="l"/>
+                <a:tab pos="2743200" algn="l"/>
+                <a:tab pos="3200400" algn="l"/>
+                <a:tab pos="3657600" algn="l"/>
+                <a:tab pos="4114800" algn="l"/>
+                <a:tab pos="4572000" algn="l"/>
+                <a:tab pos="5029200" algn="l"/>
+                <a:tab pos="5486400" algn="l"/>
+                <a:tab pos="5943600" algn="l"/>
+                <a:tab pos="6400800" algn="l"/>
+                <a:tab pos="6858000" algn="l"/>
+                <a:tab pos="7315200" algn="l"/>
+                <a:tab pos="7772400" algn="l"/>
+                <a:tab pos="8229600" algn="l"/>
+                <a:tab pos="8686800" algn="l"/>
+                <a:tab pos="9144000" algn="l"/>
+              </a:tabLst>
+              <a:defRPr sz="1200">
+                <a:solidFill>
+                  <a:srgbClr val="000000"/>
+                </a:solidFill>
+                <a:latin typeface="Times New Roman" charset="0"/>
+                <a:ea typeface="ＭＳ Ｐゴシック" charset="0"/>
+              </a:defRPr>
+            </a:lvl1pPr>
+            <a:lvl2pPr>
+              <a:tabLst>
+                <a:tab pos="0" algn="l"/>
+                <a:tab pos="457200" algn="l"/>
+                <a:tab pos="914400" algn="l"/>
+                <a:tab pos="1371600" algn="l"/>
+                <a:tab pos="1828800" algn="l"/>
+                <a:tab pos="2286000" algn="l"/>
+                <a:tab pos="2743200" algn="l"/>
+                <a:tab pos="3200400" algn="l"/>
+                <a:tab pos="3657600" algn="l"/>
+                <a:tab pos="4114800" algn="l"/>
+                <a:tab pos="4572000" algn="l"/>
+                <a:tab pos="5029200" algn="l"/>
+                <a:tab pos="5486400" algn="l"/>
+                <a:tab pos="5943600" algn="l"/>
+                <a:tab pos="6400800" algn="l"/>
+                <a:tab pos="6858000" algn="l"/>
+                <a:tab pos="7315200" algn="l"/>
+                <a:tab pos="7772400" algn="l"/>
+                <a:tab pos="8229600" algn="l"/>
+                <a:tab pos="8686800" algn="l"/>
+                <a:tab pos="9144000" algn="l"/>
+              </a:tabLst>
+              <a:defRPr sz="1200">
+                <a:solidFill>
+                  <a:srgbClr val="000000"/>
+                </a:solidFill>
+                <a:latin typeface="Times New Roman" charset="0"/>
+                <a:ea typeface="ＭＳ Ｐゴシック" charset="0"/>
+              </a:defRPr>
+            </a:lvl2pPr>
+            <a:lvl3pPr>
+              <a:tabLst>
+                <a:tab pos="0" algn="l"/>
+                <a:tab pos="457200" algn="l"/>
+                <a:tab pos="914400" algn="l"/>
+                <a:tab pos="1371600" algn="l"/>
+                <a:tab pos="1828800" algn="l"/>
+                <a:tab pos="2286000" algn="l"/>
+                <a:tab pos="2743200" algn="l"/>
+                <a:tab pos="3200400" algn="l"/>
+                <a:tab pos="3657600" algn="l"/>
+                <a:tab pos="4114800" algn="l"/>
+                <a:tab pos="4572000" algn="l"/>
+                <a:tab pos="5029200" algn="l"/>
+                <a:tab pos="5486400" algn="l"/>
+                <a:tab pos="5943600" algn="l"/>
+                <a:tab pos="6400800" algn="l"/>
+                <a:tab pos="6858000" algn="l"/>
+                <a:tab pos="7315200" algn="l"/>
+                <a:tab pos="7772400" algn="l"/>
+                <a:tab pos="8229600" algn="l"/>
+                <a:tab pos="8686800" algn="l"/>
+                <a:tab pos="9144000" algn="l"/>
+              </a:tabLst>
+              <a:defRPr sz="1200">
+                <a:solidFill>
+                  <a:srgbClr val="000000"/>
+                </a:solidFill>
+                <a:latin typeface="Times New Roman" charset="0"/>
+                <a:ea typeface="ＭＳ Ｐゴシック" charset="0"/>
+              </a:defRPr>
+            </a:lvl3pPr>
+            <a:lvl4pPr>
+              <a:tabLst>
+                <a:tab pos="0" algn="l"/>
+                <a:tab pos="457200" algn="l"/>
+                <a:tab pos="914400" algn="l"/>
+                <a:tab pos="1371600" algn="l"/>
+                <a:tab pos="1828800" algn="l"/>
+                <a:tab pos="2286000" algn="l"/>
+                <a:tab pos="2743200" algn="l"/>
+                <a:tab pos="3200400" algn="l"/>
+                <a:tab pos="3657600" algn="l"/>
+                <a:tab pos="4114800" algn="l"/>
+                <a:tab pos="4572000" algn="l"/>
+                <a:tab pos="5029200" algn="l"/>
+                <a:tab pos="5486400" algn="l"/>
+                <a:tab pos="5943600" algn="l"/>
+                <a:tab pos="6400800" algn="l"/>
+                <a:tab pos="6858000" algn="l"/>
+                <a:tab pos="7315200" algn="l"/>
+                <a:tab pos="7772400" algn="l"/>
+                <a:tab pos="8229600" algn="l"/>
+                <a:tab pos="8686800" algn="l"/>
+                <a:tab pos="9144000" algn="l"/>
+              </a:tabLst>
+              <a:defRPr sz="1200">
+                <a:solidFill>
+                  <a:srgbClr val="000000"/>
+                </a:solidFill>
+                <a:latin typeface="Times New Roman" charset="0"/>
+                <a:ea typeface="ＭＳ Ｐゴシック" charset="0"/>
+              </a:defRPr>
+            </a:lvl4pPr>
+            <a:lvl5pPr>
+              <a:tabLst>
+                <a:tab pos="0" algn="l"/>
+                <a:tab pos="457200" algn="l"/>
+                <a:tab pos="914400" algn="l"/>
+                <a:tab pos="1371600" algn="l"/>
+                <a:tab pos="1828800" algn="l"/>
+                <a:tab pos="2286000" algn="l"/>
+                <a:tab pos="2743200" algn="l"/>
+                <a:tab pos="3200400" algn="l"/>
+                <a:tab pos="3657600" algn="l"/>
+                <a:tab pos="4114800" algn="l"/>
+                <a:tab pos="4572000" algn="l"/>
+                <a:tab pos="5029200" algn="l"/>
+                <a:tab pos="5486400" algn="l"/>
+                <a:tab pos="5943600" algn="l"/>
+                <a:tab pos="6400800" algn="l"/>
+                <a:tab pos="6858000" algn="l"/>
+                <a:tab pos="7315200" algn="l"/>
+                <a:tab pos="7772400" algn="l"/>
+                <a:tab pos="8229600" algn="l"/>
+                <a:tab pos="8686800" algn="l"/>
+                <a:tab pos="9144000" algn="l"/>
+              </a:tabLst>
+              <a:defRPr sz="1200">
+                <a:solidFill>
+                  <a:srgbClr val="000000"/>
+                </a:solidFill>
+                <a:latin typeface="Times New Roman" charset="0"/>
+                <a:ea typeface="ＭＳ Ｐゴシック" charset="0"/>
+              </a:defRPr>
+            </a:lvl5pPr>
+            <a:lvl6pPr marL="2514600" indent="-228600" eaLnBrk="0" fontAlgn="base" hangingPunct="0">
+              <a:spcBef>
+                <a:spcPct val="30000"/>
+              </a:spcBef>
+              <a:spcAft>
+                <a:spcPct val="0"/>
+              </a:spcAft>
+              <a:buClr>
+                <a:srgbClr val="000000"/>
+              </a:buClr>
+              <a:buSzPct val="100000"/>
+              <a:buFont typeface="Times New Roman" charset="0"/>
+              <a:tabLst>
+                <a:tab pos="0" algn="l"/>
+                <a:tab pos="457200" algn="l"/>
+                <a:tab pos="914400" algn="l"/>
+                <a:tab pos="1371600" algn="l"/>
+                <a:tab pos="1828800" algn="l"/>
+                <a:tab pos="2286000" algn="l"/>
+                <a:tab pos="2743200" algn="l"/>
+                <a:tab pos="3200400" algn="l"/>
+                <a:tab pos="3657600" algn="l"/>
+                <a:tab pos="4114800" algn="l"/>
+                <a:tab pos="4572000" algn="l"/>
+                <a:tab pos="5029200" algn="l"/>
+                <a:tab pos="5486400" algn="l"/>
+                <a:tab pos="5943600" algn="l"/>
+                <a:tab pos="6400800" algn="l"/>
+                <a:tab pos="6858000" algn="l"/>
+                <a:tab pos="7315200" algn="l"/>
+                <a:tab pos="7772400" algn="l"/>
+                <a:tab pos="8229600" algn="l"/>
+                <a:tab pos="8686800" algn="l"/>
+                <a:tab pos="9144000" algn="l"/>
+              </a:tabLst>
+              <a:defRPr sz="1200">
+                <a:solidFill>
+                  <a:srgbClr val="000000"/>
+                </a:solidFill>
+                <a:latin typeface="Times New Roman" charset="0"/>
+                <a:ea typeface="ＭＳ Ｐゴシック" charset="0"/>
+              </a:defRPr>
+            </a:lvl6pPr>
+            <a:lvl7pPr marL="2971800" indent="-228600" eaLnBrk="0" fontAlgn="base" hangingPunct="0">
+              <a:spcBef>
+                <a:spcPct val="30000"/>
+              </a:spcBef>
+              <a:spcAft>
+                <a:spcPct val="0"/>
+              </a:spcAft>
+              <a:buClr>
+                <a:srgbClr val="000000"/>
+              </a:buClr>
+              <a:buSzPct val="100000"/>
+              <a:buFont typeface="Times New Roman" charset="0"/>
+              <a:tabLst>
+                <a:tab pos="0" algn="l"/>
+                <a:tab pos="457200" algn="l"/>
+                <a:tab pos="914400" algn="l"/>
+                <a:tab pos="1371600" algn="l"/>
+                <a:tab pos="1828800" algn="l"/>
+                <a:tab pos="2286000" algn="l"/>
+                <a:tab pos="2743200" algn="l"/>
+                <a:tab pos="3200400" algn="l"/>
+                <a:tab pos="3657600" algn="l"/>
+                <a:tab pos="4114800" algn="l"/>
+                <a:tab pos="4572000" algn="l"/>
+                <a:tab pos="5029200" algn="l"/>
+                <a:tab pos="5486400" algn="l"/>
+                <a:tab pos="5943600" algn="l"/>
+                <a:tab pos="6400800" algn="l"/>
+                <a:tab pos="6858000" algn="l"/>
+                <a:tab pos="7315200" algn="l"/>
+                <a:tab pos="7772400" algn="l"/>
+                <a:tab pos="8229600" algn="l"/>
+                <a:tab pos="8686800" algn="l"/>
+                <a:tab pos="9144000" algn="l"/>
+              </a:tabLst>
+              <a:defRPr sz="1200">
+                <a:solidFill>
+                  <a:srgbClr val="000000"/>
+                </a:solidFill>
+                <a:latin typeface="Times New Roman" charset="0"/>
+                <a:ea typeface="ＭＳ Ｐゴシック" charset="0"/>
+              </a:defRPr>
+            </a:lvl7pPr>
+            <a:lvl8pPr marL="3429000" indent="-228600" eaLnBrk="0" fontAlgn="base" hangingPunct="0">
+              <a:spcBef>
+                <a:spcPct val="30000"/>
+              </a:spcBef>
+              <a:spcAft>
+                <a:spcPct val="0"/>
+              </a:spcAft>
+              <a:buClr>
+                <a:srgbClr val="000000"/>
+              </a:buClr>
+              <a:buSzPct val="100000"/>
+              <a:buFont typeface="Times New Roman" charset="0"/>
+              <a:tabLst>
+                <a:tab pos="0" algn="l"/>
+                <a:tab pos="457200" algn="l"/>
+                <a:tab pos="914400" algn="l"/>
+                <a:tab pos="1371600" algn="l"/>
+                <a:tab pos="1828800" algn="l"/>
+                <a:tab pos="2286000" algn="l"/>
+                <a:tab pos="2743200" algn="l"/>
+                <a:tab pos="3200400" algn="l"/>
+                <a:tab pos="3657600" algn="l"/>
+                <a:tab pos="4114800" algn="l"/>
+                <a:tab pos="4572000" algn="l"/>
+                <a:tab pos="5029200" algn="l"/>
+                <a:tab pos="5486400" algn="l"/>
+                <a:tab pos="5943600" algn="l"/>
+                <a:tab pos="6400800" algn="l"/>
+                <a:tab pos="6858000" algn="l"/>
+                <a:tab pos="7315200" algn="l"/>
+                <a:tab pos="7772400" algn="l"/>
+                <a:tab pos="8229600" algn="l"/>
+                <a:tab pos="8686800" algn="l"/>
+                <a:tab pos="9144000" algn="l"/>
+              </a:tabLst>
+              <a:defRPr sz="1200">
+                <a:solidFill>
+                  <a:srgbClr val="000000"/>
+                </a:solidFill>
+                <a:latin typeface="Times New Roman" charset="0"/>
+                <a:ea typeface="ＭＳ Ｐゴシック" charset="0"/>
+              </a:defRPr>
+            </a:lvl8pPr>
+            <a:lvl9pPr marL="3886200" indent="-228600" eaLnBrk="0" fontAlgn="base" hangingPunct="0">
+              <a:spcBef>
+                <a:spcPct val="30000"/>
+              </a:spcBef>
+              <a:spcAft>
+                <a:spcPct val="0"/>
+              </a:spcAft>
+              <a:buClr>
+                <a:srgbClr val="000000"/>
+              </a:buClr>
+              <a:buSzPct val="100000"/>
+              <a:buFont typeface="Times New Roman" charset="0"/>
+              <a:tabLst>
+                <a:tab pos="0" algn="l"/>
+                <a:tab pos="457200" algn="l"/>
+                <a:tab pos="914400" algn="l"/>
+                <a:tab pos="1371600" algn="l"/>
+                <a:tab pos="1828800" algn="l"/>
+                <a:tab pos="2286000" algn="l"/>
+                <a:tab pos="2743200" algn="l"/>
+                <a:tab pos="3200400" algn="l"/>
+                <a:tab pos="3657600" algn="l"/>
+                <a:tab pos="4114800" algn="l"/>
+                <a:tab pos="4572000" algn="l"/>
+                <a:tab pos="5029200" algn="l"/>
+                <a:tab pos="5486400" algn="l"/>
+                <a:tab pos="5943600" algn="l"/>
+                <a:tab pos="6400800" algn="l"/>
+                <a:tab pos="6858000" algn="l"/>
+                <a:tab pos="7315200" algn="l"/>
+                <a:tab pos="7772400" algn="l"/>
+                <a:tab pos="8229600" algn="l"/>
+                <a:tab pos="8686800" algn="l"/>
+                <a:tab pos="9144000" algn="l"/>
+              </a:tabLst>
+              <a:defRPr sz="1200">
+                <a:solidFill>
+                  <a:srgbClr val="000000"/>
+                </a:solidFill>
+                <a:latin typeface="Times New Roman" charset="0"/>
+                <a:ea typeface="ＭＳ Ｐゴシック" charset="0"/>
+              </a:defRPr>
+            </a:lvl9pPr>
+          </a:lstStyle>
+          <a:p>
+            <a:pPr marL="0" marR="0" indent="0" algn="l" defTabSz="457200" rtl="0" eaLnBrk="1" fontAlgn="base" latinLnBrk="0" hangingPunct="1">
+              <a:lnSpc>
+                <a:spcPct val="100000"/>
+              </a:lnSpc>
+              <a:spcBef>
+                <a:spcPct val="0"/>
+              </a:spcBef>
+              <a:spcAft>
+                <a:spcPct val="0"/>
+              </a:spcAft>
+              <a:buClrTx/>
+              <a:buSzTx/>
+              <a:buFontTx/>
+              <a:buNone/>
+              <a:tabLst>
+                <a:tab pos="0" algn="l"/>
+                <a:tab pos="457200" algn="l"/>
+                <a:tab pos="914400" algn="l"/>
+                <a:tab pos="1371600" algn="l"/>
+                <a:tab pos="1828800" algn="l"/>
+                <a:tab pos="2286000" algn="l"/>
+                <a:tab pos="2743200" algn="l"/>
+                <a:tab pos="3200400" algn="l"/>
+                <a:tab pos="3657600" algn="l"/>
+                <a:tab pos="4114800" algn="l"/>
+                <a:tab pos="4572000" algn="l"/>
+                <a:tab pos="5029200" algn="l"/>
+                <a:tab pos="5486400" algn="l"/>
+                <a:tab pos="5943600" algn="l"/>
+                <a:tab pos="6400800" algn="l"/>
+                <a:tab pos="6858000" algn="l"/>
+                <a:tab pos="7315200" algn="l"/>
+                <a:tab pos="7772400" algn="l"/>
+                <a:tab pos="8229600" algn="l"/>
+                <a:tab pos="8686800" algn="l"/>
+                <a:tab pos="9144000" algn="l"/>
+              </a:tabLst>
+              <a:defRPr/>
+            </a:pPr>
+            <a:r>
+              <a:rPr lang="en-US" dirty="0" smtClean="0"/>
+              <a:t>We want to add additional fields to the </a:t>
+            </a:r>
+            <a:r>
+              <a:rPr lang="en-US" dirty="0" err="1" smtClean="0"/>
+              <a:t>TiBountyHunter</a:t>
+            </a:r>
+            <a:r>
+              <a:rPr lang="en-US" dirty="0" smtClean="0"/>
+              <a:t> fugitive</a:t>
+            </a:r>
+            <a:r>
+              <a:rPr lang="en-US" baseline="0" dirty="0" smtClean="0"/>
+              <a:t> object.  </a:t>
+            </a:r>
+            <a:r>
+              <a:rPr lang="en-US" baseline="0" smtClean="0"/>
+              <a:t>Let’s use a web view to create a nicer input form.</a:t>
+            </a:r>
+            <a:endParaRPr lang="en-US" smtClean="0"/>
+          </a:p>
+          <a:p>
+            <a:pPr eaLnBrk="1" hangingPunct="1">
+              <a:spcBef>
+                <a:spcPct val="0"/>
+              </a:spcBef>
+              <a:buClrTx/>
+              <a:buFontTx/>
+              <a:buNone/>
+            </a:pPr>
+            <a:endParaRPr lang="en-US" dirty="0">
+              <a:latin typeface="Calibri" charset="0"/>
+              <a:cs typeface="ＭＳ Ｐゴシック" charset="0"/>
+            </a:endParaRPr>
+          </a:p>
+        </p:txBody>
+      </p:sp>
+      <p:sp>
+        <p:nvSpPr>
+          <p:cNvPr id="40963" name="Text Box 3"/>
+          <p:cNvSpPr txBox="1">
+            <a:spLocks noChangeArrowheads="1"/>
+          </p:cNvSpPr>
+          <p:nvPr/>
+        </p:nvSpPr>
+        <p:spPr bwMode="auto">
+          <a:xfrm>
+            <a:off x="3884613" y="8685213"/>
+            <a:ext cx="2971800" cy="457200"/>
+          </a:xfrm>
+          <a:prstGeom prst="rect">
+            <a:avLst/>
+          </a:prstGeom>
+          <a:noFill/>
+          <a:ln>
+            <a:noFill/>
+          </a:ln>
+          <a:effectLst/>
+          <a:extLst>
+            <a:ext uri="{909E8E84-426E-40dd-AFC4-6F175D3DCCD1}">
+              <a14:hiddenFill xmlns:a14="http://schemas.microsoft.com/office/drawing/2010/main">
+                <a:solidFill>
+                  <a:srgbClr val="FFFFFF"/>
+                </a:solidFill>
+              </a14:hiddenFill>
+            </a:ext>
+            <a:ext uri="{91240B29-F687-4f45-9708-019B960494DF}">
+              <a14:hiddenLine xmlns:a14="http://schemas.microsoft.com/office/drawing/2010/main" w="9525">
+                <a:solidFill>
+                  <a:srgbClr val="000000"/>
+                </a:solidFill>
+                <a:round/>
+                <a:headEnd/>
+                <a:tailEnd/>
+              </a14:hiddenLine>
+            </a:ext>
+            <a:ext uri="{AF507438-7753-43e0-B8FC-AC1667EBCBE1}">
+              <a14:hiddenEffects xmlns:a14="http://schemas.microsoft.com/office/drawing/2010/main">
+                <a:effectLst>
+                  <a:outerShdw blurRad="63500" dist="38099" dir="2700000" algn="ctr" rotWithShape="0">
+                    <a:srgbClr val="000000">
+                      <a:alpha val="74998"/>
+                    </a:srgbClr>
+                  </a:outerShdw>
+                </a:effectLst>
+              </a14:hiddenEffects>
+            </a:ext>
+          </a:extLst>
+        </p:spPr>
+        <p:txBody>
+          <a:bodyPr lIns="90000" tIns="46800" rIns="90000" bIns="46800" anchor="b"/>
+          <a:lstStyle>
+            <a:lvl1pPr>
+              <a:tabLst>
+                <a:tab pos="0" algn="l"/>
+                <a:tab pos="457200" algn="l"/>
+                <a:tab pos="914400" algn="l"/>
+                <a:tab pos="1371600" algn="l"/>
+                <a:tab pos="1828800" algn="l"/>
+                <a:tab pos="2286000" algn="l"/>
+                <a:tab pos="2743200" algn="l"/>
+                <a:tab pos="3200400" algn="l"/>
+                <a:tab pos="3657600" algn="l"/>
+                <a:tab pos="4114800" algn="l"/>
+                <a:tab pos="4572000" algn="l"/>
+                <a:tab pos="5029200" algn="l"/>
+                <a:tab pos="5486400" algn="l"/>
+                <a:tab pos="5943600" algn="l"/>
+                <a:tab pos="6400800" algn="l"/>
+                <a:tab pos="6858000" algn="l"/>
+                <a:tab pos="7315200" algn="l"/>
+                <a:tab pos="7772400" algn="l"/>
+                <a:tab pos="8229600" algn="l"/>
+                <a:tab pos="8686800" algn="l"/>
+                <a:tab pos="9144000" algn="l"/>
+              </a:tabLst>
+              <a:defRPr sz="2400">
+                <a:solidFill>
+                  <a:srgbClr val="3F4B53"/>
+                </a:solidFill>
+                <a:latin typeface="Trebuchet MS" charset="0"/>
+                <a:ea typeface="ＭＳ Ｐゴシック" charset="0"/>
+                <a:cs typeface="ＭＳ Ｐゴシック" charset="0"/>
+              </a:defRPr>
+            </a:lvl1pPr>
+            <a:lvl2pPr>
+              <a:tabLst>
+                <a:tab pos="0" algn="l"/>
+                <a:tab pos="457200" algn="l"/>
+                <a:tab pos="914400" algn="l"/>
+                <a:tab pos="1371600" algn="l"/>
+                <a:tab pos="1828800" algn="l"/>
+                <a:tab pos="2286000" algn="l"/>
+                <a:tab pos="2743200" algn="l"/>
+                <a:tab pos="3200400" algn="l"/>
+                <a:tab pos="3657600" algn="l"/>
+                <a:tab pos="4114800" algn="l"/>
+                <a:tab pos="4572000" algn="l"/>
+                <a:tab pos="5029200" algn="l"/>
+                <a:tab pos="5486400" algn="l"/>
+                <a:tab pos="5943600" algn="l"/>
+                <a:tab pos="6400800" algn="l"/>
+                <a:tab pos="6858000" algn="l"/>
+                <a:tab pos="7315200" algn="l"/>
+                <a:tab pos="7772400" algn="l"/>
+                <a:tab pos="8229600" algn="l"/>
+                <a:tab pos="8686800" algn="l"/>
+                <a:tab pos="9144000" algn="l"/>
+              </a:tabLst>
+              <a:defRPr sz="2400">
+                <a:solidFill>
+                  <a:srgbClr val="3F4B53"/>
+                </a:solidFill>
+                <a:latin typeface="Trebuchet MS" charset="0"/>
+                <a:ea typeface="ＭＳ Ｐゴシック" charset="0"/>
+                <a:cs typeface="ＭＳ Ｐゴシック" charset="0"/>
+              </a:defRPr>
+            </a:lvl2pPr>
+            <a:lvl3pPr>
+              <a:tabLst>
+                <a:tab pos="0" algn="l"/>
+                <a:tab pos="457200" algn="l"/>
+                <a:tab pos="914400" algn="l"/>
+                <a:tab pos="1371600" algn="l"/>
+                <a:tab pos="1828800" algn="l"/>
+                <a:tab pos="2286000" algn="l"/>
+                <a:tab pos="2743200" algn="l"/>
+                <a:tab pos="3200400" algn="l"/>
+                <a:tab pos="3657600" algn="l"/>
+                <a:tab pos="4114800" algn="l"/>
+                <a:tab pos="4572000" algn="l"/>
+                <a:tab pos="5029200" algn="l"/>
+                <a:tab pos="5486400" algn="l"/>
+                <a:tab pos="5943600" algn="l"/>
+                <a:tab pos="6400800" algn="l"/>
+                <a:tab pos="6858000" algn="l"/>
+                <a:tab pos="7315200" algn="l"/>
+                <a:tab pos="7772400" algn="l"/>
+                <a:tab pos="8229600" algn="l"/>
+                <a:tab pos="8686800" algn="l"/>
+                <a:tab pos="9144000" algn="l"/>
+              </a:tabLst>
+              <a:defRPr sz="2400">
+                <a:solidFill>
+                  <a:srgbClr val="3F4B53"/>
+                </a:solidFill>
+                <a:latin typeface="Trebuchet MS" charset="0"/>
+                <a:ea typeface="ＭＳ Ｐゴシック" charset="0"/>
+                <a:cs typeface="ＭＳ Ｐゴシック" charset="0"/>
+              </a:defRPr>
+            </a:lvl3pPr>
+            <a:lvl4pPr>
+              <a:tabLst>
+                <a:tab pos="0" algn="l"/>
+                <a:tab pos="457200" algn="l"/>
+                <a:tab pos="914400" algn="l"/>
+                <a:tab pos="1371600" algn="l"/>
+                <a:tab pos="1828800" algn="l"/>
+                <a:tab pos="2286000" algn="l"/>
+                <a:tab pos="2743200" algn="l"/>
+                <a:tab pos="3200400" algn="l"/>
+                <a:tab pos="3657600" algn="l"/>
+                <a:tab pos="4114800" algn="l"/>
+                <a:tab pos="4572000" algn="l"/>
+                <a:tab pos="5029200" algn="l"/>
+                <a:tab pos="5486400" algn="l"/>
+                <a:tab pos="5943600" algn="l"/>
+                <a:tab pos="6400800" algn="l"/>
+                <a:tab pos="6858000" algn="l"/>
+                <a:tab pos="7315200" algn="l"/>
+                <a:tab pos="7772400" algn="l"/>
+                <a:tab pos="8229600" algn="l"/>
+                <a:tab pos="8686800" algn="l"/>
+                <a:tab pos="9144000" algn="l"/>
+              </a:tabLst>
+              <a:defRPr sz="2400">
+                <a:solidFill>
+                  <a:srgbClr val="3F4B53"/>
+                </a:solidFill>
+                <a:latin typeface="Trebuchet MS" charset="0"/>
+                <a:ea typeface="ＭＳ Ｐゴシック" charset="0"/>
+                <a:cs typeface="ＭＳ Ｐゴシック" charset="0"/>
+              </a:defRPr>
+            </a:lvl4pPr>
+            <a:lvl5pPr>
+              <a:tabLst>
+                <a:tab pos="0" algn="l"/>
+                <a:tab pos="457200" algn="l"/>
+                <a:tab pos="914400" algn="l"/>
+                <a:tab pos="1371600" algn="l"/>
+                <a:tab pos="1828800" algn="l"/>
+                <a:tab pos="2286000" algn="l"/>
+                <a:tab pos="2743200" algn="l"/>
+                <a:tab pos="3200400" algn="l"/>
+                <a:tab pos="3657600" algn="l"/>
+                <a:tab pos="4114800" algn="l"/>
+                <a:tab pos="4572000" algn="l"/>
+                <a:tab pos="5029200" algn="l"/>
+                <a:tab pos="5486400" algn="l"/>
+                <a:tab pos="5943600" algn="l"/>
+                <a:tab pos="6400800" algn="l"/>
+                <a:tab pos="6858000" algn="l"/>
+                <a:tab pos="7315200" algn="l"/>
+                <a:tab pos="7772400" algn="l"/>
+                <a:tab pos="8229600" algn="l"/>
+                <a:tab pos="8686800" algn="l"/>
+                <a:tab pos="9144000" algn="l"/>
+              </a:tabLst>
+              <a:defRPr sz="2400">
+                <a:solidFill>
+                  <a:srgbClr val="3F4B53"/>
+                </a:solidFill>
+                <a:latin typeface="Trebuchet MS" charset="0"/>
+                <a:ea typeface="ＭＳ Ｐゴシック" charset="0"/>
+                <a:cs typeface="ＭＳ Ｐゴシック" charset="0"/>
+              </a:defRPr>
+            </a:lvl5pPr>
+            <a:lvl6pPr marL="2514600" indent="-228600" fontAlgn="base">
+              <a:spcBef>
+                <a:spcPct val="0"/>
+              </a:spcBef>
+              <a:spcAft>
+                <a:spcPct val="0"/>
+              </a:spcAft>
+              <a:buClr>
+                <a:srgbClr val="000000"/>
+              </a:buClr>
+              <a:buSzPct val="100000"/>
+              <a:buFont typeface="Times New Roman" charset="0"/>
+              <a:tabLst>
+                <a:tab pos="0" algn="l"/>
+                <a:tab pos="457200" algn="l"/>
+                <a:tab pos="914400" algn="l"/>
+                <a:tab pos="1371600" algn="l"/>
+                <a:tab pos="1828800" algn="l"/>
+                <a:tab pos="2286000" algn="l"/>
+                <a:tab pos="2743200" algn="l"/>
+                <a:tab pos="3200400" algn="l"/>
+                <a:tab pos="3657600" algn="l"/>
+                <a:tab pos="4114800" algn="l"/>
+                <a:tab pos="4572000" algn="l"/>
+                <a:tab pos="5029200" algn="l"/>
+                <a:tab pos="5486400" algn="l"/>
+                <a:tab pos="5943600" algn="l"/>
+                <a:tab pos="6400800" algn="l"/>
+                <a:tab pos="6858000" algn="l"/>
+                <a:tab pos="7315200" algn="l"/>
+                <a:tab pos="7772400" algn="l"/>
+                <a:tab pos="8229600" algn="l"/>
+                <a:tab pos="8686800" algn="l"/>
+                <a:tab pos="9144000" algn="l"/>
+              </a:tabLst>
+              <a:defRPr sz="2400">
+                <a:solidFill>
+                  <a:srgbClr val="3F4B53"/>
+                </a:solidFill>
+                <a:latin typeface="Trebuchet MS" charset="0"/>
+                <a:ea typeface="ＭＳ Ｐゴシック" charset="0"/>
+                <a:cs typeface="ＭＳ Ｐゴシック" charset="0"/>
+              </a:defRPr>
+            </a:lvl6pPr>
+            <a:lvl7pPr marL="2971800" indent="-228600" fontAlgn="base">
+              <a:spcBef>
+                <a:spcPct val="0"/>
+              </a:spcBef>
+              <a:spcAft>
+                <a:spcPct val="0"/>
+              </a:spcAft>
+              <a:buClr>
+                <a:srgbClr val="000000"/>
+              </a:buClr>
+              <a:buSzPct val="100000"/>
+              <a:buFont typeface="Times New Roman" charset="0"/>
+              <a:tabLst>
+                <a:tab pos="0" algn="l"/>
+                <a:tab pos="457200" algn="l"/>
+                <a:tab pos="914400" algn="l"/>
+                <a:tab pos="1371600" algn="l"/>
+                <a:tab pos="1828800" algn="l"/>
+                <a:tab pos="2286000" algn="l"/>
+                <a:tab pos="2743200" algn="l"/>
+                <a:tab pos="3200400" algn="l"/>
+                <a:tab pos="3657600" algn="l"/>
+                <a:tab pos="4114800" algn="l"/>
+                <a:tab pos="4572000" algn="l"/>
+                <a:tab pos="5029200" algn="l"/>
+                <a:tab pos="5486400" algn="l"/>
+                <a:tab pos="5943600" algn="l"/>
+                <a:tab pos="6400800" algn="l"/>
+                <a:tab pos="6858000" algn="l"/>
+                <a:tab pos="7315200" algn="l"/>
+                <a:tab pos="7772400" algn="l"/>
+                <a:tab pos="8229600" algn="l"/>
+                <a:tab pos="8686800" algn="l"/>
+                <a:tab pos="9144000" algn="l"/>
+              </a:tabLst>
+              <a:defRPr sz="2400">
+                <a:solidFill>
+                  <a:srgbClr val="3F4B53"/>
+                </a:solidFill>
+                <a:latin typeface="Trebuchet MS" charset="0"/>
+                <a:ea typeface="ＭＳ Ｐゴシック" charset="0"/>
+                <a:cs typeface="ＭＳ Ｐゴシック" charset="0"/>
+              </a:defRPr>
+            </a:lvl7pPr>
+            <a:lvl8pPr marL="3429000" indent="-228600" fontAlgn="base">
+              <a:spcBef>
+                <a:spcPct val="0"/>
+              </a:spcBef>
+              <a:spcAft>
+                <a:spcPct val="0"/>
+              </a:spcAft>
+              <a:buClr>
+                <a:srgbClr val="000000"/>
+              </a:buClr>
+              <a:buSzPct val="100000"/>
+              <a:buFont typeface="Times New Roman" charset="0"/>
+              <a:tabLst>
+                <a:tab pos="0" algn="l"/>
+                <a:tab pos="457200" algn="l"/>
+                <a:tab pos="914400" algn="l"/>
+                <a:tab pos="1371600" algn="l"/>
+                <a:tab pos="1828800" algn="l"/>
+                <a:tab pos="2286000" algn="l"/>
+                <a:tab pos="2743200" algn="l"/>
+                <a:tab pos="3200400" algn="l"/>
+                <a:tab pos="3657600" algn="l"/>
+                <a:tab pos="4114800" algn="l"/>
+                <a:tab pos="4572000" algn="l"/>
+                <a:tab pos="5029200" algn="l"/>
+                <a:tab pos="5486400" algn="l"/>
+                <a:tab pos="5943600" algn="l"/>
+                <a:tab pos="6400800" algn="l"/>
+                <a:tab pos="6858000" algn="l"/>
+                <a:tab pos="7315200" algn="l"/>
+                <a:tab pos="7772400" algn="l"/>
+                <a:tab pos="8229600" algn="l"/>
+                <a:tab pos="8686800" algn="l"/>
+                <a:tab pos="9144000" algn="l"/>
+              </a:tabLst>
+              <a:defRPr sz="2400">
+                <a:solidFill>
+                  <a:srgbClr val="3F4B53"/>
+                </a:solidFill>
+                <a:latin typeface="Trebuchet MS" charset="0"/>
+                <a:ea typeface="ＭＳ Ｐゴシック" charset="0"/>
+                <a:cs typeface="ＭＳ Ｐゴシック" charset="0"/>
+              </a:defRPr>
+            </a:lvl8pPr>
+            <a:lvl9pPr marL="3886200" indent="-228600" fontAlgn="base">
+              <a:spcBef>
+                <a:spcPct val="0"/>
+              </a:spcBef>
+              <a:spcAft>
+                <a:spcPct val="0"/>
+              </a:spcAft>
+              <a:buClr>
+                <a:srgbClr val="000000"/>
+              </a:buClr>
+              <a:buSzPct val="100000"/>
+              <a:buFont typeface="Times New Roman" charset="0"/>
+              <a:tabLst>
+                <a:tab pos="0" algn="l"/>
+                <a:tab pos="457200" algn="l"/>
+                <a:tab pos="914400" algn="l"/>
+                <a:tab pos="1371600" algn="l"/>
+                <a:tab pos="1828800" algn="l"/>
+                <a:tab pos="2286000" algn="l"/>
+                <a:tab pos="2743200" algn="l"/>
+                <a:tab pos="3200400" algn="l"/>
+                <a:tab pos="3657600" algn="l"/>
+                <a:tab pos="4114800" algn="l"/>
+                <a:tab pos="4572000" algn="l"/>
+                <a:tab pos="5029200" algn="l"/>
+                <a:tab pos="5486400" algn="l"/>
+                <a:tab pos="5943600" algn="l"/>
+                <a:tab pos="6400800" algn="l"/>
+                <a:tab pos="6858000" algn="l"/>
+                <a:tab pos="7315200" algn="l"/>
+                <a:tab pos="7772400" algn="l"/>
+                <a:tab pos="8229600" algn="l"/>
+                <a:tab pos="8686800" algn="l"/>
+                <a:tab pos="9144000" algn="l"/>
+              </a:tabLst>
+              <a:defRPr sz="2400">
+                <a:solidFill>
+                  <a:srgbClr val="3F4B53"/>
+                </a:solidFill>
+                <a:latin typeface="Trebuchet MS" charset="0"/>
+                <a:ea typeface="ＭＳ Ｐゴシック" charset="0"/>
+                <a:cs typeface="ＭＳ Ｐゴシック" charset="0"/>
+              </a:defRPr>
+            </a:lvl9pPr>
+          </a:lstStyle>
+          <a:p>
+            <a:pPr algn="r">
+              <a:buClrTx/>
+              <a:buFontTx/>
+              <a:buNone/>
+            </a:pPr>
+            <a:fld id="{2BFAA99C-1087-1846-9CA3-03C1756D1770}" type="slidenum">
+              <a:rPr lang="en-US" sz="1200"/>
+              <a:pPr algn="r">
+                <a:buClrTx/>
+                <a:buFontTx/>
+                <a:buNone/>
+              </a:pPr>
+              <a:t>13</a:t>
+            </a:fld>
+            <a:endParaRPr lang="en-US" sz="1200"/>
+          </a:p>
+        </p:txBody>
+      </p:sp>
+    </p:spTree>
+  </p:cSld>
+  <p:clrMapOvr>
+    <a:masterClrMapping/>
+  </p:clrMapOvr>
+</p:notes>
+</file>
+
+<file path=ppt/notesSlides/notesSlide13.xml><?xml version="1.0" encoding="utf-8"?>
 <p:notes xmlns:a="http://schemas.openxmlformats.org/drawingml/2006/main" xmlns:r="http://schemas.openxmlformats.org/officeDocument/2006/relationships" xmlns:p="http://schemas.openxmlformats.org/presentationml/2006/main">
   <p:cSld>
     <p:spTree>
@@ -1430,34 +2498,6 @@
           <a:bodyPr/>
           <a:lstStyle/>
           <a:p>
-            <a:r>
-              <a:rPr lang="en-US" dirty="0" smtClean="0"/>
-              <a:t>We want to add additional fields to the </a:t>
-            </a:r>
-            <a:r>
-              <a:rPr lang="en-US" dirty="0" err="1" smtClean="0"/>
-              <a:t>TiBountyHunter</a:t>
-            </a:r>
-            <a:r>
-              <a:rPr lang="en-US" dirty="0" smtClean="0"/>
-              <a:t> fugitive</a:t>
-            </a:r>
-            <a:r>
-              <a:rPr lang="en-US" baseline="0" dirty="0" smtClean="0"/>
-              <a:t> object.  Let’s use a web view to </a:t>
-            </a:r>
-            <a:r>
-              <a:rPr lang="en-US" baseline="0" smtClean="0"/>
-              <a:t>create a </a:t>
-            </a:r>
-            <a:r>
-              <a:rPr lang="en-US" baseline="0" dirty="0" smtClean="0"/>
-              <a:t>nicer </a:t>
-            </a:r>
-            <a:r>
-              <a:rPr lang="en-US" baseline="0" smtClean="0"/>
-              <a:t>input form.</a:t>
-            </a:r>
             <a:endParaRPr lang="en-US" dirty="0"/>
           </a:p>
         </p:txBody>
@@ -1485,7 +2525,7 @@
               <a:pPr>
                 <a:defRPr/>
               </a:pPr>
-              <a:t>13</a:t>
+              <a:t>14</a:t>
             </a:fld>
             <a:endParaRPr lang="en-US"/>
           </a:p>
@@ -3798,7 +4838,7 @@
               <a:pPr>
                 <a:defRPr/>
               </a:pPr>
-              <a:t>7/17/11</a:t>
+              <a:t>7/21/11</a:t>
             </a:fld>
             <a:endParaRPr lang="en-US"/>
           </a:p>
@@ -4286,7 +5326,7 @@
               <a:pPr>
                 <a:defRPr/>
               </a:pPr>
-              <a:t>7/17/11</a:t>
+              <a:t>7/21/11</a:t>
             </a:fld>
             <a:endParaRPr lang="en-US"/>
           </a:p>
@@ -4848,7 +5888,7 @@
               <a:pPr>
                 <a:defRPr/>
               </a:pPr>
-              <a:t>7/17/11</a:t>
+              <a:t>7/21/11</a:t>
             </a:fld>
             <a:endParaRPr lang="en-US"/>
           </a:p>
@@ -5458,7 +6498,7 @@
               <a:pPr>
                 <a:defRPr/>
               </a:pPr>
-              <a:t>7/17/11</a:t>
+              <a:t>7/21/11</a:t>
             </a:fld>
             <a:endParaRPr lang="en-US"/>
           </a:p>
@@ -5580,7 +6620,7 @@
               <a:pPr>
                 <a:defRPr/>
               </a:pPr>
-              <a:t>7/17/11</a:t>
+              <a:t>7/21/11</a:t>
             </a:fld>
             <a:endParaRPr lang="en-US"/>
           </a:p>
@@ -5867,7 +6907,7 @@
               <a:pPr>
                 <a:defRPr/>
               </a:pPr>
-              <a:t>7/17/11</a:t>
+              <a:t>7/21/11</a:t>
             </a:fld>
             <a:endParaRPr lang="en-US"/>
           </a:p>
@@ -8087,6 +9127,136 @@
 </file>
 
 <file path=ppt/slides/slide13.xml><?xml version="1.0" encoding="utf-8"?>
+<p:sld xmlns:a="http://schemas.openxmlformats.org/drawingml/2006/main" xmlns:r="http://schemas.openxmlformats.org/officeDocument/2006/relationships" xmlns:p="http://schemas.openxmlformats.org/presentationml/2006/main">
+  <p:cSld>
+    <p:spTree>
+      <p:nvGrpSpPr>
+        <p:cNvPr id="1" name=""/>
+        <p:cNvGrpSpPr/>
+        <p:nvPr/>
+      </p:nvGrpSpPr>
+      <p:grpSpPr>
+        <a:xfrm>
+          <a:off x="0" y="0"/>
+          <a:ext cx="0" cy="0"/>
+          <a:chOff x="0" y="0"/>
+          <a:chExt cx="0" cy="0"/>
+        </a:xfrm>
+      </p:grpSpPr>
+      <p:sp>
+        <p:nvSpPr>
+          <p:cNvPr id="2" name="Title 1"/>
+          <p:cNvSpPr>
+            <a:spLocks noGrp="1"/>
+          </p:cNvSpPr>
+          <p:nvPr>
+            <p:ph type="title"/>
+          </p:nvPr>
+        </p:nvSpPr>
+        <p:spPr/>
+        <p:txBody>
+          <a:bodyPr/>
+          <a:lstStyle/>
+          <a:p>
+            <a:r>
+              <a:rPr lang="en-US" dirty="0" smtClean="0"/>
+              <a:t>Lab Goals</a:t>
+            </a:r>
+            <a:endParaRPr lang="en-US" dirty="0"/>
+          </a:p>
+        </p:txBody>
+      </p:sp>
+      <p:sp>
+        <p:nvSpPr>
+          <p:cNvPr id="3" name="Content Placeholder 2"/>
+          <p:cNvSpPr>
+            <a:spLocks noGrp="1"/>
+          </p:cNvSpPr>
+          <p:nvPr>
+            <p:ph idx="1"/>
+          </p:nvPr>
+        </p:nvSpPr>
+        <p:spPr/>
+        <p:txBody>
+          <a:bodyPr/>
+          <a:lstStyle/>
+          <a:p>
+            <a:r>
+              <a:rPr lang="en-US" dirty="0" smtClean="0"/>
+              <a:t>Use an HTML form and a </a:t>
+            </a:r>
+            <a:r>
+              <a:rPr lang="en-US" dirty="0" err="1" smtClean="0"/>
+              <a:t>WebView</a:t>
+            </a:r>
+            <a:r>
+              <a:rPr lang="en-US" dirty="0" smtClean="0"/>
+              <a:t> for data entry</a:t>
+            </a:r>
+          </a:p>
+          <a:p>
+            <a:endParaRPr lang="en-US" dirty="0"/>
+          </a:p>
+          <a:p>
+            <a:r>
+              <a:rPr lang="en-US" dirty="0" smtClean="0"/>
+              <a:t>Set appropriate keyboard types for each field</a:t>
+            </a:r>
+          </a:p>
+          <a:p>
+            <a:endParaRPr lang="en-US" dirty="0"/>
+          </a:p>
+          <a:p>
+            <a:r>
+              <a:rPr lang="en-US" dirty="0" smtClean="0"/>
+              <a:t>Transmit collected data back to native land so data can be saved to a database</a:t>
+            </a:r>
+            <a:endParaRPr lang="en-US" dirty="0" smtClean="0"/>
+          </a:p>
+        </p:txBody>
+      </p:sp>
+    </p:spTree>
+    <p:extLst>
+      <p:ext uri="{BB962C8B-B14F-4D97-AF65-F5344CB8AC3E}">
+        <p14:creationId xmlns:p14="http://schemas.microsoft.com/office/powerpoint/2010/main" val="1877236660"/>
+      </p:ext>
+    </p:extLst>
+  </p:cSld>
+  <p:clrMapOvr>
+    <a:masterClrMapping/>
+  </p:clrMapOvr>
+  <p:transition xmlns:p14="http://schemas.microsoft.com/office/powerpoint/2010/main" spd="med"/>
+  <p:timing>
+    <p:tnLst>
+      <p:par>
+        <p:cTn xmlns:p14="http://schemas.microsoft.com/office/powerpoint/2010/main" id="1" dur="indefinite" restart="never" nodeType="tmRoot">
+          <p:childTnLst>
+            <p:seq concurrent="1" nextAc="seek">
+              <p:cTn id="2" dur="indefinite" nodeType="mainSeq"/>
+              <p:prevCondLst>
+                <p:cond evt="onPrev" delay="0">
+                  <p:tgtEl>
+                    <p:sldTgt/>
+                  </p:tgtEl>
+                </p:cond>
+              </p:prevCondLst>
+              <p:nextCondLst>
+                <p:cond evt="onNext" delay="0">
+                  <p:tgtEl>
+                    <p:sldTgt/>
+                  </p:tgtEl>
+                </p:cond>
+              </p:nextCondLst>
+            </p:seq>
+          </p:childTnLst>
+        </p:cTn>
+      </p:par>
+    </p:tnLst>
+  </p:timing>
+</p:sld>
+</file>
+
+<file path=ppt/slides/slide14.xml><?xml version="1.0" encoding="utf-8"?>
 <p:sld xmlns:a="http://schemas.openxmlformats.org/drawingml/2006/main" xmlns:r="http://schemas.openxmlformats.org/officeDocument/2006/relationships" xmlns:p="http://schemas.openxmlformats.org/presentationml/2006/main">
   <p:cSld>
     <p:spTree>

--- a/330.pptx
+++ b/330.pptx
@@ -247,7 +247,7 @@
               <a:pPr>
                 <a:defRPr/>
               </a:pPr>
-              <a:t>7/21/11</a:t>
+              <a:t>7/26/11</a:t>
             </a:fld>
             <a:endParaRPr lang="en-US"/>
           </a:p>
@@ -430,7 +430,7 @@
               <a:pPr>
                 <a:defRPr/>
               </a:pPr>
-              <a:t>7/21/11</a:t>
+              <a:t>7/26/11</a:t>
             </a:fld>
             <a:endParaRPr lang="en-US"/>
           </a:p>
@@ -2498,6 +2498,26 @@
           <a:bodyPr/>
           <a:lstStyle/>
           <a:p>
+            <a:r>
+              <a:rPr lang="en-US" dirty="0" smtClean="0"/>
+              <a:t>In </a:t>
+            </a:r>
+            <a:r>
+              <a:rPr lang="en-US" dirty="0" err="1" smtClean="0"/>
+              <a:t>TiBountyHunter</a:t>
+            </a:r>
+            <a:r>
+              <a:rPr lang="en-US" dirty="0" smtClean="0"/>
+              <a:t>, the add window is implemented</a:t>
+            </a:r>
+            <a:r>
+              <a:rPr lang="en-US" baseline="0" dirty="0" smtClean="0"/>
+              <a:t> as a web view.  The lone HTML file in resources is used for the web view, and we use custom messages to pass data between the web view and the “native wrapper”.  Show how we create the web view with the HTML page, and then how data is transferred back and forth from the web view.  Also point out that fields are automatically scrolled about </a:t>
+            </a:r>
+            <a:r>
+              <a:rPr lang="en-US" baseline="0" smtClean="0"/>
+              <a:t>in the web view.</a:t>
+            </a:r>
             <a:endParaRPr lang="en-US" dirty="0"/>
           </a:p>
         </p:txBody>
@@ -4838,7 +4858,7 @@
               <a:pPr>
                 <a:defRPr/>
               </a:pPr>
-              <a:t>7/21/11</a:t>
+              <a:t>7/26/11</a:t>
             </a:fld>
             <a:endParaRPr lang="en-US"/>
           </a:p>
@@ -5326,7 +5346,7 @@
               <a:pPr>
                 <a:defRPr/>
               </a:pPr>
-              <a:t>7/21/11</a:t>
+              <a:t>7/26/11</a:t>
             </a:fld>
             <a:endParaRPr lang="en-US"/>
           </a:p>
@@ -5888,7 +5908,7 @@
               <a:pPr>
                 <a:defRPr/>
               </a:pPr>
-              <a:t>7/21/11</a:t>
+              <a:t>7/26/11</a:t>
             </a:fld>
             <a:endParaRPr lang="en-US"/>
           </a:p>
@@ -6498,7 +6518,7 @@
               <a:pPr>
                 <a:defRPr/>
               </a:pPr>
-              <a:t>7/21/11</a:t>
+              <a:t>7/26/11</a:t>
             </a:fld>
             <a:endParaRPr lang="en-US"/>
           </a:p>
@@ -6620,7 +6640,7 @@
               <a:pPr>
                 <a:defRPr/>
               </a:pPr>
-              <a:t>7/21/11</a:t>
+              <a:t>7/26/11</a:t>
             </a:fld>
             <a:endParaRPr lang="en-US"/>
           </a:p>
@@ -6907,7 +6927,7 @@
               <a:pPr>
                 <a:defRPr/>
               </a:pPr>
-              <a:t>7/21/11</a:t>
+              <a:t>7/26/11</a:t>
             </a:fld>
             <a:endParaRPr lang="en-US"/>
           </a:p>
@@ -9211,7 +9231,6 @@
               <a:rPr lang="en-US" dirty="0" smtClean="0"/>
               <a:t>Transmit collected data back to native land so data can be saved to a database</a:t>
             </a:r>
-            <a:endParaRPr lang="en-US" dirty="0" smtClean="0"/>
           </a:p>
         </p:txBody>
       </p:sp>

--- a/330.pptx
+++ b/330.pptx
@@ -247,7 +247,7 @@
               <a:pPr>
                 <a:defRPr/>
               </a:pPr>
-              <a:t>7/26/11</a:t>
+              <a:t>8/19/11</a:t>
             </a:fld>
             <a:endParaRPr lang="en-US"/>
           </a:p>
@@ -430,7 +430,7 @@
               <a:pPr>
                 <a:defRPr/>
               </a:pPr>
-              <a:t>7/26/11</a:t>
+              <a:t>8/19/11</a:t>
             </a:fld>
             <a:endParaRPr lang="en-US"/>
           </a:p>
@@ -4565,60 +4565,6 @@
           <a:chExt cx="0" cy="0"/>
         </a:xfrm>
       </p:grpSpPr>
-      <p:pic>
-        <p:nvPicPr>
-          <p:cNvPr id="2" name="Picture 8" descr="raised_paper.png"/>
-          <p:cNvPicPr>
-            <a:picLocks noChangeAspect="1"/>
-          </p:cNvPicPr>
-          <p:nvPr/>
-        </p:nvPicPr>
-        <p:blipFill>
-          <a:blip r:embed="rId3">
-            <a:extLst>
-              <a:ext uri="{28A0092B-C50C-407E-A947-70E740481C1C}">
-                <a14:useLocalDpi xmlns:a14="http://schemas.microsoft.com/office/drawing/2010/main" val="0"/>
-              </a:ext>
-            </a:extLst>
-          </a:blip>
-          <a:srcRect/>
-          <a:stretch>
-            <a:fillRect/>
-          </a:stretch>
-        </p:blipFill>
-        <p:spPr bwMode="auto">
-          <a:xfrm>
-            <a:off x="-152400" y="1400175"/>
-            <a:ext cx="9144000" cy="3101975"/>
-          </a:xfrm>
-          <a:prstGeom prst="rect">
-            <a:avLst/>
-          </a:prstGeom>
-          <a:noFill/>
-          <a:ln>
-            <a:noFill/>
-          </a:ln>
-          <a:extLst>
-            <a:ext uri="{909E8E84-426E-40dd-AFC4-6F175D3DCCD1}">
-              <a14:hiddenFill xmlns:a14="http://schemas.microsoft.com/office/drawing/2010/main">
-                <a:solidFill>
-                  <a:srgbClr val="FFFFFF"/>
-                </a:solidFill>
-              </a14:hiddenFill>
-            </a:ext>
-            <a:ext uri="{91240B29-F687-4f45-9708-019B960494DF}">
-              <a14:hiddenLine xmlns:a14="http://schemas.microsoft.com/office/drawing/2010/main" w="9525">
-                <a:solidFill>
-                  <a:srgbClr val="000000"/>
-                </a:solidFill>
-                <a:miter lim="800000"/>
-                <a:headEnd/>
-                <a:tailEnd/>
-              </a14:hiddenLine>
-            </a:ext>
-          </a:extLst>
-        </p:spPr>
-      </p:pic>
       <p:sp>
         <p:nvSpPr>
           <p:cNvPr id="3" name="TextBox 9"/>
@@ -4777,60 +4723,6 @@
           </a:p>
         </p:txBody>
       </p:sp>
-      <p:pic>
-        <p:nvPicPr>
-          <p:cNvPr id="5" name="Picture 1"/>
-          <p:cNvPicPr>
-            <a:picLocks noChangeAspect="1"/>
-          </p:cNvPicPr>
-          <p:nvPr/>
-        </p:nvPicPr>
-        <p:blipFill>
-          <a:blip r:embed="rId4">
-            <a:extLst>
-              <a:ext uri="{28A0092B-C50C-407E-A947-70E740481C1C}">
-                <a14:useLocalDpi xmlns:a14="http://schemas.microsoft.com/office/drawing/2010/main" val="0"/>
-              </a:ext>
-            </a:extLst>
-          </a:blip>
-          <a:srcRect/>
-          <a:stretch>
-            <a:fillRect/>
-          </a:stretch>
-        </p:blipFill>
-        <p:spPr bwMode="auto">
-          <a:xfrm>
-            <a:off x="3910013" y="388938"/>
-            <a:ext cx="1290637" cy="757237"/>
-          </a:xfrm>
-          <a:prstGeom prst="rect">
-            <a:avLst/>
-          </a:prstGeom>
-          <a:noFill/>
-          <a:ln>
-            <a:noFill/>
-          </a:ln>
-          <a:extLst>
-            <a:ext uri="{909E8E84-426E-40dd-AFC4-6F175D3DCCD1}">
-              <a14:hiddenFill xmlns:a14="http://schemas.microsoft.com/office/drawing/2010/main">
-                <a:solidFill>
-                  <a:srgbClr val="FFFFFF"/>
-                </a:solidFill>
-              </a14:hiddenFill>
-            </a:ext>
-            <a:ext uri="{91240B29-F687-4f45-9708-019B960494DF}">
-              <a14:hiddenLine xmlns:a14="http://schemas.microsoft.com/office/drawing/2010/main" w="9525">
-                <a:solidFill>
-                  <a:srgbClr val="000000"/>
-                </a:solidFill>
-                <a:miter lim="800000"/>
-                <a:headEnd/>
-                <a:tailEnd/>
-              </a14:hiddenLine>
-            </a:ext>
-          </a:extLst>
-        </p:spPr>
-      </p:pic>
       <p:sp>
         <p:nvSpPr>
           <p:cNvPr id="6" name="Date Placeholder 3"/>
@@ -4858,7 +4750,7 @@
               <a:pPr>
                 <a:defRPr/>
               </a:pPr>
-              <a:t>7/26/11</a:t>
+              <a:t>8/19/11</a:t>
             </a:fld>
             <a:endParaRPr lang="en-US"/>
           </a:p>
@@ -4927,60 +4819,6 @@
           </a:p>
         </p:txBody>
       </p:sp>
-      <p:pic>
-        <p:nvPicPr>
-          <p:cNvPr id="9" name="Picture 8" descr="raised_paper.png"/>
-          <p:cNvPicPr>
-            <a:picLocks noChangeAspect="1"/>
-          </p:cNvPicPr>
-          <p:nvPr userDrawn="1"/>
-        </p:nvPicPr>
-        <p:blipFill>
-          <a:blip r:embed="rId3">
-            <a:extLst>
-              <a:ext uri="{28A0092B-C50C-407E-A947-70E740481C1C}">
-                <a14:useLocalDpi xmlns:a14="http://schemas.microsoft.com/office/drawing/2010/main" val="0"/>
-              </a:ext>
-            </a:extLst>
-          </a:blip>
-          <a:srcRect/>
-          <a:stretch>
-            <a:fillRect/>
-          </a:stretch>
-        </p:blipFill>
-        <p:spPr bwMode="auto">
-          <a:xfrm>
-            <a:off x="-152400" y="1400175"/>
-            <a:ext cx="9144000" cy="3101975"/>
-          </a:xfrm>
-          <a:prstGeom prst="rect">
-            <a:avLst/>
-          </a:prstGeom>
-          <a:noFill/>
-          <a:ln>
-            <a:noFill/>
-          </a:ln>
-          <a:extLst>
-            <a:ext uri="{909E8E84-426E-40dd-AFC4-6F175D3DCCD1}">
-              <a14:hiddenFill xmlns:a14="http://schemas.microsoft.com/office/drawing/2010/main">
-                <a:solidFill>
-                  <a:srgbClr val="FFFFFF"/>
-                </a:solidFill>
-              </a14:hiddenFill>
-            </a:ext>
-            <a:ext uri="{91240B29-F687-4f45-9708-019B960494DF}">
-              <a14:hiddenLine xmlns:a14="http://schemas.microsoft.com/office/drawing/2010/main" w="9525">
-                <a:solidFill>
-                  <a:srgbClr val="000000"/>
-                </a:solidFill>
-                <a:miter lim="800000"/>
-                <a:headEnd/>
-                <a:tailEnd/>
-              </a14:hiddenLine>
-            </a:ext>
-          </a:extLst>
-        </p:spPr>
-      </p:pic>
       <p:sp>
         <p:nvSpPr>
           <p:cNvPr id="10" name="TextBox 9"/>
@@ -5139,60 +4977,6 @@
           </a:p>
         </p:txBody>
       </p:sp>
-      <p:pic>
-        <p:nvPicPr>
-          <p:cNvPr id="11" name="Picture 1"/>
-          <p:cNvPicPr>
-            <a:picLocks noChangeAspect="1"/>
-          </p:cNvPicPr>
-          <p:nvPr userDrawn="1"/>
-        </p:nvPicPr>
-        <p:blipFill>
-          <a:blip r:embed="rId4">
-            <a:extLst>
-              <a:ext uri="{28A0092B-C50C-407E-A947-70E740481C1C}">
-                <a14:useLocalDpi xmlns:a14="http://schemas.microsoft.com/office/drawing/2010/main" val="0"/>
-              </a:ext>
-            </a:extLst>
-          </a:blip>
-          <a:srcRect/>
-          <a:stretch>
-            <a:fillRect/>
-          </a:stretch>
-        </p:blipFill>
-        <p:spPr bwMode="auto">
-          <a:xfrm>
-            <a:off x="3910013" y="388938"/>
-            <a:ext cx="1290637" cy="757237"/>
-          </a:xfrm>
-          <a:prstGeom prst="rect">
-            <a:avLst/>
-          </a:prstGeom>
-          <a:noFill/>
-          <a:ln>
-            <a:noFill/>
-          </a:ln>
-          <a:extLst>
-            <a:ext uri="{909E8E84-426E-40dd-AFC4-6F175D3DCCD1}">
-              <a14:hiddenFill xmlns:a14="http://schemas.microsoft.com/office/drawing/2010/main">
-                <a:solidFill>
-                  <a:srgbClr val="FFFFFF"/>
-                </a:solidFill>
-              </a14:hiddenFill>
-            </a:ext>
-            <a:ext uri="{91240B29-F687-4f45-9708-019B960494DF}">
-              <a14:hiddenLine xmlns:a14="http://schemas.microsoft.com/office/drawing/2010/main" w="9525">
-                <a:solidFill>
-                  <a:srgbClr val="000000"/>
-                </a:solidFill>
-                <a:miter lim="800000"/>
-                <a:headEnd/>
-                <a:tailEnd/>
-              </a14:hiddenLine>
-            </a:ext>
-          </a:extLst>
-        </p:spPr>
-      </p:pic>
     </p:spTree>
     <p:extLst>
       <p:ext uri="{BB962C8B-B14F-4D97-AF65-F5344CB8AC3E}">
@@ -5346,7 +5130,7 @@
               <a:pPr>
                 <a:defRPr/>
               </a:pPr>
-              <a:t>7/26/11</a:t>
+              <a:t>8/19/11</a:t>
             </a:fld>
             <a:endParaRPr lang="en-US"/>
           </a:p>
@@ -5908,7 +5692,7 @@
               <a:pPr>
                 <a:defRPr/>
               </a:pPr>
-              <a:t>7/26/11</a:t>
+              <a:t>8/19/11</a:t>
             </a:fld>
             <a:endParaRPr lang="en-US"/>
           </a:p>
@@ -6518,7 +6302,7 @@
               <a:pPr>
                 <a:defRPr/>
               </a:pPr>
-              <a:t>7/26/11</a:t>
+              <a:t>8/19/11</a:t>
             </a:fld>
             <a:endParaRPr lang="en-US"/>
           </a:p>
@@ -6640,7 +6424,7 @@
               <a:pPr>
                 <a:defRPr/>
               </a:pPr>
-              <a:t>7/26/11</a:t>
+              <a:t>8/19/11</a:t>
             </a:fld>
             <a:endParaRPr lang="en-US"/>
           </a:p>
@@ -6927,7 +6711,7 @@
               <a:pPr>
                 <a:defRPr/>
               </a:pPr>
-              <a:t>7/26/11</a:t>
+              <a:t>8/19/11</a:t>
             </a:fld>
             <a:endParaRPr lang="en-US"/>
           </a:p>
@@ -7939,6 +7723,129 @@
           <a:chExt cx="0" cy="0"/>
         </a:xfrm>
       </p:grpSpPr>
+      <p:grpSp>
+        <p:nvGrpSpPr>
+          <p:cNvPr id="5" name="Group 4"/>
+          <p:cNvGrpSpPr/>
+          <p:nvPr/>
+        </p:nvGrpSpPr>
+        <p:grpSpPr>
+          <a:xfrm>
+            <a:off x="-40106" y="1640564"/>
+            <a:ext cx="8915400" cy="3352800"/>
+            <a:chOff x="-40106" y="1640564"/>
+            <a:chExt cx="8915400" cy="3352800"/>
+          </a:xfrm>
+        </p:grpSpPr>
+        <p:pic>
+          <p:nvPicPr>
+            <p:cNvPr id="6" name="Picture 8" descr="raised_paper.png"/>
+            <p:cNvPicPr>
+              <a:picLocks noChangeAspect="1"/>
+            </p:cNvPicPr>
+            <p:nvPr/>
+          </p:nvPicPr>
+          <p:blipFill>
+            <a:blip r:embed="rId4">
+              <a:extLst>
+                <a:ext uri="{28A0092B-C50C-407E-A947-70E740481C1C}">
+                  <a14:useLocalDpi xmlns:a14="http://schemas.microsoft.com/office/drawing/2010/main" val="0"/>
+                </a:ext>
+              </a:extLst>
+            </a:blip>
+            <a:srcRect/>
+            <a:stretch>
+              <a:fillRect/>
+            </a:stretch>
+          </p:blipFill>
+          <p:spPr bwMode="auto">
+            <a:xfrm>
+              <a:off x="-40106" y="1640564"/>
+              <a:ext cx="8915400" cy="3352800"/>
+            </a:xfrm>
+            <a:prstGeom prst="rect">
+              <a:avLst/>
+            </a:prstGeom>
+            <a:noFill/>
+            <a:ln>
+              <a:noFill/>
+            </a:ln>
+            <a:extLst>
+              <a:ext uri="{909E8E84-426E-40dd-AFC4-6F175D3DCCD1}">
+                <a14:hiddenFill xmlns:a14="http://schemas.microsoft.com/office/drawing/2010/main">
+                  <a:solidFill>
+                    <a:srgbClr val="FFFFFF"/>
+                  </a:solidFill>
+                </a14:hiddenFill>
+              </a:ext>
+              <a:ext uri="{91240B29-F687-4f45-9708-019B960494DF}">
+                <a14:hiddenLine xmlns:a14="http://schemas.microsoft.com/office/drawing/2010/main" w="9525">
+                  <a:solidFill>
+                    <a:srgbClr val="000000"/>
+                  </a:solidFill>
+                  <a:miter lim="800000"/>
+                  <a:headEnd/>
+                  <a:tailEnd/>
+                </a14:hiddenLine>
+              </a:ext>
+            </a:extLst>
+          </p:spPr>
+        </p:pic>
+        <p:pic>
+          <p:nvPicPr>
+            <p:cNvPr id="7" name="Picture 8"/>
+            <p:cNvPicPr>
+              <a:picLocks noChangeAspect="1"/>
+            </p:cNvPicPr>
+            <p:nvPr/>
+          </p:nvPicPr>
+          <p:blipFill>
+            <a:blip r:embed="rId5">
+              <a:extLst>
+                <a:ext uri="{28A0092B-C50C-407E-A947-70E740481C1C}">
+                  <a14:useLocalDpi xmlns:a14="http://schemas.microsoft.com/office/drawing/2010/main" val="0"/>
+                </a:ext>
+              </a:extLst>
+            </a:blip>
+            <a:srcRect/>
+            <a:stretch>
+              <a:fillRect/>
+            </a:stretch>
+          </p:blipFill>
+          <p:spPr bwMode="auto">
+            <a:xfrm>
+              <a:off x="3923882" y="1792964"/>
+              <a:ext cx="1230312" cy="685800"/>
+            </a:xfrm>
+            <a:prstGeom prst="rect">
+              <a:avLst/>
+            </a:prstGeom>
+            <a:noFill/>
+            <a:ln>
+              <a:noFill/>
+            </a:ln>
+            <a:extLst>
+              <a:ext uri="{909E8E84-426E-40dd-AFC4-6F175D3DCCD1}">
+                <a14:hiddenFill xmlns:a14="http://schemas.microsoft.com/office/drawing/2010/main">
+                  <a:solidFill>
+                    <a:srgbClr val="FFFFFF"/>
+                  </a:solidFill>
+                </a14:hiddenFill>
+              </a:ext>
+              <a:ext uri="{91240B29-F687-4f45-9708-019B960494DF}">
+                <a14:hiddenLine xmlns:a14="http://schemas.microsoft.com/office/drawing/2010/main" w="9525">
+                  <a:solidFill>
+                    <a:srgbClr val="000000"/>
+                  </a:solidFill>
+                  <a:miter lim="800000"/>
+                  <a:headEnd/>
+                  <a:tailEnd/>
+                </a14:hiddenLine>
+              </a:ext>
+            </a:extLst>
+          </p:spPr>
+        </p:pic>
+      </p:grpSp>
       <p:sp>
         <p:nvSpPr>
           <p:cNvPr id="17410" name="TextBox 11"/>
@@ -8097,60 +8004,6 @@
           </a:p>
         </p:txBody>
       </p:sp>
-      <p:pic>
-        <p:nvPicPr>
-          <p:cNvPr id="17412" name="Picture 1"/>
-          <p:cNvPicPr>
-            <a:picLocks noChangeAspect="1"/>
-          </p:cNvPicPr>
-          <p:nvPr/>
-        </p:nvPicPr>
-        <p:blipFill>
-          <a:blip r:embed="rId4">
-            <a:extLst>
-              <a:ext uri="{28A0092B-C50C-407E-A947-70E740481C1C}">
-                <a14:useLocalDpi xmlns:a14="http://schemas.microsoft.com/office/drawing/2010/main" val="0"/>
-              </a:ext>
-            </a:extLst>
-          </a:blip>
-          <a:srcRect/>
-          <a:stretch>
-            <a:fillRect/>
-          </a:stretch>
-        </p:blipFill>
-        <p:spPr bwMode="auto">
-          <a:xfrm>
-            <a:off x="3910013" y="388938"/>
-            <a:ext cx="1290637" cy="757237"/>
-          </a:xfrm>
-          <a:prstGeom prst="rect">
-            <a:avLst/>
-          </a:prstGeom>
-          <a:noFill/>
-          <a:ln>
-            <a:noFill/>
-          </a:ln>
-          <a:extLst>
-            <a:ext uri="{909E8E84-426E-40dd-AFC4-6F175D3DCCD1}">
-              <a14:hiddenFill xmlns:a14="http://schemas.microsoft.com/office/drawing/2010/main">
-                <a:solidFill>
-                  <a:srgbClr val="FFFFFF"/>
-                </a:solidFill>
-              </a14:hiddenFill>
-            </a:ext>
-            <a:ext uri="{91240B29-F687-4f45-9708-019B960494DF}">
-              <a14:hiddenLine xmlns:a14="http://schemas.microsoft.com/office/drawing/2010/main" w="9525">
-                <a:solidFill>
-                  <a:srgbClr val="000000"/>
-                </a:solidFill>
-                <a:miter lim="800000"/>
-                <a:headEnd/>
-                <a:tailEnd/>
-              </a14:hiddenLine>
-            </a:ext>
-          </a:extLst>
-        </p:spPr>
-      </p:pic>
       <p:sp>
         <p:nvSpPr>
           <p:cNvPr id="17413" name="Title 11"/>
@@ -8161,7 +8014,7 @@
         </p:nvSpPr>
         <p:spPr bwMode="auto">
           <a:xfrm>
-            <a:off x="762000" y="2500218"/>
+            <a:off x="762000" y="2639788"/>
             <a:ext cx="7713663" cy="949325"/>
           </a:xfrm>
           <a:prstGeom prst="rect">
@@ -8304,7 +8157,7 @@
           <a:p>
             <a:pPr algn="ctr" eaLnBrk="1" hangingPunct="1"/>
             <a:r>
-              <a:rPr lang="en-US" sz="4000" b="1" dirty="0" smtClean="0">
+              <a:rPr lang="en-US" sz="4000" b="1" i="1" dirty="0" smtClean="0">
                 <a:solidFill>
                   <a:srgbClr val="122956"/>
                 </a:solidFill>
@@ -8312,7 +8165,212 @@
               </a:rPr>
               <a:t>User Input Collection</a:t>
             </a:r>
-            <a:endParaRPr lang="en-US" sz="4000" b="1" dirty="0">
+            <a:br>
+              <a:rPr lang="en-US" sz="4000" b="1" i="1" dirty="0" smtClean="0">
+                <a:solidFill>
+                  <a:srgbClr val="122956"/>
+                </a:solidFill>
+                <a:cs typeface="Trebuchet MS" charset="0"/>
+              </a:rPr>
+            </a:br>
+            <a:r>
+              <a:rPr lang="en-US" sz="2800" i="1" dirty="0">
+                <a:solidFill>
+                  <a:srgbClr val="122956"/>
+                </a:solidFill>
+                <a:effectLst>
+                  <a:innerShdw blurRad="63500" dist="50800" dir="13500000">
+                    <a:prstClr val="black">
+                      <a:alpha val="50000"/>
+                    </a:prstClr>
+                  </a:innerShdw>
+                </a:effectLst>
+                <a:latin typeface="Trebuchet MS"/>
+                <a:ea typeface="Hiragino Sans GB W6" charset="0"/>
+              </a:rPr>
+              <a:t>Advanced Titanium Mobile Development</a:t>
+            </a:r>
+            <a:endParaRPr lang="en-US" sz="4000" b="1" i="1" dirty="0">
+              <a:solidFill>
+                <a:srgbClr val="122956"/>
+              </a:solidFill>
+              <a:cs typeface="Trebuchet MS" charset="0"/>
+            </a:endParaRPr>
+          </a:p>
+        </p:txBody>
+      </p:sp>
+      <p:sp>
+        <p:nvSpPr>
+          <p:cNvPr id="8" name="Slide Number Placeholder 5"/>
+          <p:cNvSpPr>
+            <a:spLocks noGrp="1"/>
+          </p:cNvSpPr>
+          <p:nvPr>
+            <p:ph type="sldNum" sz="quarter" idx="12"/>
+          </p:nvPr>
+        </p:nvSpPr>
+        <p:spPr bwMode="auto">
+          <a:xfrm>
+            <a:off x="203200" y="6400800"/>
+            <a:ext cx="2133600" cy="365125"/>
+          </a:xfrm>
+          <a:noFill/>
+          <a:extLst>
+            <a:ext uri="{909E8E84-426E-40dd-AFC4-6F175D3DCCD1}">
+              <a14:hiddenFill xmlns:a14="http://schemas.microsoft.com/office/drawing/2010/main">
+                <a:solidFill>
+                  <a:srgbClr val="FFFFFF"/>
+                </a:solidFill>
+              </a14:hiddenFill>
+            </a:ext>
+            <a:ext uri="{91240B29-F687-4f45-9708-019B960494DF}">
+              <a14:hiddenLine xmlns:a14="http://schemas.microsoft.com/office/drawing/2010/main" w="9525">
+                <a:solidFill>
+                  <a:srgbClr val="000000"/>
+                </a:solidFill>
+                <a:miter lim="800000"/>
+                <a:headEnd/>
+                <a:tailEnd/>
+              </a14:hiddenLine>
+            </a:ext>
+          </a:extLst>
+        </p:spPr>
+        <p:txBody>
+          <a:bodyPr vert="horz" wrap="square" lIns="91440" tIns="45720" rIns="91440" bIns="45720" numCol="1" anchor="ctr" anchorCtr="0" compatLnSpc="1">
+            <a:prstTxWarp prst="textNoShape">
+              <a:avLst/>
+            </a:prstTxWarp>
+          </a:bodyPr>
+          <a:lstStyle>
+            <a:lvl1pPr eaLnBrk="0" hangingPunct="0">
+              <a:defRPr sz="2400">
+                <a:solidFill>
+                  <a:schemeClr val="tx1"/>
+                </a:solidFill>
+                <a:latin typeface="Trebuchet MS" charset="0"/>
+                <a:ea typeface="ＭＳ Ｐゴシック" charset="0"/>
+                <a:cs typeface="ＭＳ Ｐゴシック" charset="0"/>
+              </a:defRPr>
+            </a:lvl1pPr>
+            <a:lvl2pPr marL="742950" indent="-285750" eaLnBrk="0" hangingPunct="0">
+              <a:defRPr sz="2400">
+                <a:solidFill>
+                  <a:schemeClr val="tx1"/>
+                </a:solidFill>
+                <a:latin typeface="Trebuchet MS" charset="0"/>
+                <a:ea typeface="ＭＳ Ｐゴシック" charset="0"/>
+              </a:defRPr>
+            </a:lvl2pPr>
+            <a:lvl3pPr marL="1143000" indent="-228600" eaLnBrk="0" hangingPunct="0">
+              <a:defRPr sz="2400">
+                <a:solidFill>
+                  <a:schemeClr val="tx1"/>
+                </a:solidFill>
+                <a:latin typeface="Trebuchet MS" charset="0"/>
+                <a:ea typeface="ＭＳ Ｐゴシック" charset="0"/>
+              </a:defRPr>
+            </a:lvl3pPr>
+            <a:lvl4pPr marL="1600200" indent="-228600" eaLnBrk="0" hangingPunct="0">
+              <a:defRPr sz="2400">
+                <a:solidFill>
+                  <a:schemeClr val="tx1"/>
+                </a:solidFill>
+                <a:latin typeface="Trebuchet MS" charset="0"/>
+                <a:ea typeface="ＭＳ Ｐゴシック" charset="0"/>
+              </a:defRPr>
+            </a:lvl4pPr>
+            <a:lvl5pPr marL="2057400" indent="-228600" eaLnBrk="0" hangingPunct="0">
+              <a:defRPr sz="2400">
+                <a:solidFill>
+                  <a:schemeClr val="tx1"/>
+                </a:solidFill>
+                <a:latin typeface="Trebuchet MS" charset="0"/>
+                <a:ea typeface="ＭＳ Ｐゴシック" charset="0"/>
+              </a:defRPr>
+            </a:lvl5pPr>
+            <a:lvl6pPr marL="2514600" indent="-228600" eaLnBrk="0" fontAlgn="base" hangingPunct="0">
+              <a:spcBef>
+                <a:spcPct val="0"/>
+              </a:spcBef>
+              <a:spcAft>
+                <a:spcPct val="0"/>
+              </a:spcAft>
+              <a:defRPr sz="2400">
+                <a:solidFill>
+                  <a:schemeClr val="tx1"/>
+                </a:solidFill>
+                <a:latin typeface="Trebuchet MS" charset="0"/>
+                <a:ea typeface="ＭＳ Ｐゴシック" charset="0"/>
+              </a:defRPr>
+            </a:lvl6pPr>
+            <a:lvl7pPr marL="2971800" indent="-228600" eaLnBrk="0" fontAlgn="base" hangingPunct="0">
+              <a:spcBef>
+                <a:spcPct val="0"/>
+              </a:spcBef>
+              <a:spcAft>
+                <a:spcPct val="0"/>
+              </a:spcAft>
+              <a:defRPr sz="2400">
+                <a:solidFill>
+                  <a:schemeClr val="tx1"/>
+                </a:solidFill>
+                <a:latin typeface="Trebuchet MS" charset="0"/>
+                <a:ea typeface="ＭＳ Ｐゴシック" charset="0"/>
+              </a:defRPr>
+            </a:lvl7pPr>
+            <a:lvl8pPr marL="3429000" indent="-228600" eaLnBrk="0" fontAlgn="base" hangingPunct="0">
+              <a:spcBef>
+                <a:spcPct val="0"/>
+              </a:spcBef>
+              <a:spcAft>
+                <a:spcPct val="0"/>
+              </a:spcAft>
+              <a:defRPr sz="2400">
+                <a:solidFill>
+                  <a:schemeClr val="tx1"/>
+                </a:solidFill>
+                <a:latin typeface="Trebuchet MS" charset="0"/>
+                <a:ea typeface="ＭＳ Ｐゴシック" charset="0"/>
+              </a:defRPr>
+            </a:lvl8pPr>
+            <a:lvl9pPr marL="3886200" indent="-228600" eaLnBrk="0" fontAlgn="base" hangingPunct="0">
+              <a:spcBef>
+                <a:spcPct val="0"/>
+              </a:spcBef>
+              <a:spcAft>
+                <a:spcPct val="0"/>
+              </a:spcAft>
+              <a:defRPr sz="2400">
+                <a:solidFill>
+                  <a:schemeClr val="tx1"/>
+                </a:solidFill>
+                <a:latin typeface="Trebuchet MS" charset="0"/>
+                <a:ea typeface="ＭＳ Ｐゴシック" charset="0"/>
+              </a:defRPr>
+            </a:lvl9pPr>
+          </a:lstStyle>
+          <a:p>
+            <a:pPr algn="l" eaLnBrk="1" hangingPunct="1"/>
+            <a:r>
+              <a:rPr lang="en-US" sz="1200" b="1" dirty="0" smtClean="0">
+                <a:solidFill>
+                  <a:srgbClr val="122956"/>
+                </a:solidFill>
+                <a:cs typeface="Trebuchet MS" charset="0"/>
+              </a:rPr>
+              <a:t>6-</a:t>
+            </a:r>
+            <a:fld id="{31B56995-E14C-B64F-86C9-12D6DB74A41E}" type="slidenum">
+              <a:rPr lang="en-US" sz="1200" b="1">
+                <a:solidFill>
+                  <a:srgbClr val="122956"/>
+                </a:solidFill>
+                <a:cs typeface="Trebuchet MS" charset="0"/>
+              </a:rPr>
+              <a:pPr algn="l" eaLnBrk="1" hangingPunct="1"/>
+              <a:t>1</a:t>
+            </a:fld>
+            <a:endParaRPr lang="en-US" sz="1200" b="1" dirty="0">
               <a:solidFill>
                 <a:srgbClr val="122956"/>
               </a:solidFill>
@@ -8879,6 +8937,186 @@
           </a:p>
         </p:txBody>
       </p:sp>
+      <p:sp>
+        <p:nvSpPr>
+          <p:cNvPr id="6" name="Slide Number Placeholder 5"/>
+          <p:cNvSpPr>
+            <a:spLocks noGrp="1"/>
+          </p:cNvSpPr>
+          <p:nvPr>
+            <p:ph type="sldNum" sz="quarter" idx="12"/>
+          </p:nvPr>
+        </p:nvSpPr>
+        <p:spPr bwMode="auto">
+          <a:xfrm>
+            <a:off x="203200" y="6400800"/>
+            <a:ext cx="2133600" cy="365125"/>
+          </a:xfrm>
+          <a:noFill/>
+          <a:extLst>
+            <a:ext uri="{909E8E84-426E-40dd-AFC4-6F175D3DCCD1}">
+              <a14:hiddenFill xmlns:a14="http://schemas.microsoft.com/office/drawing/2010/main">
+                <a:solidFill>
+                  <a:srgbClr val="FFFFFF"/>
+                </a:solidFill>
+              </a14:hiddenFill>
+            </a:ext>
+            <a:ext uri="{91240B29-F687-4f45-9708-019B960494DF}">
+              <a14:hiddenLine xmlns:a14="http://schemas.microsoft.com/office/drawing/2010/main" w="9525">
+                <a:solidFill>
+                  <a:srgbClr val="000000"/>
+                </a:solidFill>
+                <a:miter lim="800000"/>
+                <a:headEnd/>
+                <a:tailEnd/>
+              </a14:hiddenLine>
+            </a:ext>
+          </a:extLst>
+        </p:spPr>
+        <p:txBody>
+          <a:bodyPr vert="horz" wrap="square" lIns="91440" tIns="45720" rIns="91440" bIns="45720" numCol="1" anchor="ctr" anchorCtr="0" compatLnSpc="1">
+            <a:prstTxWarp prst="textNoShape">
+              <a:avLst/>
+            </a:prstTxWarp>
+          </a:bodyPr>
+          <a:lstStyle>
+            <a:lvl1pPr eaLnBrk="0" hangingPunct="0">
+              <a:defRPr sz="2400">
+                <a:solidFill>
+                  <a:schemeClr val="tx1"/>
+                </a:solidFill>
+                <a:latin typeface="Trebuchet MS" charset="0"/>
+                <a:ea typeface="ＭＳ Ｐゴシック" charset="0"/>
+                <a:cs typeface="ＭＳ Ｐゴシック" charset="0"/>
+              </a:defRPr>
+            </a:lvl1pPr>
+            <a:lvl2pPr marL="742950" indent="-285750" eaLnBrk="0" hangingPunct="0">
+              <a:defRPr sz="2400">
+                <a:solidFill>
+                  <a:schemeClr val="tx1"/>
+                </a:solidFill>
+                <a:latin typeface="Trebuchet MS" charset="0"/>
+                <a:ea typeface="ＭＳ Ｐゴシック" charset="0"/>
+              </a:defRPr>
+            </a:lvl2pPr>
+            <a:lvl3pPr marL="1143000" indent="-228600" eaLnBrk="0" hangingPunct="0">
+              <a:defRPr sz="2400">
+                <a:solidFill>
+                  <a:schemeClr val="tx1"/>
+                </a:solidFill>
+                <a:latin typeface="Trebuchet MS" charset="0"/>
+                <a:ea typeface="ＭＳ Ｐゴシック" charset="0"/>
+              </a:defRPr>
+            </a:lvl3pPr>
+            <a:lvl4pPr marL="1600200" indent="-228600" eaLnBrk="0" hangingPunct="0">
+              <a:defRPr sz="2400">
+                <a:solidFill>
+                  <a:schemeClr val="tx1"/>
+                </a:solidFill>
+                <a:latin typeface="Trebuchet MS" charset="0"/>
+                <a:ea typeface="ＭＳ Ｐゴシック" charset="0"/>
+              </a:defRPr>
+            </a:lvl4pPr>
+            <a:lvl5pPr marL="2057400" indent="-228600" eaLnBrk="0" hangingPunct="0">
+              <a:defRPr sz="2400">
+                <a:solidFill>
+                  <a:schemeClr val="tx1"/>
+                </a:solidFill>
+                <a:latin typeface="Trebuchet MS" charset="0"/>
+                <a:ea typeface="ＭＳ Ｐゴシック" charset="0"/>
+              </a:defRPr>
+            </a:lvl5pPr>
+            <a:lvl6pPr marL="2514600" indent="-228600" eaLnBrk="0" fontAlgn="base" hangingPunct="0">
+              <a:spcBef>
+                <a:spcPct val="0"/>
+              </a:spcBef>
+              <a:spcAft>
+                <a:spcPct val="0"/>
+              </a:spcAft>
+              <a:defRPr sz="2400">
+                <a:solidFill>
+                  <a:schemeClr val="tx1"/>
+                </a:solidFill>
+                <a:latin typeface="Trebuchet MS" charset="0"/>
+                <a:ea typeface="ＭＳ Ｐゴシック" charset="0"/>
+              </a:defRPr>
+            </a:lvl6pPr>
+            <a:lvl7pPr marL="2971800" indent="-228600" eaLnBrk="0" fontAlgn="base" hangingPunct="0">
+              <a:spcBef>
+                <a:spcPct val="0"/>
+              </a:spcBef>
+              <a:spcAft>
+                <a:spcPct val="0"/>
+              </a:spcAft>
+              <a:defRPr sz="2400">
+                <a:solidFill>
+                  <a:schemeClr val="tx1"/>
+                </a:solidFill>
+                <a:latin typeface="Trebuchet MS" charset="0"/>
+                <a:ea typeface="ＭＳ Ｐゴシック" charset="0"/>
+              </a:defRPr>
+            </a:lvl7pPr>
+            <a:lvl8pPr marL="3429000" indent="-228600" eaLnBrk="0" fontAlgn="base" hangingPunct="0">
+              <a:spcBef>
+                <a:spcPct val="0"/>
+              </a:spcBef>
+              <a:spcAft>
+                <a:spcPct val="0"/>
+              </a:spcAft>
+              <a:defRPr sz="2400">
+                <a:solidFill>
+                  <a:schemeClr val="tx1"/>
+                </a:solidFill>
+                <a:latin typeface="Trebuchet MS" charset="0"/>
+                <a:ea typeface="ＭＳ Ｐゴシック" charset="0"/>
+              </a:defRPr>
+            </a:lvl8pPr>
+            <a:lvl9pPr marL="3886200" indent="-228600" eaLnBrk="0" fontAlgn="base" hangingPunct="0">
+              <a:spcBef>
+                <a:spcPct val="0"/>
+              </a:spcBef>
+              <a:spcAft>
+                <a:spcPct val="0"/>
+              </a:spcAft>
+              <a:defRPr sz="2400">
+                <a:solidFill>
+                  <a:schemeClr val="tx1"/>
+                </a:solidFill>
+                <a:latin typeface="Trebuchet MS" charset="0"/>
+                <a:ea typeface="ＭＳ Ｐゴシック" charset="0"/>
+              </a:defRPr>
+            </a:lvl9pPr>
+          </a:lstStyle>
+          <a:p>
+            <a:pPr algn="l" eaLnBrk="1" hangingPunct="1"/>
+            <a:r>
+              <a:rPr lang="en-US" sz="1200" b="1" dirty="0" smtClean="0">
+                <a:solidFill>
+                  <a:srgbClr val="122956"/>
+                </a:solidFill>
+                <a:cs typeface="Trebuchet MS" charset="0"/>
+              </a:rPr>
+              <a:t>6-</a:t>
+            </a:r>
+            <a:fld id="{31B56995-E14C-B64F-86C9-12D6DB74A41E}" type="slidenum">
+              <a:rPr lang="en-US" sz="1200" b="1">
+                <a:solidFill>
+                  <a:srgbClr val="122956"/>
+                </a:solidFill>
+                <a:cs typeface="Trebuchet MS" charset="0"/>
+              </a:rPr>
+              <a:pPr algn="l" eaLnBrk="1" hangingPunct="1"/>
+              <a:t>10</a:t>
+            </a:fld>
+            <a:endParaRPr lang="en-US" sz="1200" b="1" dirty="0">
+              <a:solidFill>
+                <a:srgbClr val="122956"/>
+              </a:solidFill>
+              <a:cs typeface="Trebuchet MS" charset="0"/>
+            </a:endParaRPr>
+          </a:p>
+        </p:txBody>
+      </p:sp>
     </p:spTree>
     <p:extLst>
       <p:ext uri="{BB962C8B-B14F-4D97-AF65-F5344CB8AC3E}">
@@ -8993,6 +9231,186 @@
               <a:rPr lang="en-US" dirty="0" smtClean="0"/>
               <a:t> form</a:t>
             </a:r>
+          </a:p>
+        </p:txBody>
+      </p:sp>
+      <p:sp>
+        <p:nvSpPr>
+          <p:cNvPr id="4" name="Slide Number Placeholder 5"/>
+          <p:cNvSpPr>
+            <a:spLocks noGrp="1"/>
+          </p:cNvSpPr>
+          <p:nvPr>
+            <p:ph type="sldNum" sz="quarter" idx="12"/>
+          </p:nvPr>
+        </p:nvSpPr>
+        <p:spPr bwMode="auto">
+          <a:xfrm>
+            <a:off x="203200" y="6400800"/>
+            <a:ext cx="2133600" cy="365125"/>
+          </a:xfrm>
+          <a:noFill/>
+          <a:extLst>
+            <a:ext uri="{909E8E84-426E-40dd-AFC4-6F175D3DCCD1}">
+              <a14:hiddenFill xmlns:a14="http://schemas.microsoft.com/office/drawing/2010/main">
+                <a:solidFill>
+                  <a:srgbClr val="FFFFFF"/>
+                </a:solidFill>
+              </a14:hiddenFill>
+            </a:ext>
+            <a:ext uri="{91240B29-F687-4f45-9708-019B960494DF}">
+              <a14:hiddenLine xmlns:a14="http://schemas.microsoft.com/office/drawing/2010/main" w="9525">
+                <a:solidFill>
+                  <a:srgbClr val="000000"/>
+                </a:solidFill>
+                <a:miter lim="800000"/>
+                <a:headEnd/>
+                <a:tailEnd/>
+              </a14:hiddenLine>
+            </a:ext>
+          </a:extLst>
+        </p:spPr>
+        <p:txBody>
+          <a:bodyPr vert="horz" wrap="square" lIns="91440" tIns="45720" rIns="91440" bIns="45720" numCol="1" anchor="ctr" anchorCtr="0" compatLnSpc="1">
+            <a:prstTxWarp prst="textNoShape">
+              <a:avLst/>
+            </a:prstTxWarp>
+          </a:bodyPr>
+          <a:lstStyle>
+            <a:lvl1pPr eaLnBrk="0" hangingPunct="0">
+              <a:defRPr sz="2400">
+                <a:solidFill>
+                  <a:schemeClr val="tx1"/>
+                </a:solidFill>
+                <a:latin typeface="Trebuchet MS" charset="0"/>
+                <a:ea typeface="ＭＳ Ｐゴシック" charset="0"/>
+                <a:cs typeface="ＭＳ Ｐゴシック" charset="0"/>
+              </a:defRPr>
+            </a:lvl1pPr>
+            <a:lvl2pPr marL="742950" indent="-285750" eaLnBrk="0" hangingPunct="0">
+              <a:defRPr sz="2400">
+                <a:solidFill>
+                  <a:schemeClr val="tx1"/>
+                </a:solidFill>
+                <a:latin typeface="Trebuchet MS" charset="0"/>
+                <a:ea typeface="ＭＳ Ｐゴシック" charset="0"/>
+              </a:defRPr>
+            </a:lvl2pPr>
+            <a:lvl3pPr marL="1143000" indent="-228600" eaLnBrk="0" hangingPunct="0">
+              <a:defRPr sz="2400">
+                <a:solidFill>
+                  <a:schemeClr val="tx1"/>
+                </a:solidFill>
+                <a:latin typeface="Trebuchet MS" charset="0"/>
+                <a:ea typeface="ＭＳ Ｐゴシック" charset="0"/>
+              </a:defRPr>
+            </a:lvl3pPr>
+            <a:lvl4pPr marL="1600200" indent="-228600" eaLnBrk="0" hangingPunct="0">
+              <a:defRPr sz="2400">
+                <a:solidFill>
+                  <a:schemeClr val="tx1"/>
+                </a:solidFill>
+                <a:latin typeface="Trebuchet MS" charset="0"/>
+                <a:ea typeface="ＭＳ Ｐゴシック" charset="0"/>
+              </a:defRPr>
+            </a:lvl4pPr>
+            <a:lvl5pPr marL="2057400" indent="-228600" eaLnBrk="0" hangingPunct="0">
+              <a:defRPr sz="2400">
+                <a:solidFill>
+                  <a:schemeClr val="tx1"/>
+                </a:solidFill>
+                <a:latin typeface="Trebuchet MS" charset="0"/>
+                <a:ea typeface="ＭＳ Ｐゴシック" charset="0"/>
+              </a:defRPr>
+            </a:lvl5pPr>
+            <a:lvl6pPr marL="2514600" indent="-228600" eaLnBrk="0" fontAlgn="base" hangingPunct="0">
+              <a:spcBef>
+                <a:spcPct val="0"/>
+              </a:spcBef>
+              <a:spcAft>
+                <a:spcPct val="0"/>
+              </a:spcAft>
+              <a:defRPr sz="2400">
+                <a:solidFill>
+                  <a:schemeClr val="tx1"/>
+                </a:solidFill>
+                <a:latin typeface="Trebuchet MS" charset="0"/>
+                <a:ea typeface="ＭＳ Ｐゴシック" charset="0"/>
+              </a:defRPr>
+            </a:lvl6pPr>
+            <a:lvl7pPr marL="2971800" indent="-228600" eaLnBrk="0" fontAlgn="base" hangingPunct="0">
+              <a:spcBef>
+                <a:spcPct val="0"/>
+              </a:spcBef>
+              <a:spcAft>
+                <a:spcPct val="0"/>
+              </a:spcAft>
+              <a:defRPr sz="2400">
+                <a:solidFill>
+                  <a:schemeClr val="tx1"/>
+                </a:solidFill>
+                <a:latin typeface="Trebuchet MS" charset="0"/>
+                <a:ea typeface="ＭＳ Ｐゴシック" charset="0"/>
+              </a:defRPr>
+            </a:lvl7pPr>
+            <a:lvl8pPr marL="3429000" indent="-228600" eaLnBrk="0" fontAlgn="base" hangingPunct="0">
+              <a:spcBef>
+                <a:spcPct val="0"/>
+              </a:spcBef>
+              <a:spcAft>
+                <a:spcPct val="0"/>
+              </a:spcAft>
+              <a:defRPr sz="2400">
+                <a:solidFill>
+                  <a:schemeClr val="tx1"/>
+                </a:solidFill>
+                <a:latin typeface="Trebuchet MS" charset="0"/>
+                <a:ea typeface="ＭＳ Ｐゴシック" charset="0"/>
+              </a:defRPr>
+            </a:lvl8pPr>
+            <a:lvl9pPr marL="3886200" indent="-228600" eaLnBrk="0" fontAlgn="base" hangingPunct="0">
+              <a:spcBef>
+                <a:spcPct val="0"/>
+              </a:spcBef>
+              <a:spcAft>
+                <a:spcPct val="0"/>
+              </a:spcAft>
+              <a:defRPr sz="2400">
+                <a:solidFill>
+                  <a:schemeClr val="tx1"/>
+                </a:solidFill>
+                <a:latin typeface="Trebuchet MS" charset="0"/>
+                <a:ea typeface="ＭＳ Ｐゴシック" charset="0"/>
+              </a:defRPr>
+            </a:lvl9pPr>
+          </a:lstStyle>
+          <a:p>
+            <a:pPr algn="l" eaLnBrk="1" hangingPunct="1"/>
+            <a:r>
+              <a:rPr lang="en-US" sz="1200" b="1" dirty="0" smtClean="0">
+                <a:solidFill>
+                  <a:srgbClr val="122956"/>
+                </a:solidFill>
+                <a:cs typeface="Trebuchet MS" charset="0"/>
+              </a:rPr>
+              <a:t>6-</a:t>
+            </a:r>
+            <a:fld id="{31B56995-E14C-B64F-86C9-12D6DB74A41E}" type="slidenum">
+              <a:rPr lang="en-US" sz="1200" b="1">
+                <a:solidFill>
+                  <a:srgbClr val="122956"/>
+                </a:solidFill>
+                <a:cs typeface="Trebuchet MS" charset="0"/>
+              </a:rPr>
+              <a:pPr algn="l" eaLnBrk="1" hangingPunct="1"/>
+              <a:t>11</a:t>
+            </a:fld>
+            <a:endParaRPr lang="en-US" sz="1200" b="1" dirty="0">
+              <a:solidFill>
+                <a:srgbClr val="122956"/>
+              </a:solidFill>
+              <a:cs typeface="Trebuchet MS" charset="0"/>
+            </a:endParaRPr>
           </a:p>
         </p:txBody>
       </p:sp>
@@ -9126,6 +9544,186 @@
           </a:p>
         </p:txBody>
       </p:sp>
+      <p:sp>
+        <p:nvSpPr>
+          <p:cNvPr id="4" name="Slide Number Placeholder 5"/>
+          <p:cNvSpPr>
+            <a:spLocks noGrp="1"/>
+          </p:cNvSpPr>
+          <p:nvPr>
+            <p:ph type="sldNum" sz="quarter" idx="12"/>
+          </p:nvPr>
+        </p:nvSpPr>
+        <p:spPr bwMode="auto">
+          <a:xfrm>
+            <a:off x="203200" y="6400800"/>
+            <a:ext cx="2133600" cy="365125"/>
+          </a:xfrm>
+          <a:noFill/>
+          <a:extLst>
+            <a:ext uri="{909E8E84-426E-40dd-AFC4-6F175D3DCCD1}">
+              <a14:hiddenFill xmlns:a14="http://schemas.microsoft.com/office/drawing/2010/main">
+                <a:solidFill>
+                  <a:srgbClr val="FFFFFF"/>
+                </a:solidFill>
+              </a14:hiddenFill>
+            </a:ext>
+            <a:ext uri="{91240B29-F687-4f45-9708-019B960494DF}">
+              <a14:hiddenLine xmlns:a14="http://schemas.microsoft.com/office/drawing/2010/main" w="9525">
+                <a:solidFill>
+                  <a:srgbClr val="000000"/>
+                </a:solidFill>
+                <a:miter lim="800000"/>
+                <a:headEnd/>
+                <a:tailEnd/>
+              </a14:hiddenLine>
+            </a:ext>
+          </a:extLst>
+        </p:spPr>
+        <p:txBody>
+          <a:bodyPr vert="horz" wrap="square" lIns="91440" tIns="45720" rIns="91440" bIns="45720" numCol="1" anchor="ctr" anchorCtr="0" compatLnSpc="1">
+            <a:prstTxWarp prst="textNoShape">
+              <a:avLst/>
+            </a:prstTxWarp>
+          </a:bodyPr>
+          <a:lstStyle>
+            <a:lvl1pPr eaLnBrk="0" hangingPunct="0">
+              <a:defRPr sz="2400">
+                <a:solidFill>
+                  <a:schemeClr val="tx1"/>
+                </a:solidFill>
+                <a:latin typeface="Trebuchet MS" charset="0"/>
+                <a:ea typeface="ＭＳ Ｐゴシック" charset="0"/>
+                <a:cs typeface="ＭＳ Ｐゴシック" charset="0"/>
+              </a:defRPr>
+            </a:lvl1pPr>
+            <a:lvl2pPr marL="742950" indent="-285750" eaLnBrk="0" hangingPunct="0">
+              <a:defRPr sz="2400">
+                <a:solidFill>
+                  <a:schemeClr val="tx1"/>
+                </a:solidFill>
+                <a:latin typeface="Trebuchet MS" charset="0"/>
+                <a:ea typeface="ＭＳ Ｐゴシック" charset="0"/>
+              </a:defRPr>
+            </a:lvl2pPr>
+            <a:lvl3pPr marL="1143000" indent="-228600" eaLnBrk="0" hangingPunct="0">
+              <a:defRPr sz="2400">
+                <a:solidFill>
+                  <a:schemeClr val="tx1"/>
+                </a:solidFill>
+                <a:latin typeface="Trebuchet MS" charset="0"/>
+                <a:ea typeface="ＭＳ Ｐゴシック" charset="0"/>
+              </a:defRPr>
+            </a:lvl3pPr>
+            <a:lvl4pPr marL="1600200" indent="-228600" eaLnBrk="0" hangingPunct="0">
+              <a:defRPr sz="2400">
+                <a:solidFill>
+                  <a:schemeClr val="tx1"/>
+                </a:solidFill>
+                <a:latin typeface="Trebuchet MS" charset="0"/>
+                <a:ea typeface="ＭＳ Ｐゴシック" charset="0"/>
+              </a:defRPr>
+            </a:lvl4pPr>
+            <a:lvl5pPr marL="2057400" indent="-228600" eaLnBrk="0" hangingPunct="0">
+              <a:defRPr sz="2400">
+                <a:solidFill>
+                  <a:schemeClr val="tx1"/>
+                </a:solidFill>
+                <a:latin typeface="Trebuchet MS" charset="0"/>
+                <a:ea typeface="ＭＳ Ｐゴシック" charset="0"/>
+              </a:defRPr>
+            </a:lvl5pPr>
+            <a:lvl6pPr marL="2514600" indent="-228600" eaLnBrk="0" fontAlgn="base" hangingPunct="0">
+              <a:spcBef>
+                <a:spcPct val="0"/>
+              </a:spcBef>
+              <a:spcAft>
+                <a:spcPct val="0"/>
+              </a:spcAft>
+              <a:defRPr sz="2400">
+                <a:solidFill>
+                  <a:schemeClr val="tx1"/>
+                </a:solidFill>
+                <a:latin typeface="Trebuchet MS" charset="0"/>
+                <a:ea typeface="ＭＳ Ｐゴシック" charset="0"/>
+              </a:defRPr>
+            </a:lvl6pPr>
+            <a:lvl7pPr marL="2971800" indent="-228600" eaLnBrk="0" fontAlgn="base" hangingPunct="0">
+              <a:spcBef>
+                <a:spcPct val="0"/>
+              </a:spcBef>
+              <a:spcAft>
+                <a:spcPct val="0"/>
+              </a:spcAft>
+              <a:defRPr sz="2400">
+                <a:solidFill>
+                  <a:schemeClr val="tx1"/>
+                </a:solidFill>
+                <a:latin typeface="Trebuchet MS" charset="0"/>
+                <a:ea typeface="ＭＳ Ｐゴシック" charset="0"/>
+              </a:defRPr>
+            </a:lvl7pPr>
+            <a:lvl8pPr marL="3429000" indent="-228600" eaLnBrk="0" fontAlgn="base" hangingPunct="0">
+              <a:spcBef>
+                <a:spcPct val="0"/>
+              </a:spcBef>
+              <a:spcAft>
+                <a:spcPct val="0"/>
+              </a:spcAft>
+              <a:defRPr sz="2400">
+                <a:solidFill>
+                  <a:schemeClr val="tx1"/>
+                </a:solidFill>
+                <a:latin typeface="Trebuchet MS" charset="0"/>
+                <a:ea typeface="ＭＳ Ｐゴシック" charset="0"/>
+              </a:defRPr>
+            </a:lvl8pPr>
+            <a:lvl9pPr marL="3886200" indent="-228600" eaLnBrk="0" fontAlgn="base" hangingPunct="0">
+              <a:spcBef>
+                <a:spcPct val="0"/>
+              </a:spcBef>
+              <a:spcAft>
+                <a:spcPct val="0"/>
+              </a:spcAft>
+              <a:defRPr sz="2400">
+                <a:solidFill>
+                  <a:schemeClr val="tx1"/>
+                </a:solidFill>
+                <a:latin typeface="Trebuchet MS" charset="0"/>
+                <a:ea typeface="ＭＳ Ｐゴシック" charset="0"/>
+              </a:defRPr>
+            </a:lvl9pPr>
+          </a:lstStyle>
+          <a:p>
+            <a:pPr algn="l" eaLnBrk="1" hangingPunct="1"/>
+            <a:r>
+              <a:rPr lang="en-US" sz="1200" b="1" dirty="0" smtClean="0">
+                <a:solidFill>
+                  <a:srgbClr val="122956"/>
+                </a:solidFill>
+                <a:cs typeface="Trebuchet MS" charset="0"/>
+              </a:rPr>
+              <a:t>6-</a:t>
+            </a:r>
+            <a:fld id="{31B56995-E14C-B64F-86C9-12D6DB74A41E}" type="slidenum">
+              <a:rPr lang="en-US" sz="1200" b="1">
+                <a:solidFill>
+                  <a:srgbClr val="122956"/>
+                </a:solidFill>
+                <a:cs typeface="Trebuchet MS" charset="0"/>
+              </a:rPr>
+              <a:pPr algn="l" eaLnBrk="1" hangingPunct="1"/>
+              <a:t>12</a:t>
+            </a:fld>
+            <a:endParaRPr lang="en-US" sz="1200" b="1" dirty="0">
+              <a:solidFill>
+                <a:srgbClr val="122956"/>
+              </a:solidFill>
+              <a:cs typeface="Trebuchet MS" charset="0"/>
+            </a:endParaRPr>
+          </a:p>
+        </p:txBody>
+      </p:sp>
     </p:spTree>
     <p:extLst>
       <p:ext uri="{BB962C8B-B14F-4D97-AF65-F5344CB8AC3E}">
@@ -9231,6 +9829,186 @@
               <a:rPr lang="en-US" dirty="0" smtClean="0"/>
               <a:t>Transmit collected data back to native land so data can be saved to a database</a:t>
             </a:r>
+          </a:p>
+        </p:txBody>
+      </p:sp>
+      <p:sp>
+        <p:nvSpPr>
+          <p:cNvPr id="4" name="Slide Number Placeholder 5"/>
+          <p:cNvSpPr>
+            <a:spLocks noGrp="1"/>
+          </p:cNvSpPr>
+          <p:nvPr>
+            <p:ph type="sldNum" sz="quarter" idx="12"/>
+          </p:nvPr>
+        </p:nvSpPr>
+        <p:spPr bwMode="auto">
+          <a:xfrm>
+            <a:off x="203200" y="6400800"/>
+            <a:ext cx="2133600" cy="365125"/>
+          </a:xfrm>
+          <a:noFill/>
+          <a:extLst>
+            <a:ext uri="{909E8E84-426E-40dd-AFC4-6F175D3DCCD1}">
+              <a14:hiddenFill xmlns:a14="http://schemas.microsoft.com/office/drawing/2010/main">
+                <a:solidFill>
+                  <a:srgbClr val="FFFFFF"/>
+                </a:solidFill>
+              </a14:hiddenFill>
+            </a:ext>
+            <a:ext uri="{91240B29-F687-4f45-9708-019B960494DF}">
+              <a14:hiddenLine xmlns:a14="http://schemas.microsoft.com/office/drawing/2010/main" w="9525">
+                <a:solidFill>
+                  <a:srgbClr val="000000"/>
+                </a:solidFill>
+                <a:miter lim="800000"/>
+                <a:headEnd/>
+                <a:tailEnd/>
+              </a14:hiddenLine>
+            </a:ext>
+          </a:extLst>
+        </p:spPr>
+        <p:txBody>
+          <a:bodyPr vert="horz" wrap="square" lIns="91440" tIns="45720" rIns="91440" bIns="45720" numCol="1" anchor="ctr" anchorCtr="0" compatLnSpc="1">
+            <a:prstTxWarp prst="textNoShape">
+              <a:avLst/>
+            </a:prstTxWarp>
+          </a:bodyPr>
+          <a:lstStyle>
+            <a:lvl1pPr eaLnBrk="0" hangingPunct="0">
+              <a:defRPr sz="2400">
+                <a:solidFill>
+                  <a:schemeClr val="tx1"/>
+                </a:solidFill>
+                <a:latin typeface="Trebuchet MS" charset="0"/>
+                <a:ea typeface="ＭＳ Ｐゴシック" charset="0"/>
+                <a:cs typeface="ＭＳ Ｐゴシック" charset="0"/>
+              </a:defRPr>
+            </a:lvl1pPr>
+            <a:lvl2pPr marL="742950" indent="-285750" eaLnBrk="0" hangingPunct="0">
+              <a:defRPr sz="2400">
+                <a:solidFill>
+                  <a:schemeClr val="tx1"/>
+                </a:solidFill>
+                <a:latin typeface="Trebuchet MS" charset="0"/>
+                <a:ea typeface="ＭＳ Ｐゴシック" charset="0"/>
+              </a:defRPr>
+            </a:lvl2pPr>
+            <a:lvl3pPr marL="1143000" indent="-228600" eaLnBrk="0" hangingPunct="0">
+              <a:defRPr sz="2400">
+                <a:solidFill>
+                  <a:schemeClr val="tx1"/>
+                </a:solidFill>
+                <a:latin typeface="Trebuchet MS" charset="0"/>
+                <a:ea typeface="ＭＳ Ｐゴシック" charset="0"/>
+              </a:defRPr>
+            </a:lvl3pPr>
+            <a:lvl4pPr marL="1600200" indent="-228600" eaLnBrk="0" hangingPunct="0">
+              <a:defRPr sz="2400">
+                <a:solidFill>
+                  <a:schemeClr val="tx1"/>
+                </a:solidFill>
+                <a:latin typeface="Trebuchet MS" charset="0"/>
+                <a:ea typeface="ＭＳ Ｐゴシック" charset="0"/>
+              </a:defRPr>
+            </a:lvl4pPr>
+            <a:lvl5pPr marL="2057400" indent="-228600" eaLnBrk="0" hangingPunct="0">
+              <a:defRPr sz="2400">
+                <a:solidFill>
+                  <a:schemeClr val="tx1"/>
+                </a:solidFill>
+                <a:latin typeface="Trebuchet MS" charset="0"/>
+                <a:ea typeface="ＭＳ Ｐゴシック" charset="0"/>
+              </a:defRPr>
+            </a:lvl5pPr>
+            <a:lvl6pPr marL="2514600" indent="-228600" eaLnBrk="0" fontAlgn="base" hangingPunct="0">
+              <a:spcBef>
+                <a:spcPct val="0"/>
+              </a:spcBef>
+              <a:spcAft>
+                <a:spcPct val="0"/>
+              </a:spcAft>
+              <a:defRPr sz="2400">
+                <a:solidFill>
+                  <a:schemeClr val="tx1"/>
+                </a:solidFill>
+                <a:latin typeface="Trebuchet MS" charset="0"/>
+                <a:ea typeface="ＭＳ Ｐゴシック" charset="0"/>
+              </a:defRPr>
+            </a:lvl6pPr>
+            <a:lvl7pPr marL="2971800" indent="-228600" eaLnBrk="0" fontAlgn="base" hangingPunct="0">
+              <a:spcBef>
+                <a:spcPct val="0"/>
+              </a:spcBef>
+              <a:spcAft>
+                <a:spcPct val="0"/>
+              </a:spcAft>
+              <a:defRPr sz="2400">
+                <a:solidFill>
+                  <a:schemeClr val="tx1"/>
+                </a:solidFill>
+                <a:latin typeface="Trebuchet MS" charset="0"/>
+                <a:ea typeface="ＭＳ Ｐゴシック" charset="0"/>
+              </a:defRPr>
+            </a:lvl7pPr>
+            <a:lvl8pPr marL="3429000" indent="-228600" eaLnBrk="0" fontAlgn="base" hangingPunct="0">
+              <a:spcBef>
+                <a:spcPct val="0"/>
+              </a:spcBef>
+              <a:spcAft>
+                <a:spcPct val="0"/>
+              </a:spcAft>
+              <a:defRPr sz="2400">
+                <a:solidFill>
+                  <a:schemeClr val="tx1"/>
+                </a:solidFill>
+                <a:latin typeface="Trebuchet MS" charset="0"/>
+                <a:ea typeface="ＭＳ Ｐゴシック" charset="0"/>
+              </a:defRPr>
+            </a:lvl8pPr>
+            <a:lvl9pPr marL="3886200" indent="-228600" eaLnBrk="0" fontAlgn="base" hangingPunct="0">
+              <a:spcBef>
+                <a:spcPct val="0"/>
+              </a:spcBef>
+              <a:spcAft>
+                <a:spcPct val="0"/>
+              </a:spcAft>
+              <a:defRPr sz="2400">
+                <a:solidFill>
+                  <a:schemeClr val="tx1"/>
+                </a:solidFill>
+                <a:latin typeface="Trebuchet MS" charset="0"/>
+                <a:ea typeface="ＭＳ Ｐゴシック" charset="0"/>
+              </a:defRPr>
+            </a:lvl9pPr>
+          </a:lstStyle>
+          <a:p>
+            <a:pPr algn="l" eaLnBrk="1" hangingPunct="1"/>
+            <a:r>
+              <a:rPr lang="en-US" sz="1200" b="1" dirty="0" smtClean="0">
+                <a:solidFill>
+                  <a:srgbClr val="122956"/>
+                </a:solidFill>
+                <a:cs typeface="Trebuchet MS" charset="0"/>
+              </a:rPr>
+              <a:t>6-</a:t>
+            </a:r>
+            <a:fld id="{31B56995-E14C-B64F-86C9-12D6DB74A41E}" type="slidenum">
+              <a:rPr lang="en-US" sz="1200" b="1">
+                <a:solidFill>
+                  <a:srgbClr val="122956"/>
+                </a:solidFill>
+                <a:cs typeface="Trebuchet MS" charset="0"/>
+              </a:rPr>
+              <a:pPr algn="l" eaLnBrk="1" hangingPunct="1"/>
+              <a:t>13</a:t>
+            </a:fld>
+            <a:endParaRPr lang="en-US" sz="1200" b="1" dirty="0">
+              <a:solidFill>
+                <a:srgbClr val="122956"/>
+              </a:solidFill>
+              <a:cs typeface="Trebuchet MS" charset="0"/>
+            </a:endParaRPr>
           </a:p>
         </p:txBody>
       </p:sp>
@@ -9385,6 +10163,186 @@
           </a:p>
         </p:txBody>
       </p:sp>
+      <p:sp>
+        <p:nvSpPr>
+          <p:cNvPr id="4" name="Slide Number Placeholder 5"/>
+          <p:cNvSpPr>
+            <a:spLocks noGrp="1"/>
+          </p:cNvSpPr>
+          <p:nvPr>
+            <p:ph type="sldNum" sz="quarter" idx="12"/>
+          </p:nvPr>
+        </p:nvSpPr>
+        <p:spPr bwMode="auto">
+          <a:xfrm>
+            <a:off x="203200" y="6400800"/>
+            <a:ext cx="2133600" cy="365125"/>
+          </a:xfrm>
+          <a:noFill/>
+          <a:extLst>
+            <a:ext uri="{909E8E84-426E-40dd-AFC4-6F175D3DCCD1}">
+              <a14:hiddenFill xmlns:a14="http://schemas.microsoft.com/office/drawing/2010/main">
+                <a:solidFill>
+                  <a:srgbClr val="FFFFFF"/>
+                </a:solidFill>
+              </a14:hiddenFill>
+            </a:ext>
+            <a:ext uri="{91240B29-F687-4f45-9708-019B960494DF}">
+              <a14:hiddenLine xmlns:a14="http://schemas.microsoft.com/office/drawing/2010/main" w="9525">
+                <a:solidFill>
+                  <a:srgbClr val="000000"/>
+                </a:solidFill>
+                <a:miter lim="800000"/>
+                <a:headEnd/>
+                <a:tailEnd/>
+              </a14:hiddenLine>
+            </a:ext>
+          </a:extLst>
+        </p:spPr>
+        <p:txBody>
+          <a:bodyPr vert="horz" wrap="square" lIns="91440" tIns="45720" rIns="91440" bIns="45720" numCol="1" anchor="ctr" anchorCtr="0" compatLnSpc="1">
+            <a:prstTxWarp prst="textNoShape">
+              <a:avLst/>
+            </a:prstTxWarp>
+          </a:bodyPr>
+          <a:lstStyle>
+            <a:lvl1pPr eaLnBrk="0" hangingPunct="0">
+              <a:defRPr sz="2400">
+                <a:solidFill>
+                  <a:schemeClr val="tx1"/>
+                </a:solidFill>
+                <a:latin typeface="Trebuchet MS" charset="0"/>
+                <a:ea typeface="ＭＳ Ｐゴシック" charset="0"/>
+                <a:cs typeface="ＭＳ Ｐゴシック" charset="0"/>
+              </a:defRPr>
+            </a:lvl1pPr>
+            <a:lvl2pPr marL="742950" indent="-285750" eaLnBrk="0" hangingPunct="0">
+              <a:defRPr sz="2400">
+                <a:solidFill>
+                  <a:schemeClr val="tx1"/>
+                </a:solidFill>
+                <a:latin typeface="Trebuchet MS" charset="0"/>
+                <a:ea typeface="ＭＳ Ｐゴシック" charset="0"/>
+              </a:defRPr>
+            </a:lvl2pPr>
+            <a:lvl3pPr marL="1143000" indent="-228600" eaLnBrk="0" hangingPunct="0">
+              <a:defRPr sz="2400">
+                <a:solidFill>
+                  <a:schemeClr val="tx1"/>
+                </a:solidFill>
+                <a:latin typeface="Trebuchet MS" charset="0"/>
+                <a:ea typeface="ＭＳ Ｐゴシック" charset="0"/>
+              </a:defRPr>
+            </a:lvl3pPr>
+            <a:lvl4pPr marL="1600200" indent="-228600" eaLnBrk="0" hangingPunct="0">
+              <a:defRPr sz="2400">
+                <a:solidFill>
+                  <a:schemeClr val="tx1"/>
+                </a:solidFill>
+                <a:latin typeface="Trebuchet MS" charset="0"/>
+                <a:ea typeface="ＭＳ Ｐゴシック" charset="0"/>
+              </a:defRPr>
+            </a:lvl4pPr>
+            <a:lvl5pPr marL="2057400" indent="-228600" eaLnBrk="0" hangingPunct="0">
+              <a:defRPr sz="2400">
+                <a:solidFill>
+                  <a:schemeClr val="tx1"/>
+                </a:solidFill>
+                <a:latin typeface="Trebuchet MS" charset="0"/>
+                <a:ea typeface="ＭＳ Ｐゴシック" charset="0"/>
+              </a:defRPr>
+            </a:lvl5pPr>
+            <a:lvl6pPr marL="2514600" indent="-228600" eaLnBrk="0" fontAlgn="base" hangingPunct="0">
+              <a:spcBef>
+                <a:spcPct val="0"/>
+              </a:spcBef>
+              <a:spcAft>
+                <a:spcPct val="0"/>
+              </a:spcAft>
+              <a:defRPr sz="2400">
+                <a:solidFill>
+                  <a:schemeClr val="tx1"/>
+                </a:solidFill>
+                <a:latin typeface="Trebuchet MS" charset="0"/>
+                <a:ea typeface="ＭＳ Ｐゴシック" charset="0"/>
+              </a:defRPr>
+            </a:lvl6pPr>
+            <a:lvl7pPr marL="2971800" indent="-228600" eaLnBrk="0" fontAlgn="base" hangingPunct="0">
+              <a:spcBef>
+                <a:spcPct val="0"/>
+              </a:spcBef>
+              <a:spcAft>
+                <a:spcPct val="0"/>
+              </a:spcAft>
+              <a:defRPr sz="2400">
+                <a:solidFill>
+                  <a:schemeClr val="tx1"/>
+                </a:solidFill>
+                <a:latin typeface="Trebuchet MS" charset="0"/>
+                <a:ea typeface="ＭＳ Ｐゴシック" charset="0"/>
+              </a:defRPr>
+            </a:lvl7pPr>
+            <a:lvl8pPr marL="3429000" indent="-228600" eaLnBrk="0" fontAlgn="base" hangingPunct="0">
+              <a:spcBef>
+                <a:spcPct val="0"/>
+              </a:spcBef>
+              <a:spcAft>
+                <a:spcPct val="0"/>
+              </a:spcAft>
+              <a:defRPr sz="2400">
+                <a:solidFill>
+                  <a:schemeClr val="tx1"/>
+                </a:solidFill>
+                <a:latin typeface="Trebuchet MS" charset="0"/>
+                <a:ea typeface="ＭＳ Ｐゴシック" charset="0"/>
+              </a:defRPr>
+            </a:lvl8pPr>
+            <a:lvl9pPr marL="3886200" indent="-228600" eaLnBrk="0" fontAlgn="base" hangingPunct="0">
+              <a:spcBef>
+                <a:spcPct val="0"/>
+              </a:spcBef>
+              <a:spcAft>
+                <a:spcPct val="0"/>
+              </a:spcAft>
+              <a:defRPr sz="2400">
+                <a:solidFill>
+                  <a:schemeClr val="tx1"/>
+                </a:solidFill>
+                <a:latin typeface="Trebuchet MS" charset="0"/>
+                <a:ea typeface="ＭＳ Ｐゴシック" charset="0"/>
+              </a:defRPr>
+            </a:lvl9pPr>
+          </a:lstStyle>
+          <a:p>
+            <a:pPr algn="l" eaLnBrk="1" hangingPunct="1"/>
+            <a:r>
+              <a:rPr lang="en-US" sz="1200" b="1" dirty="0" smtClean="0">
+                <a:solidFill>
+                  <a:srgbClr val="122956"/>
+                </a:solidFill>
+                <a:cs typeface="Trebuchet MS" charset="0"/>
+              </a:rPr>
+              <a:t>6-</a:t>
+            </a:r>
+            <a:fld id="{31B56995-E14C-B64F-86C9-12D6DB74A41E}" type="slidenum">
+              <a:rPr lang="en-US" sz="1200" b="1">
+                <a:solidFill>
+                  <a:srgbClr val="122956"/>
+                </a:solidFill>
+                <a:cs typeface="Trebuchet MS" charset="0"/>
+              </a:rPr>
+              <a:pPr algn="l" eaLnBrk="1" hangingPunct="1"/>
+              <a:t>14</a:t>
+            </a:fld>
+            <a:endParaRPr lang="en-US" sz="1200" b="1" dirty="0">
+              <a:solidFill>
+                <a:srgbClr val="122956"/>
+              </a:solidFill>
+              <a:cs typeface="Trebuchet MS" charset="0"/>
+            </a:endParaRPr>
+          </a:p>
+        </p:txBody>
+      </p:sp>
     </p:spTree>
     <p:extLst>
       <p:ext uri="{BB962C8B-B14F-4D97-AF65-F5344CB8AC3E}">
@@ -9492,6 +10450,186 @@
               <a:rPr lang="en-US" dirty="0" smtClean="0"/>
               <a:t>Using Web Views and HTML forms for input collection</a:t>
             </a:r>
+          </a:p>
+        </p:txBody>
+      </p:sp>
+      <p:sp>
+        <p:nvSpPr>
+          <p:cNvPr id="4" name="Slide Number Placeholder 5"/>
+          <p:cNvSpPr>
+            <a:spLocks noGrp="1"/>
+          </p:cNvSpPr>
+          <p:nvPr>
+            <p:ph type="sldNum" sz="quarter" idx="12"/>
+          </p:nvPr>
+        </p:nvSpPr>
+        <p:spPr bwMode="auto">
+          <a:xfrm>
+            <a:off x="203200" y="6400800"/>
+            <a:ext cx="2133600" cy="365125"/>
+          </a:xfrm>
+          <a:noFill/>
+          <a:extLst>
+            <a:ext uri="{909E8E84-426E-40dd-AFC4-6F175D3DCCD1}">
+              <a14:hiddenFill xmlns:a14="http://schemas.microsoft.com/office/drawing/2010/main">
+                <a:solidFill>
+                  <a:srgbClr val="FFFFFF"/>
+                </a:solidFill>
+              </a14:hiddenFill>
+            </a:ext>
+            <a:ext uri="{91240B29-F687-4f45-9708-019B960494DF}">
+              <a14:hiddenLine xmlns:a14="http://schemas.microsoft.com/office/drawing/2010/main" w="9525">
+                <a:solidFill>
+                  <a:srgbClr val="000000"/>
+                </a:solidFill>
+                <a:miter lim="800000"/>
+                <a:headEnd/>
+                <a:tailEnd/>
+              </a14:hiddenLine>
+            </a:ext>
+          </a:extLst>
+        </p:spPr>
+        <p:txBody>
+          <a:bodyPr vert="horz" wrap="square" lIns="91440" tIns="45720" rIns="91440" bIns="45720" numCol="1" anchor="ctr" anchorCtr="0" compatLnSpc="1">
+            <a:prstTxWarp prst="textNoShape">
+              <a:avLst/>
+            </a:prstTxWarp>
+          </a:bodyPr>
+          <a:lstStyle>
+            <a:lvl1pPr eaLnBrk="0" hangingPunct="0">
+              <a:defRPr sz="2400">
+                <a:solidFill>
+                  <a:schemeClr val="tx1"/>
+                </a:solidFill>
+                <a:latin typeface="Trebuchet MS" charset="0"/>
+                <a:ea typeface="ＭＳ Ｐゴシック" charset="0"/>
+                <a:cs typeface="ＭＳ Ｐゴシック" charset="0"/>
+              </a:defRPr>
+            </a:lvl1pPr>
+            <a:lvl2pPr marL="742950" indent="-285750" eaLnBrk="0" hangingPunct="0">
+              <a:defRPr sz="2400">
+                <a:solidFill>
+                  <a:schemeClr val="tx1"/>
+                </a:solidFill>
+                <a:latin typeface="Trebuchet MS" charset="0"/>
+                <a:ea typeface="ＭＳ Ｐゴシック" charset="0"/>
+              </a:defRPr>
+            </a:lvl2pPr>
+            <a:lvl3pPr marL="1143000" indent="-228600" eaLnBrk="0" hangingPunct="0">
+              <a:defRPr sz="2400">
+                <a:solidFill>
+                  <a:schemeClr val="tx1"/>
+                </a:solidFill>
+                <a:latin typeface="Trebuchet MS" charset="0"/>
+                <a:ea typeface="ＭＳ Ｐゴシック" charset="0"/>
+              </a:defRPr>
+            </a:lvl3pPr>
+            <a:lvl4pPr marL="1600200" indent="-228600" eaLnBrk="0" hangingPunct="0">
+              <a:defRPr sz="2400">
+                <a:solidFill>
+                  <a:schemeClr val="tx1"/>
+                </a:solidFill>
+                <a:latin typeface="Trebuchet MS" charset="0"/>
+                <a:ea typeface="ＭＳ Ｐゴシック" charset="0"/>
+              </a:defRPr>
+            </a:lvl4pPr>
+            <a:lvl5pPr marL="2057400" indent="-228600" eaLnBrk="0" hangingPunct="0">
+              <a:defRPr sz="2400">
+                <a:solidFill>
+                  <a:schemeClr val="tx1"/>
+                </a:solidFill>
+                <a:latin typeface="Trebuchet MS" charset="0"/>
+                <a:ea typeface="ＭＳ Ｐゴシック" charset="0"/>
+              </a:defRPr>
+            </a:lvl5pPr>
+            <a:lvl6pPr marL="2514600" indent="-228600" eaLnBrk="0" fontAlgn="base" hangingPunct="0">
+              <a:spcBef>
+                <a:spcPct val="0"/>
+              </a:spcBef>
+              <a:spcAft>
+                <a:spcPct val="0"/>
+              </a:spcAft>
+              <a:defRPr sz="2400">
+                <a:solidFill>
+                  <a:schemeClr val="tx1"/>
+                </a:solidFill>
+                <a:latin typeface="Trebuchet MS" charset="0"/>
+                <a:ea typeface="ＭＳ Ｐゴシック" charset="0"/>
+              </a:defRPr>
+            </a:lvl6pPr>
+            <a:lvl7pPr marL="2971800" indent="-228600" eaLnBrk="0" fontAlgn="base" hangingPunct="0">
+              <a:spcBef>
+                <a:spcPct val="0"/>
+              </a:spcBef>
+              <a:spcAft>
+                <a:spcPct val="0"/>
+              </a:spcAft>
+              <a:defRPr sz="2400">
+                <a:solidFill>
+                  <a:schemeClr val="tx1"/>
+                </a:solidFill>
+                <a:latin typeface="Trebuchet MS" charset="0"/>
+                <a:ea typeface="ＭＳ Ｐゴシック" charset="0"/>
+              </a:defRPr>
+            </a:lvl7pPr>
+            <a:lvl8pPr marL="3429000" indent="-228600" eaLnBrk="0" fontAlgn="base" hangingPunct="0">
+              <a:spcBef>
+                <a:spcPct val="0"/>
+              </a:spcBef>
+              <a:spcAft>
+                <a:spcPct val="0"/>
+              </a:spcAft>
+              <a:defRPr sz="2400">
+                <a:solidFill>
+                  <a:schemeClr val="tx1"/>
+                </a:solidFill>
+                <a:latin typeface="Trebuchet MS" charset="0"/>
+                <a:ea typeface="ＭＳ Ｐゴシック" charset="0"/>
+              </a:defRPr>
+            </a:lvl8pPr>
+            <a:lvl9pPr marL="3886200" indent="-228600" eaLnBrk="0" fontAlgn="base" hangingPunct="0">
+              <a:spcBef>
+                <a:spcPct val="0"/>
+              </a:spcBef>
+              <a:spcAft>
+                <a:spcPct val="0"/>
+              </a:spcAft>
+              <a:defRPr sz="2400">
+                <a:solidFill>
+                  <a:schemeClr val="tx1"/>
+                </a:solidFill>
+                <a:latin typeface="Trebuchet MS" charset="0"/>
+                <a:ea typeface="ＭＳ Ｐゴシック" charset="0"/>
+              </a:defRPr>
+            </a:lvl9pPr>
+          </a:lstStyle>
+          <a:p>
+            <a:pPr algn="l" eaLnBrk="1" hangingPunct="1"/>
+            <a:r>
+              <a:rPr lang="en-US" sz="1200" b="1" dirty="0" smtClean="0">
+                <a:solidFill>
+                  <a:srgbClr val="122956"/>
+                </a:solidFill>
+                <a:cs typeface="Trebuchet MS" charset="0"/>
+              </a:rPr>
+              <a:t>6-</a:t>
+            </a:r>
+            <a:fld id="{31B56995-E14C-B64F-86C9-12D6DB74A41E}" type="slidenum">
+              <a:rPr lang="en-US" sz="1200" b="1">
+                <a:solidFill>
+                  <a:srgbClr val="122956"/>
+                </a:solidFill>
+                <a:cs typeface="Trebuchet MS" charset="0"/>
+              </a:rPr>
+              <a:pPr algn="l" eaLnBrk="1" hangingPunct="1"/>
+              <a:t>2</a:t>
+            </a:fld>
+            <a:endParaRPr lang="en-US" sz="1200" b="1" dirty="0">
+              <a:solidFill>
+                <a:srgbClr val="122956"/>
+              </a:solidFill>
+              <a:cs typeface="Trebuchet MS" charset="0"/>
+            </a:endParaRPr>
           </a:p>
         </p:txBody>
       </p:sp>
@@ -9648,6 +10786,186 @@
           </a:p>
           <a:p>
             <a:endParaRPr lang="en-US" dirty="0" smtClean="0"/>
+          </a:p>
+        </p:txBody>
+      </p:sp>
+      <p:sp>
+        <p:nvSpPr>
+          <p:cNvPr id="4" name="Slide Number Placeholder 5"/>
+          <p:cNvSpPr>
+            <a:spLocks noGrp="1"/>
+          </p:cNvSpPr>
+          <p:nvPr>
+            <p:ph type="sldNum" sz="quarter" idx="12"/>
+          </p:nvPr>
+        </p:nvSpPr>
+        <p:spPr bwMode="auto">
+          <a:xfrm>
+            <a:off x="203200" y="6400800"/>
+            <a:ext cx="2133600" cy="365125"/>
+          </a:xfrm>
+          <a:noFill/>
+          <a:extLst>
+            <a:ext uri="{909E8E84-426E-40dd-AFC4-6F175D3DCCD1}">
+              <a14:hiddenFill xmlns:a14="http://schemas.microsoft.com/office/drawing/2010/main">
+                <a:solidFill>
+                  <a:srgbClr val="FFFFFF"/>
+                </a:solidFill>
+              </a14:hiddenFill>
+            </a:ext>
+            <a:ext uri="{91240B29-F687-4f45-9708-019B960494DF}">
+              <a14:hiddenLine xmlns:a14="http://schemas.microsoft.com/office/drawing/2010/main" w="9525">
+                <a:solidFill>
+                  <a:srgbClr val="000000"/>
+                </a:solidFill>
+                <a:miter lim="800000"/>
+                <a:headEnd/>
+                <a:tailEnd/>
+              </a14:hiddenLine>
+            </a:ext>
+          </a:extLst>
+        </p:spPr>
+        <p:txBody>
+          <a:bodyPr vert="horz" wrap="square" lIns="91440" tIns="45720" rIns="91440" bIns="45720" numCol="1" anchor="ctr" anchorCtr="0" compatLnSpc="1">
+            <a:prstTxWarp prst="textNoShape">
+              <a:avLst/>
+            </a:prstTxWarp>
+          </a:bodyPr>
+          <a:lstStyle>
+            <a:lvl1pPr eaLnBrk="0" hangingPunct="0">
+              <a:defRPr sz="2400">
+                <a:solidFill>
+                  <a:schemeClr val="tx1"/>
+                </a:solidFill>
+                <a:latin typeface="Trebuchet MS" charset="0"/>
+                <a:ea typeface="ＭＳ Ｐゴシック" charset="0"/>
+                <a:cs typeface="ＭＳ Ｐゴシック" charset="0"/>
+              </a:defRPr>
+            </a:lvl1pPr>
+            <a:lvl2pPr marL="742950" indent="-285750" eaLnBrk="0" hangingPunct="0">
+              <a:defRPr sz="2400">
+                <a:solidFill>
+                  <a:schemeClr val="tx1"/>
+                </a:solidFill>
+                <a:latin typeface="Trebuchet MS" charset="0"/>
+                <a:ea typeface="ＭＳ Ｐゴシック" charset="0"/>
+              </a:defRPr>
+            </a:lvl2pPr>
+            <a:lvl3pPr marL="1143000" indent="-228600" eaLnBrk="0" hangingPunct="0">
+              <a:defRPr sz="2400">
+                <a:solidFill>
+                  <a:schemeClr val="tx1"/>
+                </a:solidFill>
+                <a:latin typeface="Trebuchet MS" charset="0"/>
+                <a:ea typeface="ＭＳ Ｐゴシック" charset="0"/>
+              </a:defRPr>
+            </a:lvl3pPr>
+            <a:lvl4pPr marL="1600200" indent="-228600" eaLnBrk="0" hangingPunct="0">
+              <a:defRPr sz="2400">
+                <a:solidFill>
+                  <a:schemeClr val="tx1"/>
+                </a:solidFill>
+                <a:latin typeface="Trebuchet MS" charset="0"/>
+                <a:ea typeface="ＭＳ Ｐゴシック" charset="0"/>
+              </a:defRPr>
+            </a:lvl4pPr>
+            <a:lvl5pPr marL="2057400" indent="-228600" eaLnBrk="0" hangingPunct="0">
+              <a:defRPr sz="2400">
+                <a:solidFill>
+                  <a:schemeClr val="tx1"/>
+                </a:solidFill>
+                <a:latin typeface="Trebuchet MS" charset="0"/>
+                <a:ea typeface="ＭＳ Ｐゴシック" charset="0"/>
+              </a:defRPr>
+            </a:lvl5pPr>
+            <a:lvl6pPr marL="2514600" indent="-228600" eaLnBrk="0" fontAlgn="base" hangingPunct="0">
+              <a:spcBef>
+                <a:spcPct val="0"/>
+              </a:spcBef>
+              <a:spcAft>
+                <a:spcPct val="0"/>
+              </a:spcAft>
+              <a:defRPr sz="2400">
+                <a:solidFill>
+                  <a:schemeClr val="tx1"/>
+                </a:solidFill>
+                <a:latin typeface="Trebuchet MS" charset="0"/>
+                <a:ea typeface="ＭＳ Ｐゴシック" charset="0"/>
+              </a:defRPr>
+            </a:lvl6pPr>
+            <a:lvl7pPr marL="2971800" indent="-228600" eaLnBrk="0" fontAlgn="base" hangingPunct="0">
+              <a:spcBef>
+                <a:spcPct val="0"/>
+              </a:spcBef>
+              <a:spcAft>
+                <a:spcPct val="0"/>
+              </a:spcAft>
+              <a:defRPr sz="2400">
+                <a:solidFill>
+                  <a:schemeClr val="tx1"/>
+                </a:solidFill>
+                <a:latin typeface="Trebuchet MS" charset="0"/>
+                <a:ea typeface="ＭＳ Ｐゴシック" charset="0"/>
+              </a:defRPr>
+            </a:lvl7pPr>
+            <a:lvl8pPr marL="3429000" indent="-228600" eaLnBrk="0" fontAlgn="base" hangingPunct="0">
+              <a:spcBef>
+                <a:spcPct val="0"/>
+              </a:spcBef>
+              <a:spcAft>
+                <a:spcPct val="0"/>
+              </a:spcAft>
+              <a:defRPr sz="2400">
+                <a:solidFill>
+                  <a:schemeClr val="tx1"/>
+                </a:solidFill>
+                <a:latin typeface="Trebuchet MS" charset="0"/>
+                <a:ea typeface="ＭＳ Ｐゴシック" charset="0"/>
+              </a:defRPr>
+            </a:lvl8pPr>
+            <a:lvl9pPr marL="3886200" indent="-228600" eaLnBrk="0" fontAlgn="base" hangingPunct="0">
+              <a:spcBef>
+                <a:spcPct val="0"/>
+              </a:spcBef>
+              <a:spcAft>
+                <a:spcPct val="0"/>
+              </a:spcAft>
+              <a:defRPr sz="2400">
+                <a:solidFill>
+                  <a:schemeClr val="tx1"/>
+                </a:solidFill>
+                <a:latin typeface="Trebuchet MS" charset="0"/>
+                <a:ea typeface="ＭＳ Ｐゴシック" charset="0"/>
+              </a:defRPr>
+            </a:lvl9pPr>
+          </a:lstStyle>
+          <a:p>
+            <a:pPr algn="l" eaLnBrk="1" hangingPunct="1"/>
+            <a:r>
+              <a:rPr lang="en-US" sz="1200" b="1" dirty="0" smtClean="0">
+                <a:solidFill>
+                  <a:srgbClr val="122956"/>
+                </a:solidFill>
+                <a:cs typeface="Trebuchet MS" charset="0"/>
+              </a:rPr>
+              <a:t>6-</a:t>
+            </a:r>
+            <a:fld id="{31B56995-E14C-B64F-86C9-12D6DB74A41E}" type="slidenum">
+              <a:rPr lang="en-US" sz="1200" b="1">
+                <a:solidFill>
+                  <a:srgbClr val="122956"/>
+                </a:solidFill>
+                <a:cs typeface="Trebuchet MS" charset="0"/>
+              </a:rPr>
+              <a:pPr algn="l" eaLnBrk="1" hangingPunct="1"/>
+              <a:t>3</a:t>
+            </a:fld>
+            <a:endParaRPr lang="en-US" sz="1200" b="1" dirty="0">
+              <a:solidFill>
+                <a:srgbClr val="122956"/>
+              </a:solidFill>
+              <a:cs typeface="Trebuchet MS" charset="0"/>
+            </a:endParaRPr>
           </a:p>
         </p:txBody>
       </p:sp>
@@ -10069,6 +11387,186 @@
           </a:extLst>
         </p:spPr>
       </p:pic>
+      <p:sp>
+        <p:nvSpPr>
+          <p:cNvPr id="14" name="Slide Number Placeholder 5"/>
+          <p:cNvSpPr>
+            <a:spLocks noGrp="1"/>
+          </p:cNvSpPr>
+          <p:nvPr>
+            <p:ph type="sldNum" sz="quarter" idx="12"/>
+          </p:nvPr>
+        </p:nvSpPr>
+        <p:spPr bwMode="auto">
+          <a:xfrm>
+            <a:off x="203200" y="6400800"/>
+            <a:ext cx="2133600" cy="365125"/>
+          </a:xfrm>
+          <a:noFill/>
+          <a:extLst>
+            <a:ext uri="{909E8E84-426E-40dd-AFC4-6F175D3DCCD1}">
+              <a14:hiddenFill xmlns:a14="http://schemas.microsoft.com/office/drawing/2010/main">
+                <a:solidFill>
+                  <a:srgbClr val="FFFFFF"/>
+                </a:solidFill>
+              </a14:hiddenFill>
+            </a:ext>
+            <a:ext uri="{91240B29-F687-4f45-9708-019B960494DF}">
+              <a14:hiddenLine xmlns:a14="http://schemas.microsoft.com/office/drawing/2010/main" w="9525">
+                <a:solidFill>
+                  <a:srgbClr val="000000"/>
+                </a:solidFill>
+                <a:miter lim="800000"/>
+                <a:headEnd/>
+                <a:tailEnd/>
+              </a14:hiddenLine>
+            </a:ext>
+          </a:extLst>
+        </p:spPr>
+        <p:txBody>
+          <a:bodyPr vert="horz" wrap="square" lIns="91440" tIns="45720" rIns="91440" bIns="45720" numCol="1" anchor="ctr" anchorCtr="0" compatLnSpc="1">
+            <a:prstTxWarp prst="textNoShape">
+              <a:avLst/>
+            </a:prstTxWarp>
+          </a:bodyPr>
+          <a:lstStyle>
+            <a:lvl1pPr eaLnBrk="0" hangingPunct="0">
+              <a:defRPr sz="2400">
+                <a:solidFill>
+                  <a:schemeClr val="tx1"/>
+                </a:solidFill>
+                <a:latin typeface="Trebuchet MS" charset="0"/>
+                <a:ea typeface="ＭＳ Ｐゴシック" charset="0"/>
+                <a:cs typeface="ＭＳ Ｐゴシック" charset="0"/>
+              </a:defRPr>
+            </a:lvl1pPr>
+            <a:lvl2pPr marL="742950" indent="-285750" eaLnBrk="0" hangingPunct="0">
+              <a:defRPr sz="2400">
+                <a:solidFill>
+                  <a:schemeClr val="tx1"/>
+                </a:solidFill>
+                <a:latin typeface="Trebuchet MS" charset="0"/>
+                <a:ea typeface="ＭＳ Ｐゴシック" charset="0"/>
+              </a:defRPr>
+            </a:lvl2pPr>
+            <a:lvl3pPr marL="1143000" indent="-228600" eaLnBrk="0" hangingPunct="0">
+              <a:defRPr sz="2400">
+                <a:solidFill>
+                  <a:schemeClr val="tx1"/>
+                </a:solidFill>
+                <a:latin typeface="Trebuchet MS" charset="0"/>
+                <a:ea typeface="ＭＳ Ｐゴシック" charset="0"/>
+              </a:defRPr>
+            </a:lvl3pPr>
+            <a:lvl4pPr marL="1600200" indent="-228600" eaLnBrk="0" hangingPunct="0">
+              <a:defRPr sz="2400">
+                <a:solidFill>
+                  <a:schemeClr val="tx1"/>
+                </a:solidFill>
+                <a:latin typeface="Trebuchet MS" charset="0"/>
+                <a:ea typeface="ＭＳ Ｐゴシック" charset="0"/>
+              </a:defRPr>
+            </a:lvl4pPr>
+            <a:lvl5pPr marL="2057400" indent="-228600" eaLnBrk="0" hangingPunct="0">
+              <a:defRPr sz="2400">
+                <a:solidFill>
+                  <a:schemeClr val="tx1"/>
+                </a:solidFill>
+                <a:latin typeface="Trebuchet MS" charset="0"/>
+                <a:ea typeface="ＭＳ Ｐゴシック" charset="0"/>
+              </a:defRPr>
+            </a:lvl5pPr>
+            <a:lvl6pPr marL="2514600" indent="-228600" eaLnBrk="0" fontAlgn="base" hangingPunct="0">
+              <a:spcBef>
+                <a:spcPct val="0"/>
+              </a:spcBef>
+              <a:spcAft>
+                <a:spcPct val="0"/>
+              </a:spcAft>
+              <a:defRPr sz="2400">
+                <a:solidFill>
+                  <a:schemeClr val="tx1"/>
+                </a:solidFill>
+                <a:latin typeface="Trebuchet MS" charset="0"/>
+                <a:ea typeface="ＭＳ Ｐゴシック" charset="0"/>
+              </a:defRPr>
+            </a:lvl6pPr>
+            <a:lvl7pPr marL="2971800" indent="-228600" eaLnBrk="0" fontAlgn="base" hangingPunct="0">
+              <a:spcBef>
+                <a:spcPct val="0"/>
+              </a:spcBef>
+              <a:spcAft>
+                <a:spcPct val="0"/>
+              </a:spcAft>
+              <a:defRPr sz="2400">
+                <a:solidFill>
+                  <a:schemeClr val="tx1"/>
+                </a:solidFill>
+                <a:latin typeface="Trebuchet MS" charset="0"/>
+                <a:ea typeface="ＭＳ Ｐゴシック" charset="0"/>
+              </a:defRPr>
+            </a:lvl7pPr>
+            <a:lvl8pPr marL="3429000" indent="-228600" eaLnBrk="0" fontAlgn="base" hangingPunct="0">
+              <a:spcBef>
+                <a:spcPct val="0"/>
+              </a:spcBef>
+              <a:spcAft>
+                <a:spcPct val="0"/>
+              </a:spcAft>
+              <a:defRPr sz="2400">
+                <a:solidFill>
+                  <a:schemeClr val="tx1"/>
+                </a:solidFill>
+                <a:latin typeface="Trebuchet MS" charset="0"/>
+                <a:ea typeface="ＭＳ Ｐゴシック" charset="0"/>
+              </a:defRPr>
+            </a:lvl8pPr>
+            <a:lvl9pPr marL="3886200" indent="-228600" eaLnBrk="0" fontAlgn="base" hangingPunct="0">
+              <a:spcBef>
+                <a:spcPct val="0"/>
+              </a:spcBef>
+              <a:spcAft>
+                <a:spcPct val="0"/>
+              </a:spcAft>
+              <a:defRPr sz="2400">
+                <a:solidFill>
+                  <a:schemeClr val="tx1"/>
+                </a:solidFill>
+                <a:latin typeface="Trebuchet MS" charset="0"/>
+                <a:ea typeface="ＭＳ Ｐゴシック" charset="0"/>
+              </a:defRPr>
+            </a:lvl9pPr>
+          </a:lstStyle>
+          <a:p>
+            <a:pPr algn="l" eaLnBrk="1" hangingPunct="1"/>
+            <a:r>
+              <a:rPr lang="en-US" sz="1200" b="1" dirty="0" smtClean="0">
+                <a:solidFill>
+                  <a:srgbClr val="122956"/>
+                </a:solidFill>
+                <a:cs typeface="Trebuchet MS" charset="0"/>
+              </a:rPr>
+              <a:t>6-</a:t>
+            </a:r>
+            <a:fld id="{31B56995-E14C-B64F-86C9-12D6DB74A41E}" type="slidenum">
+              <a:rPr lang="en-US" sz="1200" b="1">
+                <a:solidFill>
+                  <a:srgbClr val="122956"/>
+                </a:solidFill>
+                <a:cs typeface="Trebuchet MS" charset="0"/>
+              </a:rPr>
+              <a:pPr algn="l" eaLnBrk="1" hangingPunct="1"/>
+              <a:t>4</a:t>
+            </a:fld>
+            <a:endParaRPr lang="en-US" sz="1200" b="1" dirty="0">
+              <a:solidFill>
+                <a:srgbClr val="122956"/>
+              </a:solidFill>
+              <a:cs typeface="Trebuchet MS" charset="0"/>
+            </a:endParaRPr>
+          </a:p>
+        </p:txBody>
+      </p:sp>
     </p:spTree>
     <p:extLst>
       <p:ext uri="{BB962C8B-B14F-4D97-AF65-F5344CB8AC3E}">
@@ -10814,6 +12312,186 @@
           </a:extLst>
         </p:spPr>
       </p:pic>
+      <p:sp>
+        <p:nvSpPr>
+          <p:cNvPr id="12" name="Slide Number Placeholder 5"/>
+          <p:cNvSpPr>
+            <a:spLocks noGrp="1"/>
+          </p:cNvSpPr>
+          <p:nvPr>
+            <p:ph type="sldNum" sz="quarter" idx="12"/>
+          </p:nvPr>
+        </p:nvSpPr>
+        <p:spPr bwMode="auto">
+          <a:xfrm>
+            <a:off x="203200" y="6400800"/>
+            <a:ext cx="2133600" cy="365125"/>
+          </a:xfrm>
+          <a:noFill/>
+          <a:extLst>
+            <a:ext uri="{909E8E84-426E-40dd-AFC4-6F175D3DCCD1}">
+              <a14:hiddenFill xmlns:a14="http://schemas.microsoft.com/office/drawing/2010/main">
+                <a:solidFill>
+                  <a:srgbClr val="FFFFFF"/>
+                </a:solidFill>
+              </a14:hiddenFill>
+            </a:ext>
+            <a:ext uri="{91240B29-F687-4f45-9708-019B960494DF}">
+              <a14:hiddenLine xmlns:a14="http://schemas.microsoft.com/office/drawing/2010/main" w="9525">
+                <a:solidFill>
+                  <a:srgbClr val="000000"/>
+                </a:solidFill>
+                <a:miter lim="800000"/>
+                <a:headEnd/>
+                <a:tailEnd/>
+              </a14:hiddenLine>
+            </a:ext>
+          </a:extLst>
+        </p:spPr>
+        <p:txBody>
+          <a:bodyPr vert="horz" wrap="square" lIns="91440" tIns="45720" rIns="91440" bIns="45720" numCol="1" anchor="ctr" anchorCtr="0" compatLnSpc="1">
+            <a:prstTxWarp prst="textNoShape">
+              <a:avLst/>
+            </a:prstTxWarp>
+          </a:bodyPr>
+          <a:lstStyle>
+            <a:lvl1pPr eaLnBrk="0" hangingPunct="0">
+              <a:defRPr sz="2400">
+                <a:solidFill>
+                  <a:schemeClr val="tx1"/>
+                </a:solidFill>
+                <a:latin typeface="Trebuchet MS" charset="0"/>
+                <a:ea typeface="ＭＳ Ｐゴシック" charset="0"/>
+                <a:cs typeface="ＭＳ Ｐゴシック" charset="0"/>
+              </a:defRPr>
+            </a:lvl1pPr>
+            <a:lvl2pPr marL="742950" indent="-285750" eaLnBrk="0" hangingPunct="0">
+              <a:defRPr sz="2400">
+                <a:solidFill>
+                  <a:schemeClr val="tx1"/>
+                </a:solidFill>
+                <a:latin typeface="Trebuchet MS" charset="0"/>
+                <a:ea typeface="ＭＳ Ｐゴシック" charset="0"/>
+              </a:defRPr>
+            </a:lvl2pPr>
+            <a:lvl3pPr marL="1143000" indent="-228600" eaLnBrk="0" hangingPunct="0">
+              <a:defRPr sz="2400">
+                <a:solidFill>
+                  <a:schemeClr val="tx1"/>
+                </a:solidFill>
+                <a:latin typeface="Trebuchet MS" charset="0"/>
+                <a:ea typeface="ＭＳ Ｐゴシック" charset="0"/>
+              </a:defRPr>
+            </a:lvl3pPr>
+            <a:lvl4pPr marL="1600200" indent="-228600" eaLnBrk="0" hangingPunct="0">
+              <a:defRPr sz="2400">
+                <a:solidFill>
+                  <a:schemeClr val="tx1"/>
+                </a:solidFill>
+                <a:latin typeface="Trebuchet MS" charset="0"/>
+                <a:ea typeface="ＭＳ Ｐゴシック" charset="0"/>
+              </a:defRPr>
+            </a:lvl4pPr>
+            <a:lvl5pPr marL="2057400" indent="-228600" eaLnBrk="0" hangingPunct="0">
+              <a:defRPr sz="2400">
+                <a:solidFill>
+                  <a:schemeClr val="tx1"/>
+                </a:solidFill>
+                <a:latin typeface="Trebuchet MS" charset="0"/>
+                <a:ea typeface="ＭＳ Ｐゴシック" charset="0"/>
+              </a:defRPr>
+            </a:lvl5pPr>
+            <a:lvl6pPr marL="2514600" indent="-228600" eaLnBrk="0" fontAlgn="base" hangingPunct="0">
+              <a:spcBef>
+                <a:spcPct val="0"/>
+              </a:spcBef>
+              <a:spcAft>
+                <a:spcPct val="0"/>
+              </a:spcAft>
+              <a:defRPr sz="2400">
+                <a:solidFill>
+                  <a:schemeClr val="tx1"/>
+                </a:solidFill>
+                <a:latin typeface="Trebuchet MS" charset="0"/>
+                <a:ea typeface="ＭＳ Ｐゴシック" charset="0"/>
+              </a:defRPr>
+            </a:lvl6pPr>
+            <a:lvl7pPr marL="2971800" indent="-228600" eaLnBrk="0" fontAlgn="base" hangingPunct="0">
+              <a:spcBef>
+                <a:spcPct val="0"/>
+              </a:spcBef>
+              <a:spcAft>
+                <a:spcPct val="0"/>
+              </a:spcAft>
+              <a:defRPr sz="2400">
+                <a:solidFill>
+                  <a:schemeClr val="tx1"/>
+                </a:solidFill>
+                <a:latin typeface="Trebuchet MS" charset="0"/>
+                <a:ea typeface="ＭＳ Ｐゴシック" charset="0"/>
+              </a:defRPr>
+            </a:lvl7pPr>
+            <a:lvl8pPr marL="3429000" indent="-228600" eaLnBrk="0" fontAlgn="base" hangingPunct="0">
+              <a:spcBef>
+                <a:spcPct val="0"/>
+              </a:spcBef>
+              <a:spcAft>
+                <a:spcPct val="0"/>
+              </a:spcAft>
+              <a:defRPr sz="2400">
+                <a:solidFill>
+                  <a:schemeClr val="tx1"/>
+                </a:solidFill>
+                <a:latin typeface="Trebuchet MS" charset="0"/>
+                <a:ea typeface="ＭＳ Ｐゴシック" charset="0"/>
+              </a:defRPr>
+            </a:lvl8pPr>
+            <a:lvl9pPr marL="3886200" indent="-228600" eaLnBrk="0" fontAlgn="base" hangingPunct="0">
+              <a:spcBef>
+                <a:spcPct val="0"/>
+              </a:spcBef>
+              <a:spcAft>
+                <a:spcPct val="0"/>
+              </a:spcAft>
+              <a:defRPr sz="2400">
+                <a:solidFill>
+                  <a:schemeClr val="tx1"/>
+                </a:solidFill>
+                <a:latin typeface="Trebuchet MS" charset="0"/>
+                <a:ea typeface="ＭＳ Ｐゴシック" charset="0"/>
+              </a:defRPr>
+            </a:lvl9pPr>
+          </a:lstStyle>
+          <a:p>
+            <a:pPr algn="l" eaLnBrk="1" hangingPunct="1"/>
+            <a:r>
+              <a:rPr lang="en-US" sz="1200" b="1" dirty="0" smtClean="0">
+                <a:solidFill>
+                  <a:srgbClr val="122956"/>
+                </a:solidFill>
+                <a:cs typeface="Trebuchet MS" charset="0"/>
+              </a:rPr>
+              <a:t>6-</a:t>
+            </a:r>
+            <a:fld id="{31B56995-E14C-B64F-86C9-12D6DB74A41E}" type="slidenum">
+              <a:rPr lang="en-US" sz="1200" b="1">
+                <a:solidFill>
+                  <a:srgbClr val="122956"/>
+                </a:solidFill>
+                <a:cs typeface="Trebuchet MS" charset="0"/>
+              </a:rPr>
+              <a:pPr algn="l" eaLnBrk="1" hangingPunct="1"/>
+              <a:t>5</a:t>
+            </a:fld>
+            <a:endParaRPr lang="en-US" sz="1200" b="1" dirty="0">
+              <a:solidFill>
+                <a:srgbClr val="122956"/>
+              </a:solidFill>
+              <a:cs typeface="Trebuchet MS" charset="0"/>
+            </a:endParaRPr>
+          </a:p>
+        </p:txBody>
+      </p:sp>
     </p:spTree>
     <p:extLst>
       <p:ext uri="{BB962C8B-B14F-4D97-AF65-F5344CB8AC3E}">
@@ -11466,6 +13144,186 @@
           </a:p>
         </p:txBody>
       </p:sp>
+      <p:sp>
+        <p:nvSpPr>
+          <p:cNvPr id="4" name="Slide Number Placeholder 5"/>
+          <p:cNvSpPr>
+            <a:spLocks noGrp="1"/>
+          </p:cNvSpPr>
+          <p:nvPr>
+            <p:ph type="sldNum" sz="quarter" idx="12"/>
+          </p:nvPr>
+        </p:nvSpPr>
+        <p:spPr bwMode="auto">
+          <a:xfrm>
+            <a:off x="203200" y="6400800"/>
+            <a:ext cx="2133600" cy="365125"/>
+          </a:xfrm>
+          <a:noFill/>
+          <a:extLst>
+            <a:ext uri="{909E8E84-426E-40dd-AFC4-6F175D3DCCD1}">
+              <a14:hiddenFill xmlns:a14="http://schemas.microsoft.com/office/drawing/2010/main">
+                <a:solidFill>
+                  <a:srgbClr val="FFFFFF"/>
+                </a:solidFill>
+              </a14:hiddenFill>
+            </a:ext>
+            <a:ext uri="{91240B29-F687-4f45-9708-019B960494DF}">
+              <a14:hiddenLine xmlns:a14="http://schemas.microsoft.com/office/drawing/2010/main" w="9525">
+                <a:solidFill>
+                  <a:srgbClr val="000000"/>
+                </a:solidFill>
+                <a:miter lim="800000"/>
+                <a:headEnd/>
+                <a:tailEnd/>
+              </a14:hiddenLine>
+            </a:ext>
+          </a:extLst>
+        </p:spPr>
+        <p:txBody>
+          <a:bodyPr vert="horz" wrap="square" lIns="91440" tIns="45720" rIns="91440" bIns="45720" numCol="1" anchor="ctr" anchorCtr="0" compatLnSpc="1">
+            <a:prstTxWarp prst="textNoShape">
+              <a:avLst/>
+            </a:prstTxWarp>
+          </a:bodyPr>
+          <a:lstStyle>
+            <a:lvl1pPr eaLnBrk="0" hangingPunct="0">
+              <a:defRPr sz="2400">
+                <a:solidFill>
+                  <a:schemeClr val="tx1"/>
+                </a:solidFill>
+                <a:latin typeface="Trebuchet MS" charset="0"/>
+                <a:ea typeface="ＭＳ Ｐゴシック" charset="0"/>
+                <a:cs typeface="ＭＳ Ｐゴシック" charset="0"/>
+              </a:defRPr>
+            </a:lvl1pPr>
+            <a:lvl2pPr marL="742950" indent="-285750" eaLnBrk="0" hangingPunct="0">
+              <a:defRPr sz="2400">
+                <a:solidFill>
+                  <a:schemeClr val="tx1"/>
+                </a:solidFill>
+                <a:latin typeface="Trebuchet MS" charset="0"/>
+                <a:ea typeface="ＭＳ Ｐゴシック" charset="0"/>
+              </a:defRPr>
+            </a:lvl2pPr>
+            <a:lvl3pPr marL="1143000" indent="-228600" eaLnBrk="0" hangingPunct="0">
+              <a:defRPr sz="2400">
+                <a:solidFill>
+                  <a:schemeClr val="tx1"/>
+                </a:solidFill>
+                <a:latin typeface="Trebuchet MS" charset="0"/>
+                <a:ea typeface="ＭＳ Ｐゴシック" charset="0"/>
+              </a:defRPr>
+            </a:lvl3pPr>
+            <a:lvl4pPr marL="1600200" indent="-228600" eaLnBrk="0" hangingPunct="0">
+              <a:defRPr sz="2400">
+                <a:solidFill>
+                  <a:schemeClr val="tx1"/>
+                </a:solidFill>
+                <a:latin typeface="Trebuchet MS" charset="0"/>
+                <a:ea typeface="ＭＳ Ｐゴシック" charset="0"/>
+              </a:defRPr>
+            </a:lvl4pPr>
+            <a:lvl5pPr marL="2057400" indent="-228600" eaLnBrk="0" hangingPunct="0">
+              <a:defRPr sz="2400">
+                <a:solidFill>
+                  <a:schemeClr val="tx1"/>
+                </a:solidFill>
+                <a:latin typeface="Trebuchet MS" charset="0"/>
+                <a:ea typeface="ＭＳ Ｐゴシック" charset="0"/>
+              </a:defRPr>
+            </a:lvl5pPr>
+            <a:lvl6pPr marL="2514600" indent="-228600" eaLnBrk="0" fontAlgn="base" hangingPunct="0">
+              <a:spcBef>
+                <a:spcPct val="0"/>
+              </a:spcBef>
+              <a:spcAft>
+                <a:spcPct val="0"/>
+              </a:spcAft>
+              <a:defRPr sz="2400">
+                <a:solidFill>
+                  <a:schemeClr val="tx1"/>
+                </a:solidFill>
+                <a:latin typeface="Trebuchet MS" charset="0"/>
+                <a:ea typeface="ＭＳ Ｐゴシック" charset="0"/>
+              </a:defRPr>
+            </a:lvl6pPr>
+            <a:lvl7pPr marL="2971800" indent="-228600" eaLnBrk="0" fontAlgn="base" hangingPunct="0">
+              <a:spcBef>
+                <a:spcPct val="0"/>
+              </a:spcBef>
+              <a:spcAft>
+                <a:spcPct val="0"/>
+              </a:spcAft>
+              <a:defRPr sz="2400">
+                <a:solidFill>
+                  <a:schemeClr val="tx1"/>
+                </a:solidFill>
+                <a:latin typeface="Trebuchet MS" charset="0"/>
+                <a:ea typeface="ＭＳ Ｐゴシック" charset="0"/>
+              </a:defRPr>
+            </a:lvl7pPr>
+            <a:lvl8pPr marL="3429000" indent="-228600" eaLnBrk="0" fontAlgn="base" hangingPunct="0">
+              <a:spcBef>
+                <a:spcPct val="0"/>
+              </a:spcBef>
+              <a:spcAft>
+                <a:spcPct val="0"/>
+              </a:spcAft>
+              <a:defRPr sz="2400">
+                <a:solidFill>
+                  <a:schemeClr val="tx1"/>
+                </a:solidFill>
+                <a:latin typeface="Trebuchet MS" charset="0"/>
+                <a:ea typeface="ＭＳ Ｐゴシック" charset="0"/>
+              </a:defRPr>
+            </a:lvl8pPr>
+            <a:lvl9pPr marL="3886200" indent="-228600" eaLnBrk="0" fontAlgn="base" hangingPunct="0">
+              <a:spcBef>
+                <a:spcPct val="0"/>
+              </a:spcBef>
+              <a:spcAft>
+                <a:spcPct val="0"/>
+              </a:spcAft>
+              <a:defRPr sz="2400">
+                <a:solidFill>
+                  <a:schemeClr val="tx1"/>
+                </a:solidFill>
+                <a:latin typeface="Trebuchet MS" charset="0"/>
+                <a:ea typeface="ＭＳ Ｐゴシック" charset="0"/>
+              </a:defRPr>
+            </a:lvl9pPr>
+          </a:lstStyle>
+          <a:p>
+            <a:pPr algn="l" eaLnBrk="1" hangingPunct="1"/>
+            <a:r>
+              <a:rPr lang="en-US" sz="1200" b="1" dirty="0" smtClean="0">
+                <a:solidFill>
+                  <a:srgbClr val="122956"/>
+                </a:solidFill>
+                <a:cs typeface="Trebuchet MS" charset="0"/>
+              </a:rPr>
+              <a:t>6-</a:t>
+            </a:r>
+            <a:fld id="{31B56995-E14C-B64F-86C9-12D6DB74A41E}" type="slidenum">
+              <a:rPr lang="en-US" sz="1200" b="1">
+                <a:solidFill>
+                  <a:srgbClr val="122956"/>
+                </a:solidFill>
+                <a:cs typeface="Trebuchet MS" charset="0"/>
+              </a:rPr>
+              <a:pPr algn="l" eaLnBrk="1" hangingPunct="1"/>
+              <a:t>6</a:t>
+            </a:fld>
+            <a:endParaRPr lang="en-US" sz="1200" b="1" dirty="0">
+              <a:solidFill>
+                <a:srgbClr val="122956"/>
+              </a:solidFill>
+              <a:cs typeface="Trebuchet MS" charset="0"/>
+            </a:endParaRPr>
+          </a:p>
+        </p:txBody>
+      </p:sp>
     </p:spTree>
     <p:extLst>
       <p:ext uri="{BB962C8B-B14F-4D97-AF65-F5344CB8AC3E}">
@@ -12211,6 +14069,186 @@
           </a:p>
         </p:txBody>
       </p:sp>
+      <p:sp>
+        <p:nvSpPr>
+          <p:cNvPr id="26" name="Slide Number Placeholder 5"/>
+          <p:cNvSpPr>
+            <a:spLocks noGrp="1"/>
+          </p:cNvSpPr>
+          <p:nvPr>
+            <p:ph type="sldNum" sz="quarter" idx="12"/>
+          </p:nvPr>
+        </p:nvSpPr>
+        <p:spPr bwMode="auto">
+          <a:xfrm>
+            <a:off x="203200" y="6400800"/>
+            <a:ext cx="2133600" cy="365125"/>
+          </a:xfrm>
+          <a:noFill/>
+          <a:extLst>
+            <a:ext uri="{909E8E84-426E-40dd-AFC4-6F175D3DCCD1}">
+              <a14:hiddenFill xmlns:a14="http://schemas.microsoft.com/office/drawing/2010/main">
+                <a:solidFill>
+                  <a:srgbClr val="FFFFFF"/>
+                </a:solidFill>
+              </a14:hiddenFill>
+            </a:ext>
+            <a:ext uri="{91240B29-F687-4f45-9708-019B960494DF}">
+              <a14:hiddenLine xmlns:a14="http://schemas.microsoft.com/office/drawing/2010/main" w="9525">
+                <a:solidFill>
+                  <a:srgbClr val="000000"/>
+                </a:solidFill>
+                <a:miter lim="800000"/>
+                <a:headEnd/>
+                <a:tailEnd/>
+              </a14:hiddenLine>
+            </a:ext>
+          </a:extLst>
+        </p:spPr>
+        <p:txBody>
+          <a:bodyPr vert="horz" wrap="square" lIns="91440" tIns="45720" rIns="91440" bIns="45720" numCol="1" anchor="ctr" anchorCtr="0" compatLnSpc="1">
+            <a:prstTxWarp prst="textNoShape">
+              <a:avLst/>
+            </a:prstTxWarp>
+          </a:bodyPr>
+          <a:lstStyle>
+            <a:lvl1pPr eaLnBrk="0" hangingPunct="0">
+              <a:defRPr sz="2400">
+                <a:solidFill>
+                  <a:schemeClr val="tx1"/>
+                </a:solidFill>
+                <a:latin typeface="Trebuchet MS" charset="0"/>
+                <a:ea typeface="ＭＳ Ｐゴシック" charset="0"/>
+                <a:cs typeface="ＭＳ Ｐゴシック" charset="0"/>
+              </a:defRPr>
+            </a:lvl1pPr>
+            <a:lvl2pPr marL="742950" indent="-285750" eaLnBrk="0" hangingPunct="0">
+              <a:defRPr sz="2400">
+                <a:solidFill>
+                  <a:schemeClr val="tx1"/>
+                </a:solidFill>
+                <a:latin typeface="Trebuchet MS" charset="0"/>
+                <a:ea typeface="ＭＳ Ｐゴシック" charset="0"/>
+              </a:defRPr>
+            </a:lvl2pPr>
+            <a:lvl3pPr marL="1143000" indent="-228600" eaLnBrk="0" hangingPunct="0">
+              <a:defRPr sz="2400">
+                <a:solidFill>
+                  <a:schemeClr val="tx1"/>
+                </a:solidFill>
+                <a:latin typeface="Trebuchet MS" charset="0"/>
+                <a:ea typeface="ＭＳ Ｐゴシック" charset="0"/>
+              </a:defRPr>
+            </a:lvl3pPr>
+            <a:lvl4pPr marL="1600200" indent="-228600" eaLnBrk="0" hangingPunct="0">
+              <a:defRPr sz="2400">
+                <a:solidFill>
+                  <a:schemeClr val="tx1"/>
+                </a:solidFill>
+                <a:latin typeface="Trebuchet MS" charset="0"/>
+                <a:ea typeface="ＭＳ Ｐゴシック" charset="0"/>
+              </a:defRPr>
+            </a:lvl4pPr>
+            <a:lvl5pPr marL="2057400" indent="-228600" eaLnBrk="0" hangingPunct="0">
+              <a:defRPr sz="2400">
+                <a:solidFill>
+                  <a:schemeClr val="tx1"/>
+                </a:solidFill>
+                <a:latin typeface="Trebuchet MS" charset="0"/>
+                <a:ea typeface="ＭＳ Ｐゴシック" charset="0"/>
+              </a:defRPr>
+            </a:lvl5pPr>
+            <a:lvl6pPr marL="2514600" indent="-228600" eaLnBrk="0" fontAlgn="base" hangingPunct="0">
+              <a:spcBef>
+                <a:spcPct val="0"/>
+              </a:spcBef>
+              <a:spcAft>
+                <a:spcPct val="0"/>
+              </a:spcAft>
+              <a:defRPr sz="2400">
+                <a:solidFill>
+                  <a:schemeClr val="tx1"/>
+                </a:solidFill>
+                <a:latin typeface="Trebuchet MS" charset="0"/>
+                <a:ea typeface="ＭＳ Ｐゴシック" charset="0"/>
+              </a:defRPr>
+            </a:lvl6pPr>
+            <a:lvl7pPr marL="2971800" indent="-228600" eaLnBrk="0" fontAlgn="base" hangingPunct="0">
+              <a:spcBef>
+                <a:spcPct val="0"/>
+              </a:spcBef>
+              <a:spcAft>
+                <a:spcPct val="0"/>
+              </a:spcAft>
+              <a:defRPr sz="2400">
+                <a:solidFill>
+                  <a:schemeClr val="tx1"/>
+                </a:solidFill>
+                <a:latin typeface="Trebuchet MS" charset="0"/>
+                <a:ea typeface="ＭＳ Ｐゴシック" charset="0"/>
+              </a:defRPr>
+            </a:lvl7pPr>
+            <a:lvl8pPr marL="3429000" indent="-228600" eaLnBrk="0" fontAlgn="base" hangingPunct="0">
+              <a:spcBef>
+                <a:spcPct val="0"/>
+              </a:spcBef>
+              <a:spcAft>
+                <a:spcPct val="0"/>
+              </a:spcAft>
+              <a:defRPr sz="2400">
+                <a:solidFill>
+                  <a:schemeClr val="tx1"/>
+                </a:solidFill>
+                <a:latin typeface="Trebuchet MS" charset="0"/>
+                <a:ea typeface="ＭＳ Ｐゴシック" charset="0"/>
+              </a:defRPr>
+            </a:lvl8pPr>
+            <a:lvl9pPr marL="3886200" indent="-228600" eaLnBrk="0" fontAlgn="base" hangingPunct="0">
+              <a:spcBef>
+                <a:spcPct val="0"/>
+              </a:spcBef>
+              <a:spcAft>
+                <a:spcPct val="0"/>
+              </a:spcAft>
+              <a:defRPr sz="2400">
+                <a:solidFill>
+                  <a:schemeClr val="tx1"/>
+                </a:solidFill>
+                <a:latin typeface="Trebuchet MS" charset="0"/>
+                <a:ea typeface="ＭＳ Ｐゴシック" charset="0"/>
+              </a:defRPr>
+            </a:lvl9pPr>
+          </a:lstStyle>
+          <a:p>
+            <a:pPr algn="l" eaLnBrk="1" hangingPunct="1"/>
+            <a:r>
+              <a:rPr lang="en-US" sz="1200" b="1" dirty="0" smtClean="0">
+                <a:solidFill>
+                  <a:srgbClr val="122956"/>
+                </a:solidFill>
+                <a:cs typeface="Trebuchet MS" charset="0"/>
+              </a:rPr>
+              <a:t>6-</a:t>
+            </a:r>
+            <a:fld id="{31B56995-E14C-B64F-86C9-12D6DB74A41E}" type="slidenum">
+              <a:rPr lang="en-US" sz="1200" b="1">
+                <a:solidFill>
+                  <a:srgbClr val="122956"/>
+                </a:solidFill>
+                <a:cs typeface="Trebuchet MS" charset="0"/>
+              </a:rPr>
+              <a:pPr algn="l" eaLnBrk="1" hangingPunct="1"/>
+              <a:t>7</a:t>
+            </a:fld>
+            <a:endParaRPr lang="en-US" sz="1200" b="1" dirty="0">
+              <a:solidFill>
+                <a:srgbClr val="122956"/>
+              </a:solidFill>
+              <a:cs typeface="Trebuchet MS" charset="0"/>
+            </a:endParaRPr>
+          </a:p>
+        </p:txBody>
+      </p:sp>
     </p:spTree>
     <p:extLst>
       <p:ext uri="{BB962C8B-B14F-4D97-AF65-F5344CB8AC3E}">
@@ -12931,6 +14969,186 @@
           </a:p>
         </p:txBody>
       </p:sp>
+      <p:sp>
+        <p:nvSpPr>
+          <p:cNvPr id="27" name="Slide Number Placeholder 5"/>
+          <p:cNvSpPr>
+            <a:spLocks noGrp="1"/>
+          </p:cNvSpPr>
+          <p:nvPr>
+            <p:ph type="sldNum" sz="quarter" idx="12"/>
+          </p:nvPr>
+        </p:nvSpPr>
+        <p:spPr bwMode="auto">
+          <a:xfrm>
+            <a:off x="203200" y="6400800"/>
+            <a:ext cx="2133600" cy="365125"/>
+          </a:xfrm>
+          <a:noFill/>
+          <a:extLst>
+            <a:ext uri="{909E8E84-426E-40dd-AFC4-6F175D3DCCD1}">
+              <a14:hiddenFill xmlns:a14="http://schemas.microsoft.com/office/drawing/2010/main">
+                <a:solidFill>
+                  <a:srgbClr val="FFFFFF"/>
+                </a:solidFill>
+              </a14:hiddenFill>
+            </a:ext>
+            <a:ext uri="{91240B29-F687-4f45-9708-019B960494DF}">
+              <a14:hiddenLine xmlns:a14="http://schemas.microsoft.com/office/drawing/2010/main" w="9525">
+                <a:solidFill>
+                  <a:srgbClr val="000000"/>
+                </a:solidFill>
+                <a:miter lim="800000"/>
+                <a:headEnd/>
+                <a:tailEnd/>
+              </a14:hiddenLine>
+            </a:ext>
+          </a:extLst>
+        </p:spPr>
+        <p:txBody>
+          <a:bodyPr vert="horz" wrap="square" lIns="91440" tIns="45720" rIns="91440" bIns="45720" numCol="1" anchor="ctr" anchorCtr="0" compatLnSpc="1">
+            <a:prstTxWarp prst="textNoShape">
+              <a:avLst/>
+            </a:prstTxWarp>
+          </a:bodyPr>
+          <a:lstStyle>
+            <a:lvl1pPr eaLnBrk="0" hangingPunct="0">
+              <a:defRPr sz="2400">
+                <a:solidFill>
+                  <a:schemeClr val="tx1"/>
+                </a:solidFill>
+                <a:latin typeface="Trebuchet MS" charset="0"/>
+                <a:ea typeface="ＭＳ Ｐゴシック" charset="0"/>
+                <a:cs typeface="ＭＳ Ｐゴシック" charset="0"/>
+              </a:defRPr>
+            </a:lvl1pPr>
+            <a:lvl2pPr marL="742950" indent="-285750" eaLnBrk="0" hangingPunct="0">
+              <a:defRPr sz="2400">
+                <a:solidFill>
+                  <a:schemeClr val="tx1"/>
+                </a:solidFill>
+                <a:latin typeface="Trebuchet MS" charset="0"/>
+                <a:ea typeface="ＭＳ Ｐゴシック" charset="0"/>
+              </a:defRPr>
+            </a:lvl2pPr>
+            <a:lvl3pPr marL="1143000" indent="-228600" eaLnBrk="0" hangingPunct="0">
+              <a:defRPr sz="2400">
+                <a:solidFill>
+                  <a:schemeClr val="tx1"/>
+                </a:solidFill>
+                <a:latin typeface="Trebuchet MS" charset="0"/>
+                <a:ea typeface="ＭＳ Ｐゴシック" charset="0"/>
+              </a:defRPr>
+            </a:lvl3pPr>
+            <a:lvl4pPr marL="1600200" indent="-228600" eaLnBrk="0" hangingPunct="0">
+              <a:defRPr sz="2400">
+                <a:solidFill>
+                  <a:schemeClr val="tx1"/>
+                </a:solidFill>
+                <a:latin typeface="Trebuchet MS" charset="0"/>
+                <a:ea typeface="ＭＳ Ｐゴシック" charset="0"/>
+              </a:defRPr>
+            </a:lvl4pPr>
+            <a:lvl5pPr marL="2057400" indent="-228600" eaLnBrk="0" hangingPunct="0">
+              <a:defRPr sz="2400">
+                <a:solidFill>
+                  <a:schemeClr val="tx1"/>
+                </a:solidFill>
+                <a:latin typeface="Trebuchet MS" charset="0"/>
+                <a:ea typeface="ＭＳ Ｐゴシック" charset="0"/>
+              </a:defRPr>
+            </a:lvl5pPr>
+            <a:lvl6pPr marL="2514600" indent="-228600" eaLnBrk="0" fontAlgn="base" hangingPunct="0">
+              <a:spcBef>
+                <a:spcPct val="0"/>
+              </a:spcBef>
+              <a:spcAft>
+                <a:spcPct val="0"/>
+              </a:spcAft>
+              <a:defRPr sz="2400">
+                <a:solidFill>
+                  <a:schemeClr val="tx1"/>
+                </a:solidFill>
+                <a:latin typeface="Trebuchet MS" charset="0"/>
+                <a:ea typeface="ＭＳ Ｐゴシック" charset="0"/>
+              </a:defRPr>
+            </a:lvl6pPr>
+            <a:lvl7pPr marL="2971800" indent="-228600" eaLnBrk="0" fontAlgn="base" hangingPunct="0">
+              <a:spcBef>
+                <a:spcPct val="0"/>
+              </a:spcBef>
+              <a:spcAft>
+                <a:spcPct val="0"/>
+              </a:spcAft>
+              <a:defRPr sz="2400">
+                <a:solidFill>
+                  <a:schemeClr val="tx1"/>
+                </a:solidFill>
+                <a:latin typeface="Trebuchet MS" charset="0"/>
+                <a:ea typeface="ＭＳ Ｐゴシック" charset="0"/>
+              </a:defRPr>
+            </a:lvl7pPr>
+            <a:lvl8pPr marL="3429000" indent="-228600" eaLnBrk="0" fontAlgn="base" hangingPunct="0">
+              <a:spcBef>
+                <a:spcPct val="0"/>
+              </a:spcBef>
+              <a:spcAft>
+                <a:spcPct val="0"/>
+              </a:spcAft>
+              <a:defRPr sz="2400">
+                <a:solidFill>
+                  <a:schemeClr val="tx1"/>
+                </a:solidFill>
+                <a:latin typeface="Trebuchet MS" charset="0"/>
+                <a:ea typeface="ＭＳ Ｐゴシック" charset="0"/>
+              </a:defRPr>
+            </a:lvl8pPr>
+            <a:lvl9pPr marL="3886200" indent="-228600" eaLnBrk="0" fontAlgn="base" hangingPunct="0">
+              <a:spcBef>
+                <a:spcPct val="0"/>
+              </a:spcBef>
+              <a:spcAft>
+                <a:spcPct val="0"/>
+              </a:spcAft>
+              <a:defRPr sz="2400">
+                <a:solidFill>
+                  <a:schemeClr val="tx1"/>
+                </a:solidFill>
+                <a:latin typeface="Trebuchet MS" charset="0"/>
+                <a:ea typeface="ＭＳ Ｐゴシック" charset="0"/>
+              </a:defRPr>
+            </a:lvl9pPr>
+          </a:lstStyle>
+          <a:p>
+            <a:pPr algn="l" eaLnBrk="1" hangingPunct="1"/>
+            <a:r>
+              <a:rPr lang="en-US" sz="1200" b="1" dirty="0" smtClean="0">
+                <a:solidFill>
+                  <a:srgbClr val="122956"/>
+                </a:solidFill>
+                <a:cs typeface="Trebuchet MS" charset="0"/>
+              </a:rPr>
+              <a:t>6-</a:t>
+            </a:r>
+            <a:fld id="{31B56995-E14C-B64F-86C9-12D6DB74A41E}" type="slidenum">
+              <a:rPr lang="en-US" sz="1200" b="1">
+                <a:solidFill>
+                  <a:srgbClr val="122956"/>
+                </a:solidFill>
+                <a:cs typeface="Trebuchet MS" charset="0"/>
+              </a:rPr>
+              <a:pPr algn="l" eaLnBrk="1" hangingPunct="1"/>
+              <a:t>8</a:t>
+            </a:fld>
+            <a:endParaRPr lang="en-US" sz="1200" b="1" dirty="0">
+              <a:solidFill>
+                <a:srgbClr val="122956"/>
+              </a:solidFill>
+              <a:cs typeface="Trebuchet MS" charset="0"/>
+            </a:endParaRPr>
+          </a:p>
+        </p:txBody>
+      </p:sp>
     </p:spTree>
     <p:extLst>
       <p:ext uri="{BB962C8B-B14F-4D97-AF65-F5344CB8AC3E}">
@@ -13420,6 +15638,186 @@
           </p:spPr>
         </p:pic>
       </p:grpSp>
+      <p:sp>
+        <p:nvSpPr>
+          <p:cNvPr id="13" name="Slide Number Placeholder 5"/>
+          <p:cNvSpPr>
+            <a:spLocks noGrp="1"/>
+          </p:cNvSpPr>
+          <p:nvPr>
+            <p:ph type="sldNum" sz="quarter" idx="12"/>
+          </p:nvPr>
+        </p:nvSpPr>
+        <p:spPr bwMode="auto">
+          <a:xfrm>
+            <a:off x="203200" y="6400800"/>
+            <a:ext cx="2133600" cy="365125"/>
+          </a:xfrm>
+          <a:noFill/>
+          <a:extLst>
+            <a:ext uri="{909E8E84-426E-40dd-AFC4-6F175D3DCCD1}">
+              <a14:hiddenFill xmlns:a14="http://schemas.microsoft.com/office/drawing/2010/main">
+                <a:solidFill>
+                  <a:srgbClr val="FFFFFF"/>
+                </a:solidFill>
+              </a14:hiddenFill>
+            </a:ext>
+            <a:ext uri="{91240B29-F687-4f45-9708-019B960494DF}">
+              <a14:hiddenLine xmlns:a14="http://schemas.microsoft.com/office/drawing/2010/main" w="9525">
+                <a:solidFill>
+                  <a:srgbClr val="000000"/>
+                </a:solidFill>
+                <a:miter lim="800000"/>
+                <a:headEnd/>
+                <a:tailEnd/>
+              </a14:hiddenLine>
+            </a:ext>
+          </a:extLst>
+        </p:spPr>
+        <p:txBody>
+          <a:bodyPr vert="horz" wrap="square" lIns="91440" tIns="45720" rIns="91440" bIns="45720" numCol="1" anchor="ctr" anchorCtr="0" compatLnSpc="1">
+            <a:prstTxWarp prst="textNoShape">
+              <a:avLst/>
+            </a:prstTxWarp>
+          </a:bodyPr>
+          <a:lstStyle>
+            <a:lvl1pPr eaLnBrk="0" hangingPunct="0">
+              <a:defRPr sz="2400">
+                <a:solidFill>
+                  <a:schemeClr val="tx1"/>
+                </a:solidFill>
+                <a:latin typeface="Trebuchet MS" charset="0"/>
+                <a:ea typeface="ＭＳ Ｐゴシック" charset="0"/>
+                <a:cs typeface="ＭＳ Ｐゴシック" charset="0"/>
+              </a:defRPr>
+            </a:lvl1pPr>
+            <a:lvl2pPr marL="742950" indent="-285750" eaLnBrk="0" hangingPunct="0">
+              <a:defRPr sz="2400">
+                <a:solidFill>
+                  <a:schemeClr val="tx1"/>
+                </a:solidFill>
+                <a:latin typeface="Trebuchet MS" charset="0"/>
+                <a:ea typeface="ＭＳ Ｐゴシック" charset="0"/>
+              </a:defRPr>
+            </a:lvl2pPr>
+            <a:lvl3pPr marL="1143000" indent="-228600" eaLnBrk="0" hangingPunct="0">
+              <a:defRPr sz="2400">
+                <a:solidFill>
+                  <a:schemeClr val="tx1"/>
+                </a:solidFill>
+                <a:latin typeface="Trebuchet MS" charset="0"/>
+                <a:ea typeface="ＭＳ Ｐゴシック" charset="0"/>
+              </a:defRPr>
+            </a:lvl3pPr>
+            <a:lvl4pPr marL="1600200" indent="-228600" eaLnBrk="0" hangingPunct="0">
+              <a:defRPr sz="2400">
+                <a:solidFill>
+                  <a:schemeClr val="tx1"/>
+                </a:solidFill>
+                <a:latin typeface="Trebuchet MS" charset="0"/>
+                <a:ea typeface="ＭＳ Ｐゴシック" charset="0"/>
+              </a:defRPr>
+            </a:lvl4pPr>
+            <a:lvl5pPr marL="2057400" indent="-228600" eaLnBrk="0" hangingPunct="0">
+              <a:defRPr sz="2400">
+                <a:solidFill>
+                  <a:schemeClr val="tx1"/>
+                </a:solidFill>
+                <a:latin typeface="Trebuchet MS" charset="0"/>
+                <a:ea typeface="ＭＳ Ｐゴシック" charset="0"/>
+              </a:defRPr>
+            </a:lvl5pPr>
+            <a:lvl6pPr marL="2514600" indent="-228600" eaLnBrk="0" fontAlgn="base" hangingPunct="0">
+              <a:spcBef>
+                <a:spcPct val="0"/>
+              </a:spcBef>
+              <a:spcAft>
+                <a:spcPct val="0"/>
+              </a:spcAft>
+              <a:defRPr sz="2400">
+                <a:solidFill>
+                  <a:schemeClr val="tx1"/>
+                </a:solidFill>
+                <a:latin typeface="Trebuchet MS" charset="0"/>
+                <a:ea typeface="ＭＳ Ｐゴシック" charset="0"/>
+              </a:defRPr>
+            </a:lvl6pPr>
+            <a:lvl7pPr marL="2971800" indent="-228600" eaLnBrk="0" fontAlgn="base" hangingPunct="0">
+              <a:spcBef>
+                <a:spcPct val="0"/>
+              </a:spcBef>
+              <a:spcAft>
+                <a:spcPct val="0"/>
+              </a:spcAft>
+              <a:defRPr sz="2400">
+                <a:solidFill>
+                  <a:schemeClr val="tx1"/>
+                </a:solidFill>
+                <a:latin typeface="Trebuchet MS" charset="0"/>
+                <a:ea typeface="ＭＳ Ｐゴシック" charset="0"/>
+              </a:defRPr>
+            </a:lvl7pPr>
+            <a:lvl8pPr marL="3429000" indent="-228600" eaLnBrk="0" fontAlgn="base" hangingPunct="0">
+              <a:spcBef>
+                <a:spcPct val="0"/>
+              </a:spcBef>
+              <a:spcAft>
+                <a:spcPct val="0"/>
+              </a:spcAft>
+              <a:defRPr sz="2400">
+                <a:solidFill>
+                  <a:schemeClr val="tx1"/>
+                </a:solidFill>
+                <a:latin typeface="Trebuchet MS" charset="0"/>
+                <a:ea typeface="ＭＳ Ｐゴシック" charset="0"/>
+              </a:defRPr>
+            </a:lvl8pPr>
+            <a:lvl9pPr marL="3886200" indent="-228600" eaLnBrk="0" fontAlgn="base" hangingPunct="0">
+              <a:spcBef>
+                <a:spcPct val="0"/>
+              </a:spcBef>
+              <a:spcAft>
+                <a:spcPct val="0"/>
+              </a:spcAft>
+              <a:defRPr sz="2400">
+                <a:solidFill>
+                  <a:schemeClr val="tx1"/>
+                </a:solidFill>
+                <a:latin typeface="Trebuchet MS" charset="0"/>
+                <a:ea typeface="ＭＳ Ｐゴシック" charset="0"/>
+              </a:defRPr>
+            </a:lvl9pPr>
+          </a:lstStyle>
+          <a:p>
+            <a:pPr algn="l" eaLnBrk="1" hangingPunct="1"/>
+            <a:r>
+              <a:rPr lang="en-US" sz="1200" b="1" dirty="0" smtClean="0">
+                <a:solidFill>
+                  <a:srgbClr val="122956"/>
+                </a:solidFill>
+                <a:cs typeface="Trebuchet MS" charset="0"/>
+              </a:rPr>
+              <a:t>6-</a:t>
+            </a:r>
+            <a:fld id="{31B56995-E14C-B64F-86C9-12D6DB74A41E}" type="slidenum">
+              <a:rPr lang="en-US" sz="1200" b="1">
+                <a:solidFill>
+                  <a:srgbClr val="122956"/>
+                </a:solidFill>
+                <a:cs typeface="Trebuchet MS" charset="0"/>
+              </a:rPr>
+              <a:pPr algn="l" eaLnBrk="1" hangingPunct="1"/>
+              <a:t>9</a:t>
+            </a:fld>
+            <a:endParaRPr lang="en-US" sz="1200" b="1" dirty="0">
+              <a:solidFill>
+                <a:srgbClr val="122956"/>
+              </a:solidFill>
+              <a:cs typeface="Trebuchet MS" charset="0"/>
+            </a:endParaRPr>
+          </a:p>
+        </p:txBody>
+      </p:sp>
     </p:spTree>
     <p:extLst>
       <p:ext uri="{BB962C8B-B14F-4D97-AF65-F5344CB8AC3E}">

--- a/330.pptx
+++ b/330.pptx
@@ -247,7 +247,7 @@
               <a:pPr>
                 <a:defRPr/>
               </a:pPr>
-              <a:t>8/19/11</a:t>
+              <a:t>9/27/11</a:t>
             </a:fld>
             <a:endParaRPr lang="en-US"/>
           </a:p>
@@ -430,7 +430,7 @@
               <a:pPr>
                 <a:defRPr/>
               </a:pPr>
-              <a:t>8/19/11</a:t>
+              <a:t>9/27/11</a:t>
             </a:fld>
             <a:endParaRPr lang="en-US"/>
           </a:p>
@@ -4750,7 +4750,7 @@
               <a:pPr>
                 <a:defRPr/>
               </a:pPr>
-              <a:t>8/19/11</a:t>
+              <a:t>9/27/11</a:t>
             </a:fld>
             <a:endParaRPr lang="en-US"/>
           </a:p>
@@ -5130,7 +5130,7 @@
               <a:pPr>
                 <a:defRPr/>
               </a:pPr>
-              <a:t>8/19/11</a:t>
+              <a:t>9/27/11</a:t>
             </a:fld>
             <a:endParaRPr lang="en-US"/>
           </a:p>
@@ -5692,7 +5692,7 @@
               <a:pPr>
                 <a:defRPr/>
               </a:pPr>
-              <a:t>8/19/11</a:t>
+              <a:t>9/27/11</a:t>
             </a:fld>
             <a:endParaRPr lang="en-US"/>
           </a:p>
@@ -6302,7 +6302,7 @@
               <a:pPr>
                 <a:defRPr/>
               </a:pPr>
-              <a:t>8/19/11</a:t>
+              <a:t>9/27/11</a:t>
             </a:fld>
             <a:endParaRPr lang="en-US"/>
           </a:p>
@@ -6424,7 +6424,7 @@
               <a:pPr>
                 <a:defRPr/>
               </a:pPr>
-              <a:t>8/19/11</a:t>
+              <a:t>9/27/11</a:t>
             </a:fld>
             <a:endParaRPr lang="en-US"/>
           </a:p>
@@ -6711,7 +6711,7 @@
               <a:pPr>
                 <a:defRPr/>
               </a:pPr>
-              <a:t>8/19/11</a:t>
+              <a:t>9/27/11</a:t>
             </a:fld>
             <a:endParaRPr lang="en-US"/>
           </a:p>
@@ -8358,7 +8358,7 @@
                 </a:solidFill>
                 <a:cs typeface="Trebuchet MS" charset="0"/>
               </a:rPr>
-              <a:t>6-</a:t>
+              <a:t>UIC-</a:t>
             </a:r>
             <a:fld id="{31B56995-E14C-B64F-86C9-12D6DB74A41E}" type="slidenum">
               <a:rPr lang="en-US" sz="1200" b="1">
@@ -9090,13 +9090,13 @@
           <a:p>
             <a:pPr algn="l" eaLnBrk="1" hangingPunct="1"/>
             <a:r>
-              <a:rPr lang="en-US" sz="1200" b="1" dirty="0" smtClean="0">
+              <a:rPr lang="en-US" sz="1200" b="1" dirty="0">
                 <a:solidFill>
                   <a:srgbClr val="122956"/>
                 </a:solidFill>
                 <a:cs typeface="Trebuchet MS" charset="0"/>
               </a:rPr>
-              <a:t>6-</a:t>
+              <a:t>UIC-</a:t>
             </a:r>
             <a:fld id="{31B56995-E14C-B64F-86C9-12D6DB74A41E}" type="slidenum">
               <a:rPr lang="en-US" sz="1200" b="1">
@@ -9387,13 +9387,13 @@
           <a:p>
             <a:pPr algn="l" eaLnBrk="1" hangingPunct="1"/>
             <a:r>
-              <a:rPr lang="en-US" sz="1200" b="1" dirty="0" smtClean="0">
+              <a:rPr lang="en-US" sz="1200" b="1" dirty="0">
                 <a:solidFill>
                   <a:srgbClr val="122956"/>
                 </a:solidFill>
                 <a:cs typeface="Trebuchet MS" charset="0"/>
               </a:rPr>
-              <a:t>6-</a:t>
+              <a:t>UIC-</a:t>
             </a:r>
             <a:fld id="{31B56995-E14C-B64F-86C9-12D6DB74A41E}" type="slidenum">
               <a:rPr lang="en-US" sz="1200" b="1">
@@ -9697,13 +9697,13 @@
           <a:p>
             <a:pPr algn="l" eaLnBrk="1" hangingPunct="1"/>
             <a:r>
-              <a:rPr lang="en-US" sz="1200" b="1" dirty="0" smtClean="0">
+              <a:rPr lang="en-US" sz="1200" b="1" dirty="0">
                 <a:solidFill>
                   <a:srgbClr val="122956"/>
                 </a:solidFill>
                 <a:cs typeface="Trebuchet MS" charset="0"/>
               </a:rPr>
-              <a:t>6-</a:t>
+              <a:t>UIC-</a:t>
             </a:r>
             <a:fld id="{31B56995-E14C-B64F-86C9-12D6DB74A41E}" type="slidenum">
               <a:rPr lang="en-US" sz="1200" b="1">
@@ -9985,13 +9985,13 @@
           <a:p>
             <a:pPr algn="l" eaLnBrk="1" hangingPunct="1"/>
             <a:r>
-              <a:rPr lang="en-US" sz="1200" b="1" dirty="0" smtClean="0">
+              <a:rPr lang="en-US" sz="1200" b="1" dirty="0">
                 <a:solidFill>
                   <a:srgbClr val="122956"/>
                 </a:solidFill>
                 <a:cs typeface="Trebuchet MS" charset="0"/>
               </a:rPr>
-              <a:t>6-</a:t>
+              <a:t>UIC-</a:t>
             </a:r>
             <a:fld id="{31B56995-E14C-B64F-86C9-12D6DB74A41E}" type="slidenum">
               <a:rPr lang="en-US" sz="1200" b="1">
@@ -10316,13 +10316,13 @@
           <a:p>
             <a:pPr algn="l" eaLnBrk="1" hangingPunct="1"/>
             <a:r>
-              <a:rPr lang="en-US" sz="1200" b="1" dirty="0" smtClean="0">
+              <a:rPr lang="en-US" sz="1200" b="1" dirty="0">
                 <a:solidFill>
                   <a:srgbClr val="122956"/>
                 </a:solidFill>
                 <a:cs typeface="Trebuchet MS" charset="0"/>
               </a:rPr>
-              <a:t>6-</a:t>
+              <a:t>UIC-</a:t>
             </a:r>
             <a:fld id="{31B56995-E14C-B64F-86C9-12D6DB74A41E}" type="slidenum">
               <a:rPr lang="en-US" sz="1200" b="1">
@@ -10606,13 +10606,13 @@
           <a:p>
             <a:pPr algn="l" eaLnBrk="1" hangingPunct="1"/>
             <a:r>
-              <a:rPr lang="en-US" sz="1200" b="1" dirty="0" smtClean="0">
+              <a:rPr lang="en-US" sz="1200" b="1" dirty="0">
                 <a:solidFill>
                   <a:srgbClr val="122956"/>
                 </a:solidFill>
                 <a:cs typeface="Trebuchet MS" charset="0"/>
               </a:rPr>
-              <a:t>6-</a:t>
+              <a:t>UIC-</a:t>
             </a:r>
             <a:fld id="{31B56995-E14C-B64F-86C9-12D6DB74A41E}" type="slidenum">
               <a:rPr lang="en-US" sz="1200" b="1">
@@ -10942,13 +10942,13 @@
           <a:p>
             <a:pPr algn="l" eaLnBrk="1" hangingPunct="1"/>
             <a:r>
-              <a:rPr lang="en-US" sz="1200" b="1" dirty="0" smtClean="0">
+              <a:rPr lang="en-US" sz="1200" b="1" dirty="0">
                 <a:solidFill>
                   <a:srgbClr val="122956"/>
                 </a:solidFill>
                 <a:cs typeface="Trebuchet MS" charset="0"/>
               </a:rPr>
-              <a:t>6-</a:t>
+              <a:t>UIC-</a:t>
             </a:r>
             <a:fld id="{31B56995-E14C-B64F-86C9-12D6DB74A41E}" type="slidenum">
               <a:rPr lang="en-US" sz="1200" b="1">
@@ -11540,13 +11540,13 @@
           <a:p>
             <a:pPr algn="l" eaLnBrk="1" hangingPunct="1"/>
             <a:r>
-              <a:rPr lang="en-US" sz="1200" b="1" dirty="0" smtClean="0">
+              <a:rPr lang="en-US" sz="1200" b="1" dirty="0">
                 <a:solidFill>
                   <a:srgbClr val="122956"/>
                 </a:solidFill>
                 <a:cs typeface="Trebuchet MS" charset="0"/>
               </a:rPr>
-              <a:t>6-</a:t>
+              <a:t>UIC-</a:t>
             </a:r>
             <a:fld id="{31B56995-E14C-B64F-86C9-12D6DB74A41E}" type="slidenum">
               <a:rPr lang="en-US" sz="1200" b="1">
@@ -12465,13 +12465,13 @@
           <a:p>
             <a:pPr algn="l" eaLnBrk="1" hangingPunct="1"/>
             <a:r>
-              <a:rPr lang="en-US" sz="1200" b="1" dirty="0" smtClean="0">
+              <a:rPr lang="en-US" sz="1200" b="1" dirty="0">
                 <a:solidFill>
                   <a:srgbClr val="122956"/>
                 </a:solidFill>
                 <a:cs typeface="Trebuchet MS" charset="0"/>
               </a:rPr>
-              <a:t>6-</a:t>
+              <a:t>UIC-</a:t>
             </a:r>
             <a:fld id="{31B56995-E14C-B64F-86C9-12D6DB74A41E}" type="slidenum">
               <a:rPr lang="en-US" sz="1200" b="1">
@@ -13297,13 +13297,13 @@
           <a:p>
             <a:pPr algn="l" eaLnBrk="1" hangingPunct="1"/>
             <a:r>
-              <a:rPr lang="en-US" sz="1200" b="1" dirty="0" smtClean="0">
+              <a:rPr lang="en-US" sz="1200" b="1" dirty="0">
                 <a:solidFill>
                   <a:srgbClr val="122956"/>
                 </a:solidFill>
                 <a:cs typeface="Trebuchet MS" charset="0"/>
               </a:rPr>
-              <a:t>6-</a:t>
+              <a:t>UIC-</a:t>
             </a:r>
             <a:fld id="{31B56995-E14C-B64F-86C9-12D6DB74A41E}" type="slidenum">
               <a:rPr lang="en-US" sz="1200" b="1">
@@ -14222,13 +14222,13 @@
           <a:p>
             <a:pPr algn="l" eaLnBrk="1" hangingPunct="1"/>
             <a:r>
-              <a:rPr lang="en-US" sz="1200" b="1" dirty="0" smtClean="0">
+              <a:rPr lang="en-US" sz="1200" b="1" dirty="0">
                 <a:solidFill>
                   <a:srgbClr val="122956"/>
                 </a:solidFill>
                 <a:cs typeface="Trebuchet MS" charset="0"/>
               </a:rPr>
-              <a:t>6-</a:t>
+              <a:t>UIC-</a:t>
             </a:r>
             <a:fld id="{31B56995-E14C-B64F-86C9-12D6DB74A41E}" type="slidenum">
               <a:rPr lang="en-US" sz="1200" b="1">
@@ -15122,13 +15122,13 @@
           <a:p>
             <a:pPr algn="l" eaLnBrk="1" hangingPunct="1"/>
             <a:r>
-              <a:rPr lang="en-US" sz="1200" b="1" dirty="0" smtClean="0">
+              <a:rPr lang="en-US" sz="1200" b="1" dirty="0">
                 <a:solidFill>
                   <a:srgbClr val="122956"/>
                 </a:solidFill>
                 <a:cs typeface="Trebuchet MS" charset="0"/>
               </a:rPr>
-              <a:t>6-</a:t>
+              <a:t>UIC-</a:t>
             </a:r>
             <a:fld id="{31B56995-E14C-B64F-86C9-12D6DB74A41E}" type="slidenum">
               <a:rPr lang="en-US" sz="1200" b="1">
@@ -15791,13 +15791,13 @@
           <a:p>
             <a:pPr algn="l" eaLnBrk="1" hangingPunct="1"/>
             <a:r>
-              <a:rPr lang="en-US" sz="1200" b="1" dirty="0" smtClean="0">
+              <a:rPr lang="en-US" sz="1200" b="1" dirty="0">
                 <a:solidFill>
                   <a:srgbClr val="122956"/>
                 </a:solidFill>
                 <a:cs typeface="Trebuchet MS" charset="0"/>
               </a:rPr>
-              <a:t>6-</a:t>
+              <a:t>UIC-</a:t>
             </a:r>
             <a:fld id="{31B56995-E14C-B64F-86C9-12D6DB74A41E}" type="slidenum">
               <a:rPr lang="en-US" sz="1200" b="1">

--- a/330.pptx
+++ b/330.pptx
@@ -247,7 +247,7 @@
               <a:pPr>
                 <a:defRPr/>
               </a:pPr>
-              <a:t>9/27/11</a:t>
+              <a:t>11/4/11</a:t>
             </a:fld>
             <a:endParaRPr lang="en-US"/>
           </a:p>
@@ -430,7 +430,7 @@
               <a:pPr>
                 <a:defRPr/>
               </a:pPr>
-              <a:t>9/27/11</a:t>
+              <a:t>11/4/11</a:t>
             </a:fld>
             <a:endParaRPr lang="en-US"/>
           </a:p>
@@ -4238,6 +4238,14 @@
             </a:r>
             <a:r>
               <a:rPr lang="en-US" dirty="0" err="1" smtClean="0"/>
+              <a:t>keyboardType</a:t>
+            </a:r>
+            <a:r>
+              <a:rPr lang="en-US" dirty="0" smtClean="0"/>
+              <a:t> =  </a:t>
+            </a:r>
+            <a:r>
+              <a:rPr lang="en-US" dirty="0" err="1" smtClean="0"/>
               <a:t>Ti.UI.type_name</a:t>
             </a:r>
             <a:endParaRPr lang="en-US" dirty="0"/>
@@ -4462,6 +4470,28 @@
         <p:txBody>
           <a:bodyPr/>
           <a:lstStyle/>
+          <a:p>
+            <a:r>
+              <a:rPr lang="en-US" dirty="0" err="1" smtClean="0"/>
+              <a:t>field.returnKeyType</a:t>
+            </a:r>
+            <a:r>
+              <a:rPr lang="en-US" dirty="0" smtClean="0"/>
+              <a:t> = </a:t>
+            </a:r>
+            <a:r>
+              <a:rPr lang="en-US" dirty="0" err="1" smtClean="0"/>
+              <a:t>Ti.UI.RETURNKEY_</a:t>
+            </a:r>
+            <a:r>
+              <a:rPr lang="en-US" i="1" dirty="0" err="1" smtClean="0"/>
+              <a:t>type</a:t>
+            </a:r>
+            <a:endParaRPr lang="en-US" i="1" dirty="0" smtClean="0"/>
+          </a:p>
+          <a:p>
+            <a:endParaRPr lang="en-US" dirty="0" smtClean="0"/>
+          </a:p>
           <a:p>
             <a:r>
               <a:rPr lang="en-US" dirty="0" smtClean="0"/>
@@ -4750,7 +4780,7 @@
               <a:pPr>
                 <a:defRPr/>
               </a:pPr>
-              <a:t>9/27/11</a:t>
+              <a:t>11/4/11</a:t>
             </a:fld>
             <a:endParaRPr lang="en-US"/>
           </a:p>
@@ -5130,7 +5160,7 @@
               <a:pPr>
                 <a:defRPr/>
               </a:pPr>
-              <a:t>9/27/11</a:t>
+              <a:t>11/4/11</a:t>
             </a:fld>
             <a:endParaRPr lang="en-US"/>
           </a:p>
@@ -5692,7 +5722,7 @@
               <a:pPr>
                 <a:defRPr/>
               </a:pPr>
-              <a:t>9/27/11</a:t>
+              <a:t>11/4/11</a:t>
             </a:fld>
             <a:endParaRPr lang="en-US"/>
           </a:p>
@@ -6302,7 +6332,7 @@
               <a:pPr>
                 <a:defRPr/>
               </a:pPr>
-              <a:t>9/27/11</a:t>
+              <a:t>11/4/11</a:t>
             </a:fld>
             <a:endParaRPr lang="en-US"/>
           </a:p>
@@ -6424,7 +6454,7 @@
               <a:pPr>
                 <a:defRPr/>
               </a:pPr>
-              <a:t>9/27/11</a:t>
+              <a:t>11/4/11</a:t>
             </a:fld>
             <a:endParaRPr lang="en-US"/>
           </a:p>
@@ -6711,7 +6741,7 @@
               <a:pPr>
                 <a:defRPr/>
               </a:pPr>
-              <a:t>9/27/11</a:t>
+              <a:t>11/4/11</a:t>
             </a:fld>
             <a:endParaRPr lang="en-US"/>
           </a:p>
@@ -13121,8 +13151,33 @@
           <a:p>
             <a:r>
               <a:rPr lang="en-US" dirty="0" smtClean="0"/>
-              <a:t>Keyboard Type</a:t>
-            </a:r>
+              <a:t>Keyboard </a:t>
+            </a:r>
+            <a:r>
+              <a:rPr lang="en-US" dirty="0" smtClean="0"/>
+              <a:t>Type</a:t>
+            </a:r>
+          </a:p>
+          <a:p>
+            <a:r>
+              <a:rPr lang="en-US" dirty="0"/>
+              <a:t>	</a:t>
+            </a:r>
+            <a:r>
+              <a:rPr lang="en-US" sz="2000" dirty="0" smtClean="0"/>
+              <a:t>Set with </a:t>
+            </a:r>
+            <a:r>
+              <a:rPr lang="en-US" sz="2000" dirty="0" err="1" smtClean="0">
+                <a:latin typeface="Courier"/>
+                <a:cs typeface="Courier"/>
+              </a:rPr>
+              <a:t>textfield.keyboardType</a:t>
+            </a:r>
+            <a:endParaRPr lang="en-US" dirty="0" smtClean="0">
+              <a:latin typeface="Courier"/>
+              <a:cs typeface="Courier"/>
+            </a:endParaRPr>
           </a:p>
           <a:p>
             <a:endParaRPr lang="en-US" dirty="0"/>
@@ -13132,6 +13187,23 @@
               <a:rPr lang="en-US" dirty="0" smtClean="0"/>
               <a:t>Assigning the Return key</a:t>
             </a:r>
+          </a:p>
+          <a:p>
+            <a:r>
+              <a:rPr lang="en-US" sz="2000" dirty="0"/>
+              <a:t>	Set with </a:t>
+            </a:r>
+            <a:r>
+              <a:rPr lang="en-US" sz="2000" dirty="0" err="1" smtClean="0">
+                <a:latin typeface="Courier"/>
+                <a:cs typeface="Courier"/>
+              </a:rPr>
+              <a:t>textfield.returnKeyType</a:t>
+            </a:r>
+            <a:endParaRPr lang="en-US" sz="2000" dirty="0">
+              <a:latin typeface="Courier"/>
+              <a:cs typeface="Courier"/>
+            </a:endParaRPr>
           </a:p>
           <a:p>
             <a:endParaRPr lang="en-US" dirty="0"/>

--- a/330.pptx
+++ b/330.pptx
@@ -247,7 +247,7 @@
               <a:pPr>
                 <a:defRPr/>
               </a:pPr>
-              <a:t>11/4/11</a:t>
+              <a:t>12/7/11</a:t>
             </a:fld>
             <a:endParaRPr lang="en-US"/>
           </a:p>
@@ -430,7 +430,7 @@
               <a:pPr>
                 <a:defRPr/>
               </a:pPr>
-              <a:t>11/4/11</a:t>
+              <a:t>12/7/11</a:t>
             </a:fld>
             <a:endParaRPr lang="en-US"/>
           </a:p>
@@ -1347,54 +1347,38 @@
             </a:r>
             <a:r>
               <a:rPr lang="en-US" baseline="0" dirty="0" smtClean="0"/>
-              <a:t> 5 includes many form-related additions</a:t>
-            </a:r>
-          </a:p>
-          <a:p>
+              <a:t> 5 includes many form-related </a:t>
+            </a:r>
+            <a:r>
+              <a:rPr lang="en-US" baseline="0" dirty="0" smtClean="0"/>
+              <a:t>additions</a:t>
+            </a:r>
+          </a:p>
+          <a:p>
+            <a:r>
+              <a:rPr lang="en-US" baseline="0" dirty="0" smtClean="0"/>
+              <a:t>Keyboard types</a:t>
+            </a:r>
+          </a:p>
+          <a:p>
+            <a:r>
+              <a:rPr lang="en-US" baseline="0" dirty="0" smtClean="0"/>
+              <a:t>Control size of page via the meta tag</a:t>
+            </a:r>
             <a:endParaRPr lang="en-US" baseline="0" dirty="0" smtClean="0"/>
           </a:p>
           <a:p>
             <a:r>
               <a:rPr lang="en-US" baseline="0" dirty="0" smtClean="0"/>
-              <a:t>HTML 5 form validation not fully supported across platforms</a:t>
+              <a:t>HTML </a:t>
+            </a:r>
+            <a:r>
+              <a:rPr lang="en-US" baseline="0" dirty="0" smtClean="0"/>
+              <a:t>5 form validation not fully supported across platforms</a:t>
             </a:r>
           </a:p>
           <a:p>
             <a:endParaRPr lang="en-US" baseline="0" dirty="0" smtClean="0"/>
-          </a:p>
-          <a:p>
-            <a:r>
-              <a:rPr lang="en-US" baseline="0" dirty="0" smtClean="0"/>
-              <a:t>Demo: finished </a:t>
-            </a:r>
-            <a:r>
-              <a:rPr lang="en-US" baseline="0" dirty="0" err="1" smtClean="0"/>
-              <a:t>BountyHunter</a:t>
-            </a:r>
-            <a:r>
-              <a:rPr lang="en-US" baseline="0" dirty="0" smtClean="0"/>
-              <a:t>, new bounty form is built with HTML</a:t>
-            </a:r>
-          </a:p>
-          <a:p>
-            <a:pPr marL="171450" indent="-171450">
-              <a:buFont typeface="Arial"/>
-              <a:buChar char="•"/>
-            </a:pPr>
-            <a:r>
-              <a:rPr lang="en-US" baseline="0" dirty="0" smtClean="0"/>
-              <a:t>Fields auto-scroll to remain visible</a:t>
-            </a:r>
-          </a:p>
-          <a:p>
-            <a:pPr marL="171450" indent="-171450">
-              <a:buFont typeface="Arial"/>
-              <a:buChar char="•"/>
-            </a:pPr>
-            <a:r>
-              <a:rPr lang="en-US" baseline="0" dirty="0" smtClean="0"/>
-              <a:t>Next/previous buttons</a:t>
-            </a:r>
           </a:p>
           <a:p>
             <a:endParaRPr lang="en-US" baseline="0" dirty="0" smtClean="0"/>
@@ -2006,13 +1990,57 @@
             </a:r>
             <a:r>
               <a:rPr lang="en-US" baseline="0" dirty="0" smtClean="0"/>
-              <a:t> object.  </a:t>
-            </a:r>
-            <a:r>
-              <a:rPr lang="en-US" baseline="0" smtClean="0"/>
-              <a:t>Let’s use a web view to create a nicer input form.</a:t>
-            </a:r>
-            <a:endParaRPr lang="en-US" smtClean="0"/>
+              <a:t> object.  Let’s use a web view to create a nicer input form.</a:t>
+            </a:r>
+            <a:endParaRPr lang="en-US" dirty="0" smtClean="0"/>
+          </a:p>
+          <a:p>
+            <a:pPr eaLnBrk="1" hangingPunct="1">
+              <a:spcBef>
+                <a:spcPct val="0"/>
+              </a:spcBef>
+              <a:buClrTx/>
+              <a:buFontTx/>
+              <a:buNone/>
+            </a:pPr>
+            <a:endParaRPr lang="en-US" dirty="0" smtClean="0">
+              <a:latin typeface="Calibri" charset="0"/>
+              <a:cs typeface="ＭＳ Ｐゴシック" charset="0"/>
+            </a:endParaRPr>
+          </a:p>
+          <a:p>
+            <a:r>
+              <a:rPr lang="en-US" baseline="0" dirty="0" smtClean="0"/>
+              <a:t>Demo: finished </a:t>
+            </a:r>
+            <a:r>
+              <a:rPr lang="en-US" baseline="0" dirty="0" err="1" smtClean="0"/>
+              <a:t>BountyHunter</a:t>
+            </a:r>
+            <a:r>
+              <a:rPr lang="en-US" baseline="0" dirty="0" smtClean="0"/>
+              <a:t>, new bounty form is built with HTML</a:t>
+            </a:r>
+          </a:p>
+          <a:p>
+            <a:pPr marL="171450" indent="-171450">
+              <a:buFont typeface="Arial"/>
+              <a:buChar char="•"/>
+            </a:pPr>
+            <a:r>
+              <a:rPr lang="en-US" baseline="0" dirty="0" smtClean="0"/>
+              <a:t>Fields auto-scroll to remain visible</a:t>
+            </a:r>
+          </a:p>
+          <a:p>
+            <a:pPr marL="171450" indent="-171450">
+              <a:buFont typeface="Arial"/>
+              <a:buChar char="•"/>
+            </a:pPr>
+            <a:r>
+              <a:rPr lang="en-US" baseline="0" dirty="0" smtClean="0"/>
+              <a:t>Next/previous buttons</a:t>
+            </a:r>
           </a:p>
           <a:p>
             <a:pPr eaLnBrk="1" hangingPunct="1">
@@ -4780,7 +4808,7 @@
               <a:pPr>
                 <a:defRPr/>
               </a:pPr>
-              <a:t>11/4/11</a:t>
+              <a:t>12/7/11</a:t>
             </a:fld>
             <a:endParaRPr lang="en-US"/>
           </a:p>
@@ -5160,7 +5188,7 @@
               <a:pPr>
                 <a:defRPr/>
               </a:pPr>
-              <a:t>11/4/11</a:t>
+              <a:t>12/7/11</a:t>
             </a:fld>
             <a:endParaRPr lang="en-US"/>
           </a:p>
@@ -5722,7 +5750,7 @@
               <a:pPr>
                 <a:defRPr/>
               </a:pPr>
-              <a:t>11/4/11</a:t>
+              <a:t>12/7/11</a:t>
             </a:fld>
             <a:endParaRPr lang="en-US"/>
           </a:p>
@@ -6332,7 +6360,7 @@
               <a:pPr>
                 <a:defRPr/>
               </a:pPr>
-              <a:t>11/4/11</a:t>
+              <a:t>12/7/11</a:t>
             </a:fld>
             <a:endParaRPr lang="en-US"/>
           </a:p>
@@ -6454,7 +6482,7 @@
               <a:pPr>
                 <a:defRPr/>
               </a:pPr>
-              <a:t>11/4/11</a:t>
+              <a:t>12/7/11</a:t>
             </a:fld>
             <a:endParaRPr lang="en-US"/>
           </a:p>
@@ -6741,7 +6769,7 @@
               <a:pPr>
                 <a:defRPr/>
               </a:pPr>
-              <a:t>11/4/11</a:t>
+              <a:t>12/7/11</a:t>
             </a:fld>
             <a:endParaRPr lang="en-US"/>
           </a:p>
@@ -9242,25 +9270,110 @@
           <a:p>
             <a:r>
               <a:rPr lang="en-US" dirty="0" smtClean="0"/>
-              <a:t>HTML 5 form validation</a:t>
-            </a:r>
+              <a:t>HTML 5 </a:t>
+            </a:r>
+            <a:r>
+              <a:rPr lang="en-US" dirty="0" smtClean="0"/>
+              <a:t>forms:</a:t>
+            </a:r>
+          </a:p>
+          <a:p>
+            <a:pPr marL="800100" lvl="1" indent="-342900">
+              <a:spcBef>
+                <a:spcPts val="1080"/>
+              </a:spcBef>
+              <a:buFont typeface="Arial"/>
+              <a:buChar char="•"/>
+            </a:pPr>
+            <a:r>
+              <a:rPr lang="en-US" dirty="0" smtClean="0"/>
+              <a:t>Keyboard types set with &lt;input type=</a:t>
+            </a:r>
+            <a:r>
+              <a:rPr lang="en-US" i="1" dirty="0" smtClean="0"/>
+              <a:t>type</a:t>
+            </a:r>
+            <a:r>
+              <a:rPr lang="en-US" dirty="0" smtClean="0"/>
+              <a:t>&gt; </a:t>
+            </a:r>
+            <a:br>
+              <a:rPr lang="en-US" dirty="0" smtClean="0"/>
+            </a:br>
+            <a:r>
+              <a:rPr lang="en-US" dirty="0" smtClean="0">
+                <a:hlinkClick r:id="rId3"/>
+              </a:rPr>
+              <a:t>www.w3</a:t>
+            </a:r>
+            <a:r>
+              <a:rPr lang="en-US" dirty="0">
+                <a:hlinkClick r:id="rId3"/>
+              </a:rPr>
+              <a:t>.org/TR/html5/the-input-element.html#attr-input-</a:t>
+            </a:r>
+            <a:r>
+              <a:rPr lang="en-US" dirty="0" smtClean="0">
+                <a:hlinkClick r:id="rId3"/>
+              </a:rPr>
+              <a:t>type</a:t>
+            </a:r>
+            <a:endParaRPr lang="en-US" dirty="0" smtClean="0"/>
+          </a:p>
+          <a:p>
+            <a:pPr marL="800100" lvl="1" indent="-342900">
+              <a:spcBef>
+                <a:spcPts val="1080"/>
+              </a:spcBef>
+              <a:buFont typeface="Arial"/>
+              <a:buChar char="•"/>
+            </a:pPr>
+            <a:r>
+              <a:rPr lang="en-US" dirty="0" smtClean="0"/>
+              <a:t>Controlling the “viewport” </a:t>
+            </a:r>
+            <a:r>
+              <a:rPr lang="en-US" dirty="0" smtClean="0">
+                <a:hlinkClick r:id="rId4"/>
+              </a:rPr>
+              <a:t>http</a:t>
+            </a:r>
+            <a:r>
+              <a:rPr lang="en-US" dirty="0">
+                <a:hlinkClick r:id="rId4"/>
+              </a:rPr>
+              <a:t>://bit.ly/</a:t>
+            </a:r>
+            <a:r>
+              <a:rPr lang="en-US" dirty="0" smtClean="0">
+                <a:hlinkClick r:id="rId4"/>
+              </a:rPr>
+              <a:t>sxiFMK</a:t>
+            </a:r>
+            <a:r>
+              <a:rPr lang="en-US" dirty="0" smtClean="0"/>
+              <a:t> </a:t>
+            </a:r>
+          </a:p>
+          <a:p>
+            <a:pPr marL="800100" lvl="1" indent="-342900">
+              <a:spcBef>
+                <a:spcPts val="1080"/>
+              </a:spcBef>
+              <a:buFont typeface="Arial"/>
+              <a:buChar char="•"/>
+            </a:pPr>
+            <a:r>
+              <a:rPr lang="en-US" dirty="0" smtClean="0"/>
+              <a:t>Form validation support</a:t>
+            </a:r>
+            <a:endParaRPr lang="en-US" dirty="0" smtClean="0"/>
+          </a:p>
+          <a:p>
+            <a:endParaRPr lang="en-US" dirty="0" smtClean="0"/>
           </a:p>
           <a:p>
             <a:endParaRPr lang="en-US" dirty="0"/>
-          </a:p>
-          <a:p>
-            <a:r>
-              <a:rPr lang="en-US" dirty="0" smtClean="0"/>
-              <a:t>Demo: Embedded </a:t>
-            </a:r>
-            <a:r>
-              <a:rPr lang="en-US" dirty="0" err="1" smtClean="0"/>
-              <a:t>WebView</a:t>
-            </a:r>
-            <a:r>
-              <a:rPr lang="en-US" dirty="0" smtClean="0"/>
-              <a:t> form</a:t>
-            </a:r>
           </a:p>
         </p:txBody>
       </p:sp>
@@ -9857,8 +9970,22 @@
           <a:p>
             <a:r>
               <a:rPr lang="en-US" dirty="0" smtClean="0"/>
-              <a:t>Transmit collected data back to native land so data can be saved to a database</a:t>
-            </a:r>
+              <a:t>Transmit collected data back to native land so data can be saved to a </a:t>
+            </a:r>
+            <a:r>
+              <a:rPr lang="en-US" dirty="0" smtClean="0"/>
+              <a:t>database</a:t>
+            </a:r>
+          </a:p>
+          <a:p>
+            <a:endParaRPr lang="en-US" dirty="0"/>
+          </a:p>
+          <a:p>
+            <a:r>
+              <a:rPr lang="en-US" dirty="0" smtClean="0"/>
+              <a:t>Demo &amp; Wiki URL</a:t>
+            </a:r>
+            <a:endParaRPr lang="en-US" dirty="0" smtClean="0"/>
           </a:p>
         </p:txBody>
       </p:sp>
@@ -13151,11 +13278,7 @@
           <a:p>
             <a:r>
               <a:rPr lang="en-US" dirty="0" smtClean="0"/>
-              <a:t>Keyboard </a:t>
-            </a:r>
-            <a:r>
-              <a:rPr lang="en-US" dirty="0" smtClean="0"/>
-              <a:t>Type</a:t>
+              <a:t>Keyboard Type</a:t>
             </a:r>
           </a:p>
           <a:p>
